--- a/2차발표_2015180023엄동연.pptx
+++ b/2차발표_2015180023엄동연.pptx
@@ -265,7 +265,7 @@
             <a:fld id="{5586B75A-687E-405C-8A0B-8D00578BA2C3}" type="datetimeFigureOut">
               <a:rPr lang="en-US" smtClean="0"/>
               <a:pPr/>
-              <a:t>10/17/2016</a:t>
+              <a:t>10/18/2016</a:t>
             </a:fld>
             <a:endParaRPr lang="en-US" dirty="0"/>
           </a:p>
@@ -436,7 +436,7 @@
           <a:p>
             <a:fld id="{5F4E5243-F52A-4D37-9694-EB26C6C31910}" type="datetimeFigureOut">
               <a:rPr lang="en-US" smtClean="0"/>
-              <a:t>10/17/2016</a:t>
+              <a:t>10/18/2016</a:t>
             </a:fld>
             <a:endParaRPr lang="en-US" dirty="0"/>
           </a:p>
@@ -616,7 +616,7 @@
           <a:p>
             <a:fld id="{3A77B6E1-634A-48DC-9E8B-D894023267EF}" type="datetimeFigureOut">
               <a:rPr lang="en-US" smtClean="0"/>
-              <a:t>10/17/2016</a:t>
+              <a:t>10/18/2016</a:t>
             </a:fld>
             <a:endParaRPr lang="en-US" dirty="0"/>
           </a:p>
@@ -786,7 +786,7 @@
           <a:p>
             <a:fld id="{7B2D3E9E-A95C-48F2-B4BF-A71542E0BE9A}" type="datetimeFigureOut">
               <a:rPr lang="en-US" smtClean="0"/>
-              <a:t>10/17/2016</a:t>
+              <a:t>10/18/2016</a:t>
             </a:fld>
             <a:endParaRPr lang="en-US" dirty="0"/>
           </a:p>
@@ -1043,7 +1043,7 @@
             <a:fld id="{5586B75A-687E-405C-8A0B-8D00578BA2C3}" type="datetimeFigureOut">
               <a:rPr lang="en-US" smtClean="0"/>
               <a:pPr/>
-              <a:t>10/17/2016</a:t>
+              <a:t>10/18/2016</a:t>
             </a:fld>
             <a:endParaRPr lang="en-US" dirty="0"/>
           </a:p>
@@ -1332,7 +1332,7 @@
           <a:p>
             <a:fld id="{F12952B5-7A2F-4CC8-B7CE-9234E21C2837}" type="datetimeFigureOut">
               <a:rPr lang="en-US" smtClean="0"/>
-              <a:t>10/17/2016</a:t>
+              <a:t>10/18/2016</a:t>
             </a:fld>
             <a:endParaRPr lang="en-US" dirty="0"/>
           </a:p>
@@ -1761,7 +1761,7 @@
           <a:p>
             <a:fld id="{CE1DA07A-9201-4B4B-BAF2-015AFA30F520}" type="datetimeFigureOut">
               <a:rPr lang="en-US" smtClean="0"/>
-              <a:t>10/17/2016</a:t>
+              <a:t>10/18/2016</a:t>
             </a:fld>
             <a:endParaRPr lang="en-US" dirty="0"/>
           </a:p>
@@ -1879,7 +1879,7 @@
           <a:p>
             <a:fld id="{73D7E00A-486F-4252-8B1D-E32645521F49}" type="datetimeFigureOut">
               <a:rPr lang="en-US" smtClean="0"/>
-              <a:t>10/17/2016</a:t>
+              <a:t>10/18/2016</a:t>
             </a:fld>
             <a:endParaRPr lang="en-US" dirty="0"/>
           </a:p>
@@ -1974,7 +1974,7 @@
           <a:p>
             <a:fld id="{8DDF5F92-E675-4B36-9A60-69A962A68675}" type="datetimeFigureOut">
               <a:rPr lang="en-US" smtClean="0"/>
-              <a:t>10/17/2016</a:t>
+              <a:t>10/18/2016</a:t>
             </a:fld>
             <a:endParaRPr lang="en-US" dirty="0"/>
           </a:p>
@@ -2330,7 +2330,7 @@
           <a:p>
             <a:fld id="{AF6E2C9B-5FA2-460D-9BE7-B0812FC2A6FF}" type="datetimeFigureOut">
               <a:rPr lang="en-US" smtClean="0"/>
-              <a:t>10/17/2016</a:t>
+              <a:t>10/18/2016</a:t>
             </a:fld>
             <a:endParaRPr lang="en-US" dirty="0"/>
           </a:p>
@@ -2627,7 +2627,7 @@
             <a:fld id="{5586B75A-687E-405C-8A0B-8D00578BA2C3}" type="datetimeFigureOut">
               <a:rPr lang="en-US" smtClean="0"/>
               <a:pPr/>
-              <a:t>10/17/2016</a:t>
+              <a:t>10/18/2016</a:t>
             </a:fld>
             <a:endParaRPr lang="en-US" dirty="0"/>
           </a:p>
@@ -2851,7 +2851,7 @@
             <a:fld id="{5586B75A-687E-405C-8A0B-8D00578BA2C3}" type="datetimeFigureOut">
               <a:rPr lang="en-US" smtClean="0"/>
               <a:pPr/>
-              <a:t>10/17/2016</a:t>
+              <a:t>10/18/2016</a:t>
             </a:fld>
             <a:endParaRPr lang="en-US" dirty="0"/>
           </a:p>
@@ -3946,7 +3946,7 @@
           <p:nvPr>
             <p:extLst>
               <p:ext uri="{D42A27DB-BD31-4B8C-83A1-F6EECF244321}">
-                <p14:modId xmlns:p14="http://schemas.microsoft.com/office/powerpoint/2010/main" val="999713904"/>
+                <p14:modId xmlns:p14="http://schemas.microsoft.com/office/powerpoint/2010/main" val="2718498560"/>
               </p:ext>
             </p:extLst>
           </p:nvPr>
@@ -4075,7 +4075,7 @@
                           <a:latin typeface="배달의민족 한나는 열한살" panose="020B0600000101010101" pitchFamily="50" charset="-127"/>
                           <a:ea typeface="배달의민족 한나는 열한살" panose="020B0600000101010101" pitchFamily="50" charset="-127"/>
                         </a:rPr>
-                        <a:t>최소 범위</a:t>
+                        <a:t>기본 범위</a:t>
                       </a:r>
                       <a:endParaRPr kumimoji="0" lang="ko-KR" altLang="en-US" sz="1400" b="1" i="0" u="none" strike="noStrike" cap="none" normalizeH="0" baseline="0" dirty="0">
                         <a:ln>
@@ -6433,7 +6433,7 @@
           <p:nvPr>
             <p:extLst>
               <p:ext uri="{D42A27DB-BD31-4B8C-83A1-F6EECF244321}">
-                <p14:modId xmlns:p14="http://schemas.microsoft.com/office/powerpoint/2010/main" val="377405957"/>
+                <p14:modId xmlns:p14="http://schemas.microsoft.com/office/powerpoint/2010/main" val="4154066209"/>
               </p:ext>
             </p:extLst>
           </p:nvPr>
@@ -6576,6 +6576,16 @@
                         </a:rPr>
                         <a:t>주차</a:t>
                       </a:r>
+                      <a:endParaRPr lang="en-US" altLang="ko-KR" sz="1400" dirty="0">
+                        <a:solidFill>
+                          <a:schemeClr val="bg1">
+                            <a:lumMod val="75000"/>
+                            <a:lumOff val="25000"/>
+                          </a:schemeClr>
+                        </a:solidFill>
+                        <a:latin typeface="배달의민족 한나는 열한살" panose="020B0600000101010101" pitchFamily="50" charset="-127"/>
+                        <a:ea typeface="배달의민족 한나는 열한살" panose="020B0600000101010101" pitchFamily="50" charset="-127"/>
+                      </a:endParaRPr>
                     </a:p>
                   </a:txBody>
                   <a:tcPr marL="45954" marR="45954" marT="22977" marB="22977" anchor="ctr">
@@ -6891,6 +6901,16 @@
                         </a:rPr>
                         <a:t>주차</a:t>
                       </a:r>
+                      <a:endParaRPr lang="en-US" altLang="ko-KR" sz="1400" dirty="0">
+                        <a:solidFill>
+                          <a:schemeClr val="bg1">
+                            <a:lumMod val="75000"/>
+                            <a:lumOff val="25000"/>
+                          </a:schemeClr>
+                        </a:solidFill>
+                        <a:latin typeface="배달의민족 한나는 열한살" panose="020B0600000101010101" pitchFamily="50" charset="-127"/>
+                        <a:ea typeface="배달의민족 한나는 열한살" panose="020B0600000101010101" pitchFamily="50" charset="-127"/>
+                      </a:endParaRPr>
                     </a:p>
                   </a:txBody>
                   <a:tcPr marL="45954" marR="45954" marT="22977" marB="22977" anchor="ctr">
@@ -7134,6 +7154,16 @@
                         </a:rPr>
                         <a:t>주차</a:t>
                       </a:r>
+                      <a:endParaRPr lang="en-US" altLang="ko-KR" sz="1400" dirty="0">
+                        <a:solidFill>
+                          <a:schemeClr val="bg1">
+                            <a:lumMod val="75000"/>
+                            <a:lumOff val="25000"/>
+                          </a:schemeClr>
+                        </a:solidFill>
+                        <a:latin typeface="배달의민족 한나는 열한살" panose="020B0600000101010101" pitchFamily="50" charset="-127"/>
+                        <a:ea typeface="배달의민족 한나는 열한살" panose="020B0600000101010101" pitchFamily="50" charset="-127"/>
+                      </a:endParaRPr>
                     </a:p>
                   </a:txBody>
                   <a:tcPr marL="45954" marR="45954" marT="22977" marB="22977" anchor="ctr">
@@ -7310,7 +7340,7 @@
                           <a:latin typeface="나눔고딕" panose="020D0604000000000000" pitchFamily="50" charset="-127"/>
                           <a:ea typeface="나눔고딕" panose="020D0604000000000000" pitchFamily="50" charset="-127"/>
                         </a:rPr>
-                        <a:t>50</a:t>
+                        <a:t>65</a:t>
                       </a:r>
                       <a:r>
                         <a:rPr lang="en-US" altLang="ko-KR" sz="1200" b="1" dirty="0">
@@ -7380,7 +7410,7 @@
                           <a:latin typeface="나눔고딕" panose="020D0604000000000000" pitchFamily="50" charset="-127"/>
                           <a:ea typeface="나눔고딕" panose="020D0604000000000000" pitchFamily="50" charset="-127"/>
                         </a:rPr>
-                        <a:t>맵 이동 미완</a:t>
+                        <a:t>맵 이동 부분완료</a:t>
                       </a:r>
                       <a:endParaRPr lang="ko-KR" altLang="en-US" sz="1200" dirty="0">
                         <a:latin typeface="나눔고딕" panose="020D0604000000000000" pitchFamily="50" charset="-127"/>
@@ -7582,7 +7612,21 @@
                         <a:buFont typeface="Arial" panose="020B0604020202020204" pitchFamily="34" charset="0"/>
                         <a:buNone/>
                       </a:pPr>
-                      <a:endParaRPr lang="en-US" altLang="ko-KR" sz="1200" baseline="0" dirty="0">
+                      <a:r>
+                        <a:rPr lang="en-US" altLang="ko-KR" sz="1200" b="1" baseline="0" dirty="0">
+                          <a:latin typeface="나눔고딕" panose="020D0604000000000000" pitchFamily="50" charset="-127"/>
+                          <a:ea typeface="나눔고딕" panose="020D0604000000000000" pitchFamily="50" charset="-127"/>
+                        </a:rPr>
+                        <a:t> </a:t>
+                      </a:r>
+                      <a:r>
+                        <a:rPr lang="ko-KR" altLang="en-US" sz="1200" b="1" baseline="0" dirty="0">
+                          <a:latin typeface="나눔고딕" panose="020D0604000000000000" pitchFamily="50" charset="-127"/>
+                          <a:ea typeface="나눔고딕" panose="020D0604000000000000" pitchFamily="50" charset="-127"/>
+                        </a:rPr>
+                        <a:t>진행중</a:t>
+                      </a:r>
+                      <a:endParaRPr lang="en-US" altLang="ko-KR" sz="1200" b="0" baseline="0" dirty="0">
                         <a:latin typeface="나눔고딕" panose="020D0604000000000000" pitchFamily="50" charset="-127"/>
                         <a:ea typeface="나눔고딕" panose="020D0604000000000000" pitchFamily="50" charset="-127"/>
                       </a:endParaRPr>
@@ -8810,7 +8854,7 @@
         <p:spPr>
           <a:xfrm>
             <a:off x="230820" y="101161"/>
-            <a:ext cx="1172116" cy="400110"/>
+            <a:ext cx="2157963" cy="400110"/>
           </a:xfrm>
           <a:prstGeom prst="rect">
             <a:avLst/>
@@ -8834,7 +8878,7 @@
                 <a:latin typeface="배달의민족 도현" panose="020B0600000101010101" pitchFamily="50" charset="-127"/>
                 <a:ea typeface="배달의민족 도현" panose="020B0600000101010101" pitchFamily="50" charset="-127"/>
               </a:rPr>
-              <a:t>개발계획</a:t>
+              <a:t>개발계획 및 결과 </a:t>
             </a:r>
           </a:p>
         </p:txBody>
@@ -8932,7 +8976,7 @@
           <p:nvPr>
             <p:extLst>
               <p:ext uri="{D42A27DB-BD31-4B8C-83A1-F6EECF244321}">
-                <p14:modId xmlns:p14="http://schemas.microsoft.com/office/powerpoint/2010/main" val="397928412"/>
+                <p14:modId xmlns:p14="http://schemas.microsoft.com/office/powerpoint/2010/main" val="897366644"/>
               </p:ext>
             </p:extLst>
           </p:nvPr>
@@ -9517,7 +9561,7 @@
                           <a:latin typeface="나눔고딕" panose="020D0604000000000000" pitchFamily="50" charset="-127"/>
                           <a:ea typeface="나눔고딕" panose="020D0604000000000000" pitchFamily="50" charset="-127"/>
                         </a:rPr>
-                        <a:t>C</a:t>
+                        <a:t>B</a:t>
                       </a:r>
                       <a:endParaRPr lang="ko-KR" altLang="en-US" sz="1600" b="1" dirty="0">
                         <a:latin typeface="나눔고딕" panose="020D0604000000000000" pitchFamily="50" charset="-127"/>

--- a/2차발표_2015180023엄동연.pptx
+++ b/2차발표_2015180023엄동연.pptx
@@ -3357,7 +3357,7 @@
           <a:lstStyle/>
           <a:p>
             <a:pPr algn="ctr"/>
-            <a:endParaRPr lang="ko-KR" altLang="en-US"/>
+            <a:endParaRPr lang="ko-KR" altLang="en-US" dirty="0"/>
           </a:p>
         </p:txBody>
       </p:sp>
@@ -3589,7 +3589,7 @@
         <p:spPr>
           <a:xfrm>
             <a:off x="4386075" y="2982898"/>
-            <a:ext cx="6500497" cy="830997"/>
+            <a:ext cx="6287299" cy="830997"/>
           </a:xfrm>
           <a:prstGeom prst="rect">
             <a:avLst/>
@@ -3626,7 +3626,7 @@
                 <a:latin typeface="배달의민족 한나는 열한살" panose="020B0600000101010101" pitchFamily="50" charset="-127"/>
                 <a:ea typeface="배달의민족 한나는 열한살" panose="020B0600000101010101" pitchFamily="50" charset="-127"/>
               </a:rPr>
-              <a:t>끝없는 계단을 탈출하자 </a:t>
+              <a:t>끝없는 계단을 탈출하자</a:t>
             </a:r>
             <a:r>
               <a:rPr lang="en-US" altLang="ko-KR" sz="4800" dirty="0">
@@ -3639,7 +3639,7 @@
                 <a:latin typeface="배달의민족 한나는 열한살" panose="020B0600000101010101" pitchFamily="50" charset="-127"/>
                 <a:ea typeface="배달의민족 한나는 열한살" panose="020B0600000101010101" pitchFamily="50" charset="-127"/>
               </a:rPr>
-              <a:t>“</a:t>
+              <a:t>”</a:t>
             </a:r>
             <a:endParaRPr lang="ko-KR" altLang="en-US" sz="4800" dirty="0">
               <a:solidFill>
@@ -3946,7 +3946,7 @@
           <p:nvPr>
             <p:extLst>
               <p:ext uri="{D42A27DB-BD31-4B8C-83A1-F6EECF244321}">
-                <p14:modId xmlns:p14="http://schemas.microsoft.com/office/powerpoint/2010/main" val="2718498560"/>
+                <p14:modId xmlns:p14="http://schemas.microsoft.com/office/powerpoint/2010/main" val="3384520616"/>
               </p:ext>
             </p:extLst>
           </p:nvPr>
@@ -4549,41 +4549,7 @@
                           <a:latin typeface="나눔고딕" panose="020D0604000000000000" pitchFamily="50" charset="-127"/>
                           <a:ea typeface="나눔고딕" panose="020D0604000000000000" pitchFamily="50" charset="-127"/>
                         </a:rPr>
-                        <a:t>종 </a:t>
-                      </a:r>
-                      <a:r>
-                        <a:rPr kumimoji="0" lang="ko-KR" altLang="en-US" sz="1300" b="0" i="0" u="none" strike="noStrike" cap="none" normalizeH="0" baseline="0" dirty="0" err="1">
-                          <a:ln>
-                            <a:noFill/>
-                          </a:ln>
-                          <a:solidFill>
-                            <a:schemeClr val="bg1">
-                              <a:lumMod val="75000"/>
-                              <a:lumOff val="25000"/>
-                            </a:schemeClr>
-                          </a:solidFill>
-                          <a:effectLst/>
-                          <a:latin typeface="나눔고딕" panose="020D0604000000000000" pitchFamily="50" charset="-127"/>
-                          <a:ea typeface="나눔고딕" panose="020D0604000000000000" pitchFamily="50" charset="-127"/>
-                        </a:rPr>
-                        <a:t>스크롤으로</a:t>
-                      </a:r>
-                      <a:r>
-                        <a:rPr kumimoji="0" lang="ko-KR" altLang="en-US" sz="1300" b="0" i="0" u="none" strike="noStrike" cap="none" normalizeH="0" baseline="0" dirty="0">
-                          <a:ln>
-                            <a:noFill/>
-                          </a:ln>
-                          <a:solidFill>
-                            <a:schemeClr val="bg1">
-                              <a:lumMod val="75000"/>
-                              <a:lumOff val="25000"/>
-                            </a:schemeClr>
-                          </a:solidFill>
-                          <a:effectLst/>
-                          <a:latin typeface="나눔고딕" panose="020D0604000000000000" pitchFamily="50" charset="-127"/>
-                          <a:ea typeface="나눔고딕" panose="020D0604000000000000" pitchFamily="50" charset="-127"/>
-                        </a:rPr>
-                        <a:t> 맵 이동</a:t>
+                        <a:t>종 스크롤으로 맵 이동</a:t>
                       </a:r>
                       <a:endParaRPr kumimoji="0" lang="en-US" altLang="ko-KR" sz="1300" b="0" i="0" u="none" strike="noStrike" cap="none" normalizeH="0" baseline="0" dirty="0">
                         <a:ln>
@@ -5166,9 +5132,23 @@
                           <a:latin typeface="나눔고딕" panose="020D0604000000000000" pitchFamily="50" charset="-127"/>
                           <a:ea typeface="나눔고딕" panose="020D0604000000000000" pitchFamily="50" charset="-127"/>
                         </a:rPr>
-                        <a:t> 일정 시간 동안 시간게이지 정지</a:t>
-                      </a:r>
-                    </a:p>
+                        <a:t>추가 목숨</a:t>
+                      </a:r>
+                    </a:p>
+                  </a:txBody>
+                  <a:tcPr anchor="ctr" horzOverflow="overflow">
+                    <a:solidFill>
+                      <a:schemeClr val="bg2">
+                        <a:lumMod val="10000"/>
+                        <a:lumOff val="90000"/>
+                      </a:schemeClr>
+                    </a:solidFill>
+                  </a:tcPr>
+                </a:tc>
+                <a:tc>
+                  <a:txBody>
+                    <a:bodyPr/>
+                    <a:lstStyle/>
                     <a:p>
                       <a:pPr marL="285750" marR="0" lvl="0" indent="-285750" algn="l" defTabSz="914400" rtl="0" eaLnBrk="1" fontAlgn="base" latinLnBrk="1" hangingPunct="1">
                         <a:lnSpc>
@@ -5187,23 +5167,6 @@
                         <a:tabLst/>
                       </a:pPr>
                       <a:r>
-                        <a:rPr kumimoji="0" lang="en-US" altLang="ko-KR" sz="1300" u="none" strike="noStrike" cap="none" normalizeH="0" baseline="0" dirty="0">
-                          <a:ln>
-                            <a:noFill/>
-                          </a:ln>
-                          <a:solidFill>
-                            <a:schemeClr val="bg1">
-                              <a:lumMod val="75000"/>
-                              <a:lumOff val="25000"/>
-                            </a:schemeClr>
-                          </a:solidFill>
-                          <a:effectLst/>
-                          <a:latin typeface="나눔고딕" panose="020D0604000000000000" pitchFamily="50" charset="-127"/>
-                          <a:ea typeface="나눔고딕" panose="020D0604000000000000" pitchFamily="50" charset="-127"/>
-                        </a:rPr>
-                        <a:t> </a:t>
-                      </a:r>
-                      <a:r>
                         <a:rPr kumimoji="0" lang="ko-KR" altLang="en-US" sz="1300" u="none" strike="noStrike" cap="none" normalizeH="0" baseline="0" dirty="0">
                           <a:ln>
                             <a:noFill/>
@@ -5218,255 +5181,7 @@
                           <a:latin typeface="나눔고딕" panose="020D0604000000000000" pitchFamily="50" charset="-127"/>
                           <a:ea typeface="나눔고딕" panose="020D0604000000000000" pitchFamily="50" charset="-127"/>
                         </a:rPr>
-                        <a:t>추가 목숨</a:t>
-                      </a:r>
-                    </a:p>
-                  </a:txBody>
-                  <a:tcPr anchor="ctr" horzOverflow="overflow">
-                    <a:solidFill>
-                      <a:schemeClr val="bg2">
-                        <a:lumMod val="10000"/>
-                        <a:lumOff val="90000"/>
-                      </a:schemeClr>
-                    </a:solidFill>
-                  </a:tcPr>
-                </a:tc>
-                <a:tc>
-                  <a:txBody>
-                    <a:bodyPr/>
-                    <a:lstStyle/>
-                    <a:p>
-                      <a:pPr marL="285750" marR="0" lvl="0" indent="-285750" algn="l" defTabSz="914400" rtl="0" eaLnBrk="1" fontAlgn="base" latinLnBrk="1" hangingPunct="1">
-                        <a:lnSpc>
-                          <a:spcPct val="100000"/>
-                        </a:lnSpc>
-                        <a:spcBef>
-                          <a:spcPct val="0"/>
-                        </a:spcBef>
-                        <a:spcAft>
-                          <a:spcPct val="0"/>
-                        </a:spcAft>
-                        <a:buClrTx/>
-                        <a:buSzTx/>
-                        <a:buFont typeface="Arial" panose="020B0604020202020204" pitchFamily="34" charset="0"/>
-                        <a:buChar char="•"/>
-                        <a:tabLst/>
-                      </a:pPr>
-                      <a:r>
-                        <a:rPr kumimoji="0" lang="en-US" altLang="ko-KR" sz="1300" u="none" strike="noStrike" cap="none" normalizeH="0" baseline="0" dirty="0">
-                          <a:ln>
-                            <a:noFill/>
-                          </a:ln>
-                          <a:solidFill>
-                            <a:schemeClr val="bg1">
-                              <a:lumMod val="75000"/>
-                              <a:lumOff val="25000"/>
-                            </a:schemeClr>
-                          </a:solidFill>
-                          <a:effectLst/>
-                          <a:latin typeface="나눔고딕" panose="020D0604000000000000" pitchFamily="50" charset="-127"/>
-                          <a:ea typeface="나눔고딕" panose="020D0604000000000000" pitchFamily="50" charset="-127"/>
-                        </a:rPr>
-                        <a:t> </a:t>
-                      </a:r>
-                      <a:r>
-                        <a:rPr kumimoji="0" lang="ko-KR" altLang="en-US" sz="1300" u="none" strike="noStrike" cap="none" normalizeH="0" baseline="0" dirty="0">
-                          <a:ln>
-                            <a:noFill/>
-                          </a:ln>
-                          <a:solidFill>
-                            <a:schemeClr val="bg1">
-                              <a:lumMod val="75000"/>
-                              <a:lumOff val="25000"/>
-                            </a:schemeClr>
-                          </a:solidFill>
-                          <a:effectLst/>
-                          <a:latin typeface="나눔고딕" panose="020D0604000000000000" pitchFamily="50" charset="-127"/>
-                          <a:ea typeface="나눔고딕" panose="020D0604000000000000" pitchFamily="50" charset="-127"/>
-                        </a:rPr>
                         <a:t>일정 시간 동안 무적</a:t>
-                      </a:r>
-                      <a:endParaRPr kumimoji="0" lang="ko-KR" altLang="en-US" sz="1300" b="0" i="0" u="none" strike="noStrike" cap="none" normalizeH="0" baseline="0" dirty="0">
-                        <a:ln>
-                          <a:noFill/>
-                        </a:ln>
-                        <a:solidFill>
-                          <a:schemeClr val="bg1">
-                            <a:lumMod val="75000"/>
-                            <a:lumOff val="25000"/>
-                          </a:schemeClr>
-                        </a:solidFill>
-                        <a:effectLst/>
-                        <a:latin typeface="나눔고딕" panose="020D0604000000000000" pitchFamily="50" charset="-127"/>
-                        <a:ea typeface="나눔고딕" panose="020D0604000000000000" pitchFamily="50" charset="-127"/>
-                      </a:endParaRPr>
-                    </a:p>
-                  </a:txBody>
-                  <a:tcPr anchor="ctr" horzOverflow="overflow">
-                    <a:solidFill>
-                      <a:schemeClr val="bg2">
-                        <a:lumMod val="10000"/>
-                        <a:lumOff val="90000"/>
-                      </a:schemeClr>
-                    </a:solidFill>
-                  </a:tcPr>
-                </a:tc>
-                <a:extLst>
-                  <a:ext uri="{0D108BD9-81ED-4DB2-BD59-A6C34878D82A}">
-                    <a16:rowId xmlns:a16="http://schemas.microsoft.com/office/drawing/2014/main" val="10003"/>
-                  </a:ext>
-                </a:extLst>
-              </a:tr>
-              <a:tr h="862816">
-                <a:tc>
-                  <a:txBody>
-                    <a:bodyPr/>
-                    <a:lstStyle/>
-                    <a:p>
-                      <a:pPr marL="0" marR="0" lvl="0" indent="0" algn="ctr" defTabSz="914400" rtl="0" eaLnBrk="1" fontAlgn="base" latinLnBrk="1" hangingPunct="1">
-                        <a:lnSpc>
-                          <a:spcPct val="100000"/>
-                        </a:lnSpc>
-                        <a:spcBef>
-                          <a:spcPct val="0"/>
-                        </a:spcBef>
-                        <a:spcAft>
-                          <a:spcPct val="0"/>
-                        </a:spcAft>
-                        <a:buClrTx/>
-                        <a:buSzTx/>
-                        <a:buFontTx/>
-                        <a:buNone/>
-                        <a:tabLst/>
-                      </a:pPr>
-                      <a:r>
-                        <a:rPr kumimoji="0" lang="ko-KR" altLang="en-US" sz="1400" u="none" strike="noStrike" cap="none" normalizeH="0" baseline="0" dirty="0">
-                          <a:ln>
-                            <a:noFill/>
-                          </a:ln>
-                          <a:solidFill>
-                            <a:schemeClr val="bg1">
-                              <a:lumMod val="75000"/>
-                              <a:lumOff val="25000"/>
-                            </a:schemeClr>
-                          </a:solidFill>
-                          <a:effectLst/>
-                          <a:latin typeface="배달의민족 한나는 열한살" panose="020B0600000101010101" pitchFamily="50" charset="-127"/>
-                          <a:ea typeface="배달의민족 한나는 열한살" panose="020B0600000101010101" pitchFamily="50" charset="-127"/>
-                        </a:rPr>
-                        <a:t>게임 기능</a:t>
-                      </a:r>
-                      <a:endParaRPr kumimoji="0" lang="ko-KR" altLang="en-US" sz="1400" b="0" i="0" u="none" strike="noStrike" cap="none" normalizeH="0" baseline="0" dirty="0">
-                        <a:ln>
-                          <a:noFill/>
-                        </a:ln>
-                        <a:solidFill>
-                          <a:schemeClr val="bg1">
-                            <a:lumMod val="75000"/>
-                            <a:lumOff val="25000"/>
-                          </a:schemeClr>
-                        </a:solidFill>
-                        <a:effectLst/>
-                        <a:latin typeface="배달의민족 한나는 열한살" panose="020B0600000101010101" pitchFamily="50" charset="-127"/>
-                        <a:ea typeface="배달의민족 한나는 열한살" panose="020B0600000101010101" pitchFamily="50" charset="-127"/>
-                      </a:endParaRPr>
-                    </a:p>
-                  </a:txBody>
-                  <a:tcPr anchor="ctr" horzOverflow="overflow">
-                    <a:solidFill>
-                      <a:schemeClr val="bg2">
-                        <a:lumMod val="25000"/>
-                        <a:lumOff val="75000"/>
-                      </a:schemeClr>
-                    </a:solidFill>
-                  </a:tcPr>
-                </a:tc>
-                <a:tc>
-                  <a:txBody>
-                    <a:bodyPr/>
-                    <a:lstStyle/>
-                    <a:p>
-                      <a:pPr marL="285750" marR="0" lvl="0" indent="-285750" algn="l" defTabSz="914400" rtl="0" eaLnBrk="1" fontAlgn="base" latinLnBrk="1" hangingPunct="1">
-                        <a:lnSpc>
-                          <a:spcPct val="100000"/>
-                        </a:lnSpc>
-                        <a:spcBef>
-                          <a:spcPct val="0"/>
-                        </a:spcBef>
-                        <a:spcAft>
-                          <a:spcPct val="0"/>
-                        </a:spcAft>
-                        <a:buClrTx/>
-                        <a:buSzTx/>
-                        <a:buFont typeface="Arial" panose="020B0604020202020204" pitchFamily="34" charset="0"/>
-                        <a:buChar char="•"/>
-                        <a:tabLst/>
-                      </a:pPr>
-                      <a:r>
-                        <a:rPr kumimoji="0" lang="ko-KR" altLang="en-US" sz="1300" u="none" strike="noStrike" cap="none" normalizeH="0" baseline="0" dirty="0">
-                          <a:ln>
-                            <a:noFill/>
-                          </a:ln>
-                          <a:solidFill>
-                            <a:schemeClr val="bg1">
-                              <a:lumMod val="75000"/>
-                              <a:lumOff val="25000"/>
-                            </a:schemeClr>
-                          </a:solidFill>
-                          <a:effectLst/>
-                          <a:latin typeface="나눔고딕" panose="020D0604000000000000" pitchFamily="50" charset="-127"/>
-                          <a:ea typeface="나눔고딕" panose="020D0604000000000000" pitchFamily="50" charset="-127"/>
-                        </a:rPr>
-                        <a:t>한 계단마다 점수 증가</a:t>
-                      </a:r>
-                      <a:endParaRPr kumimoji="0" lang="en-US" altLang="ko-KR" sz="1300" b="0" i="0" u="none" strike="noStrike" cap="none" normalizeH="0" baseline="0" dirty="0">
-                        <a:ln>
-                          <a:noFill/>
-                        </a:ln>
-                        <a:solidFill>
-                          <a:schemeClr val="bg1">
-                            <a:lumMod val="75000"/>
-                            <a:lumOff val="25000"/>
-                          </a:schemeClr>
-                        </a:solidFill>
-                        <a:effectLst/>
-                        <a:latin typeface="나눔고딕" panose="020D0604000000000000" pitchFamily="50" charset="-127"/>
-                        <a:ea typeface="나눔고딕" panose="020D0604000000000000" pitchFamily="50" charset="-127"/>
-                      </a:endParaRPr>
-                    </a:p>
-                    <a:p>
-                      <a:pPr marL="285750" marR="0" lvl="0" indent="-285750" algn="l" defTabSz="914400" rtl="0" eaLnBrk="1" fontAlgn="base" latinLnBrk="1" hangingPunct="1">
-                        <a:lnSpc>
-                          <a:spcPct val="100000"/>
-                        </a:lnSpc>
-                        <a:spcBef>
-                          <a:spcPct val="0"/>
-                        </a:spcBef>
-                        <a:spcAft>
-                          <a:spcPct val="0"/>
-                        </a:spcAft>
-                        <a:buClrTx/>
-                        <a:buSzTx/>
-                        <a:buFont typeface="Arial" panose="020B0604020202020204" pitchFamily="34" charset="0"/>
-                        <a:buChar char="•"/>
-                        <a:tabLst/>
-                      </a:pPr>
-                      <a:r>
-                        <a:rPr kumimoji="0" lang="ko-KR" altLang="en-US" sz="1300" u="none" strike="noStrike" cap="none" normalizeH="0" baseline="0" dirty="0">
-                          <a:ln>
-                            <a:noFill/>
-                          </a:ln>
-                          <a:solidFill>
-                            <a:schemeClr val="bg1">
-                              <a:lumMod val="75000"/>
-                              <a:lumOff val="25000"/>
-                            </a:schemeClr>
-                          </a:solidFill>
-                          <a:effectLst/>
-                          <a:latin typeface="나눔고딕" panose="020D0604000000000000" pitchFamily="50" charset="-127"/>
-                          <a:ea typeface="나눔고딕" panose="020D0604000000000000" pitchFamily="50" charset="-127"/>
-                        </a:rPr>
-                        <a:t>일정 점수 흭득시 스테이지전환</a:t>
                       </a:r>
                       <a:endParaRPr kumimoji="0" lang="en-US" altLang="ko-KR" sz="1300" u="none" strike="noStrike" cap="none" normalizeH="0" baseline="0" dirty="0">
                         <a:ln>
@@ -5483,118 +5198,6 @@
                         <a:ea typeface="나눔고딕" panose="020D0604000000000000" pitchFamily="50" charset="-127"/>
                       </a:endParaRPr>
                     </a:p>
-                    <a:p>
-                      <a:pPr marL="285750" marR="0" lvl="0" indent="-285750" algn="l" defTabSz="914400" rtl="0" eaLnBrk="1" fontAlgn="base" latinLnBrk="1" hangingPunct="1">
-                        <a:lnSpc>
-                          <a:spcPct val="100000"/>
-                        </a:lnSpc>
-                        <a:spcBef>
-                          <a:spcPct val="0"/>
-                        </a:spcBef>
-                        <a:spcAft>
-                          <a:spcPct val="0"/>
-                        </a:spcAft>
-                        <a:buClrTx/>
-                        <a:buSzTx/>
-                        <a:buFont typeface="Arial" panose="020B0604020202020204" pitchFamily="34" charset="0"/>
-                        <a:buChar char="•"/>
-                        <a:tabLst/>
-                      </a:pPr>
-                      <a:r>
-                        <a:rPr kumimoji="0" lang="ko-KR" altLang="en-US" sz="1300" u="none" strike="noStrike" cap="none" normalizeH="0" baseline="0" dirty="0">
-                          <a:ln>
-                            <a:noFill/>
-                          </a:ln>
-                          <a:solidFill>
-                            <a:schemeClr val="bg1">
-                              <a:lumMod val="75000"/>
-                              <a:lumOff val="25000"/>
-                            </a:schemeClr>
-                          </a:solidFill>
-                          <a:effectLst/>
-                          <a:latin typeface="나눔고딕" panose="020D0604000000000000" pitchFamily="50" charset="-127"/>
-                          <a:ea typeface="나눔고딕" panose="020D0604000000000000" pitchFamily="50" charset="-127"/>
-                        </a:rPr>
-                        <a:t>점수는  골드가 됨</a:t>
-                      </a:r>
-                      <a:endParaRPr kumimoji="0" lang="en-US" altLang="ko-KR" sz="1300" u="none" strike="noStrike" cap="none" normalizeH="0" baseline="0" dirty="0">
-                        <a:ln>
-                          <a:noFill/>
-                        </a:ln>
-                        <a:solidFill>
-                          <a:schemeClr val="bg1">
-                            <a:lumMod val="75000"/>
-                            <a:lumOff val="25000"/>
-                          </a:schemeClr>
-                        </a:solidFill>
-                        <a:effectLst/>
-                        <a:latin typeface="나눔고딕" panose="020D0604000000000000" pitchFamily="50" charset="-127"/>
-                        <a:ea typeface="나눔고딕" panose="020D0604000000000000" pitchFamily="50" charset="-127"/>
-                      </a:endParaRPr>
-                    </a:p>
-                    <a:p>
-                      <a:pPr marL="285750" marR="0" lvl="0" indent="-285750" algn="l" defTabSz="914400" rtl="0" eaLnBrk="1" fontAlgn="base" latinLnBrk="1" hangingPunct="1">
-                        <a:lnSpc>
-                          <a:spcPct val="100000"/>
-                        </a:lnSpc>
-                        <a:spcBef>
-                          <a:spcPct val="0"/>
-                        </a:spcBef>
-                        <a:spcAft>
-                          <a:spcPct val="0"/>
-                        </a:spcAft>
-                        <a:buClrTx/>
-                        <a:buSzTx/>
-                        <a:buFont typeface="Arial" panose="020B0604020202020204" pitchFamily="34" charset="0"/>
-                        <a:buChar char="•"/>
-                        <a:tabLst/>
-                      </a:pPr>
-                      <a:r>
-                        <a:rPr kumimoji="0" lang="ko-KR" altLang="en-US" sz="1300" u="none" strike="noStrike" cap="none" normalizeH="0" baseline="0" dirty="0">
-                          <a:ln>
-                            <a:noFill/>
-                          </a:ln>
-                          <a:solidFill>
-                            <a:schemeClr val="bg1">
-                              <a:lumMod val="75000"/>
-                              <a:lumOff val="25000"/>
-                            </a:schemeClr>
-                          </a:solidFill>
-                          <a:effectLst/>
-                          <a:latin typeface="나눔고딕" panose="020D0604000000000000" pitchFamily="50" charset="-127"/>
-                          <a:ea typeface="나눔고딕" panose="020D0604000000000000" pitchFamily="50" charset="-127"/>
-                        </a:rPr>
-                        <a:t>골드로 아이템 구매가능</a:t>
-                      </a:r>
-                      <a:endParaRPr kumimoji="0" lang="en-US" altLang="ko-KR" sz="1300" u="none" strike="noStrike" cap="none" normalizeH="0" baseline="0" dirty="0">
-                        <a:ln>
-                          <a:noFill/>
-                        </a:ln>
-                        <a:solidFill>
-                          <a:schemeClr val="bg1">
-                            <a:lumMod val="75000"/>
-                            <a:lumOff val="25000"/>
-                          </a:schemeClr>
-                        </a:solidFill>
-                        <a:effectLst/>
-                        <a:latin typeface="나눔고딕" panose="020D0604000000000000" pitchFamily="50" charset="-127"/>
-                        <a:ea typeface="나눔고딕" panose="020D0604000000000000" pitchFamily="50" charset="-127"/>
-                      </a:endParaRPr>
-                    </a:p>
-                  </a:txBody>
-                  <a:tcPr anchor="ctr" horzOverflow="overflow">
-                    <a:solidFill>
-                      <a:schemeClr val="bg2">
-                        <a:lumMod val="10000"/>
-                        <a:lumOff val="90000"/>
-                      </a:schemeClr>
-                    </a:solidFill>
-                  </a:tcPr>
-                </a:tc>
-                <a:tc>
-                  <a:txBody>
-                    <a:bodyPr/>
-                    <a:lstStyle/>
                     <a:p>
                       <a:pPr marL="285750" marR="0" lvl="0" indent="-285750" algn="l" defTabSz="914400" rtl="0" eaLnBrk="1" fontAlgn="base" latinLnBrk="1" hangingPunct="1">
                         <a:lnSpc>
@@ -5614,7 +5217,7 @@
                         <a:defRPr/>
                       </a:pPr>
                       <a:r>
-                        <a:rPr kumimoji="0" lang="ko-KR" altLang="en-US" sz="1300" b="0" i="0" u="none" strike="noStrike" cap="none" normalizeH="0" baseline="0" dirty="0">
+                        <a:rPr kumimoji="0" lang="ko-KR" altLang="en-US" sz="1300" u="none" strike="noStrike" cap="none" normalizeH="0" baseline="0" dirty="0">
                           <a:ln>
                             <a:noFill/>
                           </a:ln>
@@ -5628,58 +5231,7 @@
                           <a:latin typeface="나눔고딕" panose="020D0604000000000000" pitchFamily="50" charset="-127"/>
                           <a:ea typeface="나눔고딕" panose="020D0604000000000000" pitchFamily="50" charset="-127"/>
                         </a:rPr>
-                        <a:t>빈 계단 추가</a:t>
-                      </a:r>
-                      <a:r>
-                        <a:rPr kumimoji="0" lang="en-US" altLang="ko-KR" sz="1300" b="0" i="0" u="none" strike="noStrike" cap="none" normalizeH="0" baseline="0" dirty="0">
-                          <a:ln>
-                            <a:noFill/>
-                          </a:ln>
-                          <a:solidFill>
-                            <a:schemeClr val="bg1">
-                              <a:lumMod val="75000"/>
-                              <a:lumOff val="25000"/>
-                            </a:schemeClr>
-                          </a:solidFill>
-                          <a:effectLst/>
-                          <a:latin typeface="나눔고딕" panose="020D0604000000000000" pitchFamily="50" charset="-127"/>
-                          <a:ea typeface="나눔고딕" panose="020D0604000000000000" pitchFamily="50" charset="-127"/>
-                        </a:rPr>
-                        <a:t>(</a:t>
-                      </a:r>
-                      <a:r>
-                        <a:rPr kumimoji="0" lang="ko-KR" altLang="en-US" sz="1300" b="0" i="0" u="none" strike="noStrike" cap="none" normalizeH="0" baseline="0" dirty="0">
-                          <a:ln>
-                            <a:noFill/>
-                          </a:ln>
-                          <a:solidFill>
-                            <a:schemeClr val="bg1">
-                              <a:lumMod val="75000"/>
-                              <a:lumOff val="25000"/>
-                            </a:schemeClr>
-                          </a:solidFill>
-                          <a:effectLst/>
-                          <a:latin typeface="나눔고딕" panose="020D0604000000000000" pitchFamily="50" charset="-127"/>
-                          <a:ea typeface="나눔고딕" panose="020D0604000000000000" pitchFamily="50" charset="-127"/>
-                        </a:rPr>
-                        <a:t>점프로 이동</a:t>
-                      </a:r>
-                      <a:r>
-                        <a:rPr kumimoji="0" lang="en-US" altLang="ko-KR" sz="1300" b="0" i="0" u="none" strike="noStrike" cap="none" normalizeH="0" baseline="0" dirty="0">
-                          <a:ln>
-                            <a:noFill/>
-                          </a:ln>
-                          <a:solidFill>
-                            <a:schemeClr val="bg1">
-                              <a:lumMod val="75000"/>
-                              <a:lumOff val="25000"/>
-                            </a:schemeClr>
-                          </a:solidFill>
-                          <a:effectLst/>
-                          <a:latin typeface="나눔고딕" panose="020D0604000000000000" pitchFamily="50" charset="-127"/>
-                          <a:ea typeface="나눔고딕" panose="020D0604000000000000" pitchFamily="50" charset="-127"/>
-                        </a:rPr>
-                        <a:t>)</a:t>
+                        <a:t>일정 시간 동안 시간 게이지 정지</a:t>
                       </a:r>
                     </a:p>
                   </a:txBody>
@@ -5694,7 +5246,7 @@
                 </a:tc>
                 <a:extLst>
                   <a:ext uri="{0D108BD9-81ED-4DB2-BD59-A6C34878D82A}">
-                    <a16:rowId xmlns:a16="http://schemas.microsoft.com/office/drawing/2014/main" val="10005"/>
+                    <a16:rowId xmlns:a16="http://schemas.microsoft.com/office/drawing/2014/main" val="10003"/>
                   </a:ext>
                 </a:extLst>
               </a:tr>
@@ -5735,7 +5287,7 @@
                           <a:latin typeface="배달의민족 한나는 열한살" panose="020B0600000101010101" pitchFamily="50" charset="-127"/>
                           <a:ea typeface="배달의민족 한나는 열한살" panose="020B0600000101010101" pitchFamily="50" charset="-127"/>
                         </a:rPr>
-                        <a:t>사운드</a:t>
+                        <a:t>게임 기능</a:t>
                       </a:r>
                       <a:endParaRPr kumimoji="0" lang="ko-KR" altLang="en-US" sz="1400" b="0" i="0" u="none" strike="noStrike" cap="none" normalizeH="0" baseline="0" dirty="0">
                         <a:ln>
@@ -5784,7 +5336,388 @@
                         <a:tabLst/>
                       </a:pPr>
                       <a:r>
-                        <a:rPr kumimoji="0" lang="ko-KR" altLang="en-US" sz="1300" u="none" strike="noStrike" cap="none" normalizeH="0" baseline="0" dirty="0" err="1">
+                        <a:rPr kumimoji="0" lang="ko-KR" altLang="en-US" sz="1300" u="none" strike="noStrike" cap="none" normalizeH="0" baseline="0" dirty="0">
+                          <a:ln>
+                            <a:noFill/>
+                          </a:ln>
+                          <a:solidFill>
+                            <a:schemeClr val="bg1">
+                              <a:lumMod val="75000"/>
+                              <a:lumOff val="25000"/>
+                            </a:schemeClr>
+                          </a:solidFill>
+                          <a:effectLst/>
+                          <a:latin typeface="나눔고딕" panose="020D0604000000000000" pitchFamily="50" charset="-127"/>
+                          <a:ea typeface="나눔고딕" panose="020D0604000000000000" pitchFamily="50" charset="-127"/>
+                        </a:rPr>
+                        <a:t>한 계단마다 점수 증가</a:t>
+                      </a:r>
+                      <a:endParaRPr kumimoji="0" lang="en-US" altLang="ko-KR" sz="1300" b="0" i="0" u="none" strike="noStrike" cap="none" normalizeH="0" baseline="0" dirty="0">
+                        <a:ln>
+                          <a:noFill/>
+                        </a:ln>
+                        <a:solidFill>
+                          <a:schemeClr val="bg1">
+                            <a:lumMod val="75000"/>
+                            <a:lumOff val="25000"/>
+                          </a:schemeClr>
+                        </a:solidFill>
+                        <a:effectLst/>
+                        <a:latin typeface="나눔고딕" panose="020D0604000000000000" pitchFamily="50" charset="-127"/>
+                        <a:ea typeface="나눔고딕" panose="020D0604000000000000" pitchFamily="50" charset="-127"/>
+                      </a:endParaRPr>
+                    </a:p>
+                    <a:p>
+                      <a:pPr marL="285750" marR="0" lvl="0" indent="-285750" algn="l" defTabSz="914400" rtl="0" eaLnBrk="1" fontAlgn="base" latinLnBrk="1" hangingPunct="1">
+                        <a:lnSpc>
+                          <a:spcPct val="100000"/>
+                        </a:lnSpc>
+                        <a:spcBef>
+                          <a:spcPct val="0"/>
+                        </a:spcBef>
+                        <a:spcAft>
+                          <a:spcPct val="0"/>
+                        </a:spcAft>
+                        <a:buClrTx/>
+                        <a:buSzTx/>
+                        <a:buFont typeface="Arial" panose="020B0604020202020204" pitchFamily="34" charset="0"/>
+                        <a:buChar char="•"/>
+                        <a:tabLst/>
+                      </a:pPr>
+                      <a:r>
+                        <a:rPr kumimoji="0" lang="ko-KR" altLang="en-US" sz="1300" u="none" strike="noStrike" cap="none" normalizeH="0" baseline="0" dirty="0">
+                          <a:ln>
+                            <a:noFill/>
+                          </a:ln>
+                          <a:solidFill>
+                            <a:schemeClr val="bg1">
+                              <a:lumMod val="75000"/>
+                              <a:lumOff val="25000"/>
+                            </a:schemeClr>
+                          </a:solidFill>
+                          <a:effectLst/>
+                          <a:latin typeface="나눔고딕" panose="020D0604000000000000" pitchFamily="50" charset="-127"/>
+                          <a:ea typeface="나눔고딕" panose="020D0604000000000000" pitchFamily="50" charset="-127"/>
+                        </a:rPr>
+                        <a:t>일정 점수 흭득시 스테이지전환</a:t>
+                      </a:r>
+                      <a:endParaRPr kumimoji="0" lang="en-US" altLang="ko-KR" sz="1300" u="none" strike="noStrike" cap="none" normalizeH="0" baseline="0" dirty="0">
+                        <a:ln>
+                          <a:noFill/>
+                        </a:ln>
+                        <a:solidFill>
+                          <a:schemeClr val="bg1">
+                            <a:lumMod val="75000"/>
+                            <a:lumOff val="25000"/>
+                          </a:schemeClr>
+                        </a:solidFill>
+                        <a:effectLst/>
+                        <a:latin typeface="나눔고딕" panose="020D0604000000000000" pitchFamily="50" charset="-127"/>
+                        <a:ea typeface="나눔고딕" panose="020D0604000000000000" pitchFamily="50" charset="-127"/>
+                      </a:endParaRPr>
+                    </a:p>
+                    <a:p>
+                      <a:pPr marL="285750" marR="0" lvl="0" indent="-285750" algn="l" defTabSz="914400" rtl="0" eaLnBrk="1" fontAlgn="base" latinLnBrk="1" hangingPunct="1">
+                        <a:lnSpc>
+                          <a:spcPct val="100000"/>
+                        </a:lnSpc>
+                        <a:spcBef>
+                          <a:spcPct val="0"/>
+                        </a:spcBef>
+                        <a:spcAft>
+                          <a:spcPct val="0"/>
+                        </a:spcAft>
+                        <a:buClrTx/>
+                        <a:buSzTx/>
+                        <a:buFont typeface="Arial" panose="020B0604020202020204" pitchFamily="34" charset="0"/>
+                        <a:buChar char="•"/>
+                        <a:tabLst/>
+                      </a:pPr>
+                      <a:r>
+                        <a:rPr kumimoji="0" lang="ko-KR" altLang="en-US" sz="1300" u="none" strike="noStrike" cap="none" normalizeH="0" baseline="0" dirty="0">
+                          <a:ln>
+                            <a:noFill/>
+                          </a:ln>
+                          <a:solidFill>
+                            <a:schemeClr val="bg1">
+                              <a:lumMod val="75000"/>
+                              <a:lumOff val="25000"/>
+                            </a:schemeClr>
+                          </a:solidFill>
+                          <a:effectLst/>
+                          <a:latin typeface="나눔고딕" panose="020D0604000000000000" pitchFamily="50" charset="-127"/>
+                          <a:ea typeface="나눔고딕" panose="020D0604000000000000" pitchFamily="50" charset="-127"/>
+                        </a:rPr>
+                        <a:t>점수는  골드가 됨</a:t>
+                      </a:r>
+                      <a:endParaRPr kumimoji="0" lang="en-US" altLang="ko-KR" sz="1300" u="none" strike="noStrike" cap="none" normalizeH="0" baseline="0" dirty="0">
+                        <a:ln>
+                          <a:noFill/>
+                        </a:ln>
+                        <a:solidFill>
+                          <a:schemeClr val="bg1">
+                            <a:lumMod val="75000"/>
+                            <a:lumOff val="25000"/>
+                          </a:schemeClr>
+                        </a:solidFill>
+                        <a:effectLst/>
+                        <a:latin typeface="나눔고딕" panose="020D0604000000000000" pitchFamily="50" charset="-127"/>
+                        <a:ea typeface="나눔고딕" panose="020D0604000000000000" pitchFamily="50" charset="-127"/>
+                      </a:endParaRPr>
+                    </a:p>
+                    <a:p>
+                      <a:pPr marL="285750" marR="0" lvl="0" indent="-285750" algn="l" defTabSz="914400" rtl="0" eaLnBrk="1" fontAlgn="base" latinLnBrk="1" hangingPunct="1">
+                        <a:lnSpc>
+                          <a:spcPct val="100000"/>
+                        </a:lnSpc>
+                        <a:spcBef>
+                          <a:spcPct val="0"/>
+                        </a:spcBef>
+                        <a:spcAft>
+                          <a:spcPct val="0"/>
+                        </a:spcAft>
+                        <a:buClrTx/>
+                        <a:buSzTx/>
+                        <a:buFont typeface="Arial" panose="020B0604020202020204" pitchFamily="34" charset="0"/>
+                        <a:buChar char="•"/>
+                        <a:tabLst/>
+                      </a:pPr>
+                      <a:r>
+                        <a:rPr kumimoji="0" lang="ko-KR" altLang="en-US" sz="1300" u="none" strike="noStrike" cap="none" normalizeH="0" baseline="0" dirty="0">
+                          <a:ln>
+                            <a:noFill/>
+                          </a:ln>
+                          <a:solidFill>
+                            <a:schemeClr val="bg1">
+                              <a:lumMod val="75000"/>
+                              <a:lumOff val="25000"/>
+                            </a:schemeClr>
+                          </a:solidFill>
+                          <a:effectLst/>
+                          <a:latin typeface="나눔고딕" panose="020D0604000000000000" pitchFamily="50" charset="-127"/>
+                          <a:ea typeface="나눔고딕" panose="020D0604000000000000" pitchFamily="50" charset="-127"/>
+                        </a:rPr>
+                        <a:t>골드로 아이템 구매가능</a:t>
+                      </a:r>
+                      <a:endParaRPr kumimoji="0" lang="en-US" altLang="ko-KR" sz="1300" u="none" strike="noStrike" cap="none" normalizeH="0" baseline="0" dirty="0">
+                        <a:ln>
+                          <a:noFill/>
+                        </a:ln>
+                        <a:solidFill>
+                          <a:schemeClr val="bg1">
+                            <a:lumMod val="75000"/>
+                            <a:lumOff val="25000"/>
+                          </a:schemeClr>
+                        </a:solidFill>
+                        <a:effectLst/>
+                        <a:latin typeface="나눔고딕" panose="020D0604000000000000" pitchFamily="50" charset="-127"/>
+                        <a:ea typeface="나눔고딕" panose="020D0604000000000000" pitchFamily="50" charset="-127"/>
+                      </a:endParaRPr>
+                    </a:p>
+                  </a:txBody>
+                  <a:tcPr anchor="ctr" horzOverflow="overflow">
+                    <a:solidFill>
+                      <a:schemeClr val="bg2">
+                        <a:lumMod val="10000"/>
+                        <a:lumOff val="90000"/>
+                      </a:schemeClr>
+                    </a:solidFill>
+                  </a:tcPr>
+                </a:tc>
+                <a:tc>
+                  <a:txBody>
+                    <a:bodyPr/>
+                    <a:lstStyle/>
+                    <a:p>
+                      <a:pPr marL="285750" marR="0" lvl="0" indent="-285750" algn="l" defTabSz="914400" rtl="0" eaLnBrk="1" fontAlgn="base" latinLnBrk="1" hangingPunct="1">
+                        <a:lnSpc>
+                          <a:spcPct val="100000"/>
+                        </a:lnSpc>
+                        <a:spcBef>
+                          <a:spcPct val="0"/>
+                        </a:spcBef>
+                        <a:spcAft>
+                          <a:spcPct val="0"/>
+                        </a:spcAft>
+                        <a:buClrTx/>
+                        <a:buSzTx/>
+                        <a:buFont typeface="Arial" panose="020B0604020202020204" pitchFamily="34" charset="0"/>
+                        <a:buChar char="•"/>
+                        <a:tabLst/>
+                        <a:defRPr/>
+                      </a:pPr>
+                      <a:r>
+                        <a:rPr kumimoji="0" lang="ko-KR" altLang="en-US" sz="1300" b="0" i="0" u="none" strike="noStrike" cap="none" normalizeH="0" baseline="0" dirty="0">
+                          <a:ln>
+                            <a:noFill/>
+                          </a:ln>
+                          <a:solidFill>
+                            <a:schemeClr val="bg1">
+                              <a:lumMod val="75000"/>
+                              <a:lumOff val="25000"/>
+                            </a:schemeClr>
+                          </a:solidFill>
+                          <a:effectLst/>
+                          <a:latin typeface="나눔고딕" panose="020D0604000000000000" pitchFamily="50" charset="-127"/>
+                          <a:ea typeface="나눔고딕" panose="020D0604000000000000" pitchFamily="50" charset="-127"/>
+                        </a:rPr>
+                        <a:t>빈 계단 추가</a:t>
+                      </a:r>
+                      <a:r>
+                        <a:rPr kumimoji="0" lang="en-US" altLang="ko-KR" sz="1300" b="0" i="0" u="none" strike="noStrike" cap="none" normalizeH="0" baseline="0" dirty="0">
+                          <a:ln>
+                            <a:noFill/>
+                          </a:ln>
+                          <a:solidFill>
+                            <a:schemeClr val="bg1">
+                              <a:lumMod val="75000"/>
+                              <a:lumOff val="25000"/>
+                            </a:schemeClr>
+                          </a:solidFill>
+                          <a:effectLst/>
+                          <a:latin typeface="나눔고딕" panose="020D0604000000000000" pitchFamily="50" charset="-127"/>
+                          <a:ea typeface="나눔고딕" panose="020D0604000000000000" pitchFamily="50" charset="-127"/>
+                        </a:rPr>
+                        <a:t>(</a:t>
+                      </a:r>
+                      <a:r>
+                        <a:rPr kumimoji="0" lang="ko-KR" altLang="en-US" sz="1300" b="0" i="0" u="none" strike="noStrike" cap="none" normalizeH="0" baseline="0" dirty="0">
+                          <a:ln>
+                            <a:noFill/>
+                          </a:ln>
+                          <a:solidFill>
+                            <a:schemeClr val="bg1">
+                              <a:lumMod val="75000"/>
+                              <a:lumOff val="25000"/>
+                            </a:schemeClr>
+                          </a:solidFill>
+                          <a:effectLst/>
+                          <a:latin typeface="나눔고딕" panose="020D0604000000000000" pitchFamily="50" charset="-127"/>
+                          <a:ea typeface="나눔고딕" panose="020D0604000000000000" pitchFamily="50" charset="-127"/>
+                        </a:rPr>
+                        <a:t>점프로 이동</a:t>
+                      </a:r>
+                      <a:r>
+                        <a:rPr kumimoji="0" lang="en-US" altLang="ko-KR" sz="1300" b="0" i="0" u="none" strike="noStrike" cap="none" normalizeH="0" baseline="0" dirty="0">
+                          <a:ln>
+                            <a:noFill/>
+                          </a:ln>
+                          <a:solidFill>
+                            <a:schemeClr val="bg1">
+                              <a:lumMod val="75000"/>
+                              <a:lumOff val="25000"/>
+                            </a:schemeClr>
+                          </a:solidFill>
+                          <a:effectLst/>
+                          <a:latin typeface="나눔고딕" panose="020D0604000000000000" pitchFamily="50" charset="-127"/>
+                          <a:ea typeface="나눔고딕" panose="020D0604000000000000" pitchFamily="50" charset="-127"/>
+                        </a:rPr>
+                        <a:t>)</a:t>
+                      </a:r>
+                    </a:p>
+                  </a:txBody>
+                  <a:tcPr anchor="ctr" horzOverflow="overflow">
+                    <a:solidFill>
+                      <a:schemeClr val="bg2">
+                        <a:lumMod val="10000"/>
+                        <a:lumOff val="90000"/>
+                      </a:schemeClr>
+                    </a:solidFill>
+                  </a:tcPr>
+                </a:tc>
+                <a:extLst>
+                  <a:ext uri="{0D108BD9-81ED-4DB2-BD59-A6C34878D82A}">
+                    <a16:rowId xmlns:a16="http://schemas.microsoft.com/office/drawing/2014/main" val="10005"/>
+                  </a:ext>
+                </a:extLst>
+              </a:tr>
+              <a:tr h="862816">
+                <a:tc>
+                  <a:txBody>
+                    <a:bodyPr/>
+                    <a:lstStyle/>
+                    <a:p>
+                      <a:pPr marL="0" marR="0" lvl="0" indent="0" algn="ctr" defTabSz="914400" rtl="0" eaLnBrk="1" fontAlgn="base" latinLnBrk="1" hangingPunct="1">
+                        <a:lnSpc>
+                          <a:spcPct val="100000"/>
+                        </a:lnSpc>
+                        <a:spcBef>
+                          <a:spcPct val="0"/>
+                        </a:spcBef>
+                        <a:spcAft>
+                          <a:spcPct val="0"/>
+                        </a:spcAft>
+                        <a:buClrTx/>
+                        <a:buSzTx/>
+                        <a:buFontTx/>
+                        <a:buNone/>
+                        <a:tabLst/>
+                      </a:pPr>
+                      <a:r>
+                        <a:rPr kumimoji="0" lang="ko-KR" altLang="en-US" sz="1400" u="none" strike="noStrike" cap="none" normalizeH="0" baseline="0" dirty="0">
+                          <a:ln>
+                            <a:noFill/>
+                          </a:ln>
+                          <a:solidFill>
+                            <a:schemeClr val="bg1">
+                              <a:lumMod val="75000"/>
+                              <a:lumOff val="25000"/>
+                            </a:schemeClr>
+                          </a:solidFill>
+                          <a:effectLst/>
+                          <a:latin typeface="배달의민족 한나는 열한살" panose="020B0600000101010101" pitchFamily="50" charset="-127"/>
+                          <a:ea typeface="배달의민족 한나는 열한살" panose="020B0600000101010101" pitchFamily="50" charset="-127"/>
+                        </a:rPr>
+                        <a:t>사운드</a:t>
+                      </a:r>
+                      <a:endParaRPr kumimoji="0" lang="ko-KR" altLang="en-US" sz="1400" b="0" i="0" u="none" strike="noStrike" cap="none" normalizeH="0" baseline="0" dirty="0">
+                        <a:ln>
+                          <a:noFill/>
+                        </a:ln>
+                        <a:solidFill>
+                          <a:schemeClr val="bg1">
+                            <a:lumMod val="75000"/>
+                            <a:lumOff val="25000"/>
+                          </a:schemeClr>
+                        </a:solidFill>
+                        <a:effectLst/>
+                        <a:latin typeface="배달의민족 한나는 열한살" panose="020B0600000101010101" pitchFamily="50" charset="-127"/>
+                        <a:ea typeface="배달의민족 한나는 열한살" panose="020B0600000101010101" pitchFamily="50" charset="-127"/>
+                      </a:endParaRPr>
+                    </a:p>
+                  </a:txBody>
+                  <a:tcPr anchor="ctr" horzOverflow="overflow">
+                    <a:solidFill>
+                      <a:schemeClr val="bg2">
+                        <a:lumMod val="25000"/>
+                        <a:lumOff val="75000"/>
+                      </a:schemeClr>
+                    </a:solidFill>
+                  </a:tcPr>
+                </a:tc>
+                <a:tc>
+                  <a:txBody>
+                    <a:bodyPr/>
+                    <a:lstStyle/>
+                    <a:p>
+                      <a:pPr marL="285750" marR="0" lvl="0" indent="-285750" algn="l" defTabSz="914400" rtl="0" eaLnBrk="1" fontAlgn="base" latinLnBrk="1" hangingPunct="1">
+                        <a:lnSpc>
+                          <a:spcPct val="100000"/>
+                        </a:lnSpc>
+                        <a:spcBef>
+                          <a:spcPct val="0"/>
+                        </a:spcBef>
+                        <a:spcAft>
+                          <a:spcPct val="0"/>
+                        </a:spcAft>
+                        <a:buClrTx/>
+                        <a:buSzTx/>
+                        <a:buFont typeface="Arial" panose="020B0604020202020204" pitchFamily="34" charset="0"/>
+                        <a:buChar char="•"/>
+                        <a:tabLst/>
+                      </a:pPr>
+                      <a:r>
+                        <a:rPr kumimoji="0" lang="ko-KR" altLang="en-US" sz="1300" u="none" strike="noStrike" cap="none" normalizeH="0" baseline="0" dirty="0">
                           <a:ln>
                             <a:noFill/>
                           </a:ln>
@@ -6433,7 +6366,7 @@
           <p:nvPr>
             <p:extLst>
               <p:ext uri="{D42A27DB-BD31-4B8C-83A1-F6EECF244321}">
-                <p14:modId xmlns:p14="http://schemas.microsoft.com/office/powerpoint/2010/main" val="4154066209"/>
+                <p14:modId xmlns:p14="http://schemas.microsoft.com/office/powerpoint/2010/main" val="3960038794"/>
               </p:ext>
             </p:extLst>
           </p:nvPr>
@@ -7340,7 +7273,7 @@
                           <a:latin typeface="나눔고딕" panose="020D0604000000000000" pitchFamily="50" charset="-127"/>
                           <a:ea typeface="나눔고딕" panose="020D0604000000000000" pitchFamily="50" charset="-127"/>
                         </a:rPr>
-                        <a:t>65</a:t>
+                        <a:t>80</a:t>
                       </a:r>
                       <a:r>
                         <a:rPr lang="en-US" altLang="ko-KR" sz="1200" b="1" dirty="0">
@@ -8700,28 +8633,14 @@
                           <a:latin typeface="나눔고딕" panose="020D0604000000000000" pitchFamily="50" charset="-127"/>
                           <a:ea typeface="나눔고딕" panose="020D0604000000000000" pitchFamily="50" charset="-127"/>
                         </a:rPr>
-                        <a:t> </a:t>
-                      </a:r>
-                      <a:r>
-                        <a:rPr lang="ko-KR" altLang="en-US" sz="1200" dirty="0" err="1">
-                          <a:latin typeface="나눔고딕" panose="020D0604000000000000" pitchFamily="50" charset="-127"/>
-                          <a:ea typeface="나눔고딕" panose="020D0604000000000000" pitchFamily="50" charset="-127"/>
-                        </a:rPr>
-                        <a:t>최종</a:t>
-                      </a:r>
-                      <a:r>
-                        <a:rPr lang="ko-KR" altLang="en-US" sz="1200" baseline="0" dirty="0" err="1">
-                          <a:latin typeface="나눔고딕" panose="020D0604000000000000" pitchFamily="50" charset="-127"/>
-                          <a:ea typeface="나눔고딕" panose="020D0604000000000000" pitchFamily="50" charset="-127"/>
-                        </a:rPr>
-                        <a:t>점검및</a:t>
+                        <a:t> 최종 </a:t>
                       </a:r>
                       <a:r>
                         <a:rPr lang="ko-KR" altLang="en-US" sz="1200" baseline="0" dirty="0">
                           <a:latin typeface="나눔고딕" panose="020D0604000000000000" pitchFamily="50" charset="-127"/>
                           <a:ea typeface="나눔고딕" panose="020D0604000000000000" pitchFamily="50" charset="-127"/>
                         </a:rPr>
-                        <a:t> 발표준비</a:t>
+                        <a:t>점검및 발표준비</a:t>
                       </a:r>
                       <a:endParaRPr lang="ko-KR" altLang="en-US" sz="1200" dirty="0">
                         <a:latin typeface="나눔고딕" panose="020D0604000000000000" pitchFamily="50" charset="-127"/>
@@ -8915,7 +8834,7 @@
       </p:grpSpPr>
       <p:pic>
         <p:nvPicPr>
-          <p:cNvPr id="2" name="그림 1"/>
+          <p:cNvPr id="3" name="그림 2"/>
           <p:cNvPicPr>
             <a:picLocks noChangeAspect="1"/>
           </p:cNvPicPr>
@@ -8929,8 +8848,8 @@
         </p:blipFill>
         <p:spPr>
           <a:xfrm>
-            <a:off x="1047564" y="241867"/>
-            <a:ext cx="10104031" cy="6456335"/>
+            <a:off x="585787" y="171450"/>
+            <a:ext cx="11020425" cy="6515100"/>
           </a:xfrm>
           <a:prstGeom prst="rect">
             <a:avLst/>
@@ -9333,7 +9252,7 @@
                     <a:p>
                       <a:pPr algn="ctr" latinLnBrk="1"/>
                       <a:r>
-                        <a:rPr lang="en-US" altLang="ko-KR" sz="1600" b="1">
+                        <a:rPr lang="en-US" altLang="ko-KR" sz="1600" b="1" dirty="0">
                           <a:latin typeface="나눔고딕" panose="020D0604000000000000" pitchFamily="50" charset="-127"/>
                           <a:ea typeface="나눔고딕" panose="020D0604000000000000" pitchFamily="50" charset="-127"/>
                         </a:rPr>

--- a/2차발표_2015180023엄동연.pptx
+++ b/2차발표_2015180023엄동연.pptx
@@ -265,7 +265,7 @@
             <a:fld id="{5586B75A-687E-405C-8A0B-8D00578BA2C3}" type="datetimeFigureOut">
               <a:rPr lang="en-US" smtClean="0"/>
               <a:pPr/>
-              <a:t>10/18/2016</a:t>
+              <a:t>12/20/2016</a:t>
             </a:fld>
             <a:endParaRPr lang="en-US" dirty="0"/>
           </a:p>
@@ -436,7 +436,7 @@
           <a:p>
             <a:fld id="{5F4E5243-F52A-4D37-9694-EB26C6C31910}" type="datetimeFigureOut">
               <a:rPr lang="en-US" smtClean="0"/>
-              <a:t>10/18/2016</a:t>
+              <a:t>12/20/2016</a:t>
             </a:fld>
             <a:endParaRPr lang="en-US" dirty="0"/>
           </a:p>
@@ -616,7 +616,7 @@
           <a:p>
             <a:fld id="{3A77B6E1-634A-48DC-9E8B-D894023267EF}" type="datetimeFigureOut">
               <a:rPr lang="en-US" smtClean="0"/>
-              <a:t>10/18/2016</a:t>
+              <a:t>12/20/2016</a:t>
             </a:fld>
             <a:endParaRPr lang="en-US" dirty="0"/>
           </a:p>
@@ -786,7 +786,7 @@
           <a:p>
             <a:fld id="{7B2D3E9E-A95C-48F2-B4BF-A71542E0BE9A}" type="datetimeFigureOut">
               <a:rPr lang="en-US" smtClean="0"/>
-              <a:t>10/18/2016</a:t>
+              <a:t>12/20/2016</a:t>
             </a:fld>
             <a:endParaRPr lang="en-US" dirty="0"/>
           </a:p>
@@ -1043,7 +1043,7 @@
             <a:fld id="{5586B75A-687E-405C-8A0B-8D00578BA2C3}" type="datetimeFigureOut">
               <a:rPr lang="en-US" smtClean="0"/>
               <a:pPr/>
-              <a:t>10/18/2016</a:t>
+              <a:t>12/20/2016</a:t>
             </a:fld>
             <a:endParaRPr lang="en-US" dirty="0"/>
           </a:p>
@@ -1332,7 +1332,7 @@
           <a:p>
             <a:fld id="{F12952B5-7A2F-4CC8-B7CE-9234E21C2837}" type="datetimeFigureOut">
               <a:rPr lang="en-US" smtClean="0"/>
-              <a:t>10/18/2016</a:t>
+              <a:t>12/20/2016</a:t>
             </a:fld>
             <a:endParaRPr lang="en-US" dirty="0"/>
           </a:p>
@@ -1761,7 +1761,7 @@
           <a:p>
             <a:fld id="{CE1DA07A-9201-4B4B-BAF2-015AFA30F520}" type="datetimeFigureOut">
               <a:rPr lang="en-US" smtClean="0"/>
-              <a:t>10/18/2016</a:t>
+              <a:t>12/20/2016</a:t>
             </a:fld>
             <a:endParaRPr lang="en-US" dirty="0"/>
           </a:p>
@@ -1879,7 +1879,7 @@
           <a:p>
             <a:fld id="{73D7E00A-486F-4252-8B1D-E32645521F49}" type="datetimeFigureOut">
               <a:rPr lang="en-US" smtClean="0"/>
-              <a:t>10/18/2016</a:t>
+              <a:t>12/20/2016</a:t>
             </a:fld>
             <a:endParaRPr lang="en-US" dirty="0"/>
           </a:p>
@@ -1974,7 +1974,7 @@
           <a:p>
             <a:fld id="{8DDF5F92-E675-4B36-9A60-69A962A68675}" type="datetimeFigureOut">
               <a:rPr lang="en-US" smtClean="0"/>
-              <a:t>10/18/2016</a:t>
+              <a:t>12/20/2016</a:t>
             </a:fld>
             <a:endParaRPr lang="en-US" dirty="0"/>
           </a:p>
@@ -2330,7 +2330,7 @@
           <a:p>
             <a:fld id="{AF6E2C9B-5FA2-460D-9BE7-B0812FC2A6FF}" type="datetimeFigureOut">
               <a:rPr lang="en-US" smtClean="0"/>
-              <a:t>10/18/2016</a:t>
+              <a:t>12/20/2016</a:t>
             </a:fld>
             <a:endParaRPr lang="en-US" dirty="0"/>
           </a:p>
@@ -2627,7 +2627,7 @@
             <a:fld id="{5586B75A-687E-405C-8A0B-8D00578BA2C3}" type="datetimeFigureOut">
               <a:rPr lang="en-US" smtClean="0"/>
               <a:pPr/>
-              <a:t>10/18/2016</a:t>
+              <a:t>12/20/2016</a:t>
             </a:fld>
             <a:endParaRPr lang="en-US" dirty="0"/>
           </a:p>
@@ -2851,7 +2851,7 @@
             <a:fld id="{5586B75A-687E-405C-8A0B-8D00578BA2C3}" type="datetimeFigureOut">
               <a:rPr lang="en-US" smtClean="0"/>
               <a:pPr/>
-              <a:t>10/18/2016</a:t>
+              <a:t>12/20/2016</a:t>
             </a:fld>
             <a:endParaRPr lang="en-US" dirty="0"/>
           </a:p>
@@ -3899,44 +3899,6 @@
           <a:chExt cx="0" cy="0"/>
         </a:xfrm>
       </p:grpSpPr>
-      <p:sp>
-        <p:nvSpPr>
-          <p:cNvPr id="8" name="TextBox 7"/>
-          <p:cNvSpPr txBox="1"/>
-          <p:nvPr/>
-        </p:nvSpPr>
-        <p:spPr>
-          <a:xfrm>
-            <a:off x="694011" y="150919"/>
-            <a:ext cx="3140603" cy="1015663"/>
-          </a:xfrm>
-          <a:prstGeom prst="rect">
-            <a:avLst/>
-          </a:prstGeom>
-          <a:noFill/>
-        </p:spPr>
-        <p:txBody>
-          <a:bodyPr wrap="none" rtlCol="0">
-            <a:spAutoFit/>
-          </a:bodyPr>
-          <a:lstStyle/>
-          <a:p>
-            <a:r>
-              <a:rPr lang="ko-KR" altLang="en-US" sz="6000" dirty="0">
-                <a:solidFill>
-                  <a:schemeClr val="bg1">
-                    <a:lumMod val="75000"/>
-                    <a:lumOff val="25000"/>
-                  </a:schemeClr>
-                </a:solidFill>
-                <a:latin typeface="배달의민족 도현" panose="020B0600000101010101" pitchFamily="50" charset="-127"/>
-                <a:ea typeface="배달의민족 도현" panose="020B0600000101010101" pitchFamily="50" charset="-127"/>
-              </a:rPr>
-              <a:t>개발범위</a:t>
-            </a:r>
-          </a:p>
-        </p:txBody>
-      </p:sp>
       <p:graphicFrame>
         <p:nvGraphicFramePr>
           <p:cNvPr id="5" name="Group 135"/>
@@ -3946,14 +3908,14 @@
           <p:nvPr>
             <p:extLst>
               <p:ext uri="{D42A27DB-BD31-4B8C-83A1-F6EECF244321}">
-                <p14:modId xmlns:p14="http://schemas.microsoft.com/office/powerpoint/2010/main" val="3384520616"/>
+                <p14:modId xmlns:p14="http://schemas.microsoft.com/office/powerpoint/2010/main" val="1063229672"/>
               </p:ext>
             </p:extLst>
           </p:nvPr>
         </p:nvGraphicFramePr>
         <p:xfrm>
-          <a:off x="1358283" y="1287263"/>
-          <a:ext cx="9756559" cy="5320218"/>
+          <a:off x="124289" y="71023"/>
+          <a:ext cx="11860569" cy="6720411"/>
         </p:xfrm>
         <a:graphic>
           <a:graphicData uri="http://schemas.openxmlformats.org/drawingml/2006/table">
@@ -3962,29 +3924,43 @@
                 <a:tableStyleId>{69CF1AB2-1976-4502-BF36-3FF5EA218861}</a:tableStyleId>
               </a:tblPr>
               <a:tblGrid>
-                <a:gridCol w="1548929">
+                <a:gridCol w="1207524">
                   <a:extLst>
                     <a:ext uri="{9D8B030D-6E8A-4147-A177-3AD203B41FA5}">
                       <a16:colId xmlns:a16="http://schemas.microsoft.com/office/drawing/2014/main" val="20000"/>
                     </a:ext>
                   </a:extLst>
                 </a:gridCol>
-                <a:gridCol w="3414043">
+                <a:gridCol w="3944577">
                   <a:extLst>
                     <a:ext uri="{9D8B030D-6E8A-4147-A177-3AD203B41FA5}">
                       <a16:colId xmlns:a16="http://schemas.microsoft.com/office/drawing/2014/main" val="20001"/>
                     </a:ext>
                   </a:extLst>
                 </a:gridCol>
-                <a:gridCol w="4793587">
+                <a:gridCol w="2802290">
                   <a:extLst>
                     <a:ext uri="{9D8B030D-6E8A-4147-A177-3AD203B41FA5}">
-                      <a16:colId xmlns:a16="http://schemas.microsoft.com/office/drawing/2014/main" val="20002"/>
+                      <a16:colId xmlns:a16="http://schemas.microsoft.com/office/drawing/2014/main" val="1602612327"/>
+                    </a:ext>
+                  </a:extLst>
+                </a:gridCol>
+                <a:gridCol w="2229061">
+                  <a:extLst>
+                    <a:ext uri="{9D8B030D-6E8A-4147-A177-3AD203B41FA5}">
+                      <a16:colId xmlns:a16="http://schemas.microsoft.com/office/drawing/2014/main" val="2228832755"/>
+                    </a:ext>
+                  </a:extLst>
+                </a:gridCol>
+                <a:gridCol w="1677117">
+                  <a:extLst>
+                    <a:ext uri="{9D8B030D-6E8A-4147-A177-3AD203B41FA5}">
+                      <a16:colId xmlns:a16="http://schemas.microsoft.com/office/drawing/2014/main" val="825314815"/>
                     </a:ext>
                   </a:extLst>
                 </a:gridCol>
               </a:tblGrid>
-              <a:tr h="364613">
+              <a:tr h="523694">
                 <a:tc>
                   <a:txBody>
                     <a:bodyPr/>
@@ -4007,7 +3983,7 @@
                         <a:tabLst/>
                       </a:pPr>
                       <a:r>
-                        <a:rPr kumimoji="0" lang="ko-KR" altLang="en-US" sz="1400" u="none" strike="noStrike" cap="none" normalizeH="0" baseline="0" dirty="0">
+                        <a:rPr kumimoji="0" lang="ko-KR" altLang="en-US" sz="1400" b="1" u="none" strike="noStrike" cap="none" normalizeH="0" baseline="0" dirty="0">
                           <a:ln>
                             <a:noFill/>
                           </a:ln>
@@ -4015,8 +3991,8 @@
                             <a:schemeClr val="tx1"/>
                           </a:solidFill>
                           <a:effectLst/>
-                          <a:latin typeface="배달의민족 한나는 열한살" panose="020B0600000101010101" pitchFamily="50" charset="-127"/>
-                          <a:ea typeface="배달의민족 한나는 열한살" panose="020B0600000101010101" pitchFamily="50" charset="-127"/>
+                          <a:latin typeface="나눔명조" panose="02020603020101020101" pitchFamily="18" charset="-127"/>
+                          <a:ea typeface="나눔명조" panose="02020603020101020101" pitchFamily="18" charset="-127"/>
                         </a:rPr>
                         <a:t>내용</a:t>
                       </a:r>
@@ -4028,8 +4004,8 @@
                           <a:schemeClr val="tx1"/>
                         </a:solidFill>
                         <a:effectLst/>
-                        <a:latin typeface="배달의민족 한나는 열한살" panose="020B0600000101010101" pitchFamily="50" charset="-127"/>
-                        <a:ea typeface="배달의민족 한나는 열한살" panose="020B0600000101010101" pitchFamily="50" charset="-127"/>
+                        <a:latin typeface="나눔명조" panose="02020603020101020101" pitchFamily="18" charset="-127"/>
+                        <a:ea typeface="나눔명조" panose="02020603020101020101" pitchFamily="18" charset="-127"/>
                       </a:endParaRPr>
                     </a:p>
                   </a:txBody>
@@ -4064,7 +4040,7 @@
                         <a:tabLst/>
                       </a:pPr>
                       <a:r>
-                        <a:rPr kumimoji="0" lang="ko-KR" altLang="en-US" sz="1400" u="none" strike="noStrike" cap="none" normalizeH="0" baseline="0" dirty="0">
+                        <a:rPr kumimoji="0" lang="ko-KR" altLang="en-US" sz="1400" b="1" u="none" strike="noStrike" cap="none" normalizeH="0" baseline="0" dirty="0">
                           <a:ln>
                             <a:noFill/>
                           </a:ln>
@@ -4072,8 +4048,8 @@
                             <a:schemeClr val="tx1"/>
                           </a:solidFill>
                           <a:effectLst/>
-                          <a:latin typeface="배달의민족 한나는 열한살" panose="020B0600000101010101" pitchFamily="50" charset="-127"/>
-                          <a:ea typeface="배달의민족 한나는 열한살" panose="020B0600000101010101" pitchFamily="50" charset="-127"/>
+                          <a:latin typeface="나눔명조" panose="02020603020101020101" pitchFamily="18" charset="-127"/>
+                          <a:ea typeface="나눔명조" panose="02020603020101020101" pitchFamily="18" charset="-127"/>
                         </a:rPr>
                         <a:t>기본 범위</a:t>
                       </a:r>
@@ -4085,8 +4061,8 @@
                           <a:schemeClr val="tx1"/>
                         </a:solidFill>
                         <a:effectLst/>
-                        <a:latin typeface="배달의민족 한나는 열한살" panose="020B0600000101010101" pitchFamily="50" charset="-127"/>
-                        <a:ea typeface="배달의민족 한나는 열한살" panose="020B0600000101010101" pitchFamily="50" charset="-127"/>
+                        <a:latin typeface="나눔명조" panose="02020603020101020101" pitchFamily="18" charset="-127"/>
+                        <a:ea typeface="나눔명조" panose="02020603020101020101" pitchFamily="18" charset="-127"/>
                       </a:endParaRPr>
                     </a:p>
                   </a:txBody>
@@ -4119,32 +4095,22 @@
                         <a:buFontTx/>
                         <a:buNone/>
                         <a:tabLst/>
+                        <a:defRPr/>
                       </a:pPr>
                       <a:r>
-                        <a:rPr kumimoji="0" lang="ko-KR" altLang="en-US" sz="1400" u="none" strike="noStrike" cap="none" normalizeH="0" baseline="0" dirty="0">
+                        <a:rPr kumimoji="0" lang="ko-KR" altLang="en-US" sz="1400" b="1" i="0" u="none" strike="noStrike" cap="none" normalizeH="0" baseline="0" dirty="0">
                           <a:ln>
                             <a:noFill/>
                           </a:ln>
                           <a:solidFill>
-                            <a:schemeClr val="tx1"/>
+                            <a:srgbClr val="FFFFFF"/>
                           </a:solidFill>
                           <a:effectLst/>
-                          <a:latin typeface="배달의민족 한나는 열한살" panose="020B0600000101010101" pitchFamily="50" charset="-127"/>
-                          <a:ea typeface="배달의민족 한나는 열한살" panose="020B0600000101010101" pitchFamily="50" charset="-127"/>
-                        </a:rPr>
-                        <a:t>추가 범위</a:t>
-                      </a:r>
-                      <a:endParaRPr kumimoji="0" lang="ko-KR" altLang="en-US" sz="1400" b="1" i="0" u="none" strike="noStrike" cap="none" normalizeH="0" baseline="0" dirty="0">
-                        <a:ln>
-                          <a:noFill/>
-                        </a:ln>
-                        <a:solidFill>
-                          <a:schemeClr val="tx1"/>
-                        </a:solidFill>
-                        <a:effectLst/>
-                        <a:latin typeface="배달의민족 한나는 열한살" panose="020B0600000101010101" pitchFamily="50" charset="-127"/>
-                        <a:ea typeface="배달의민족 한나는 열한살" panose="020B0600000101010101" pitchFamily="50" charset="-127"/>
-                      </a:endParaRPr>
+                          <a:latin typeface="나눔명조" panose="02020603020101020101" pitchFamily="18" charset="-127"/>
+                          <a:ea typeface="나눔명조" panose="02020603020101020101" pitchFamily="18" charset="-127"/>
+                        </a:rPr>
+                        <a:t>실제 개발 완료 범위</a:t>
+                      </a:r>
                     </a:p>
                   </a:txBody>
                   <a:tcPr anchor="ctr" horzOverflow="overflow">
@@ -4156,13 +4122,107 @@
                     </a:solidFill>
                   </a:tcPr>
                 </a:tc>
+                <a:tc>
+                  <a:txBody>
+                    <a:bodyPr/>
+                    <a:lstStyle/>
+                    <a:p>
+                      <a:pPr marL="0" marR="0" lvl="0" indent="0" algn="ctr" defTabSz="914400" rtl="0" eaLnBrk="1" fontAlgn="base" latinLnBrk="1" hangingPunct="1">
+                        <a:lnSpc>
+                          <a:spcPct val="100000"/>
+                        </a:lnSpc>
+                        <a:spcBef>
+                          <a:spcPct val="0"/>
+                        </a:spcBef>
+                        <a:spcAft>
+                          <a:spcPct val="0"/>
+                        </a:spcAft>
+                        <a:buClrTx/>
+                        <a:buSzTx/>
+                        <a:buFontTx/>
+                        <a:buNone/>
+                        <a:tabLst/>
+                        <a:defRPr/>
+                      </a:pPr>
+                      <a:r>
+                        <a:rPr kumimoji="0" lang="ko-KR" altLang="en-US" sz="1400" b="1" i="0" u="none" strike="noStrike" cap="none" normalizeH="0" baseline="0" dirty="0">
+                          <a:ln>
+                            <a:noFill/>
+                          </a:ln>
+                          <a:solidFill>
+                            <a:srgbClr val="FFFFFF"/>
+                          </a:solidFill>
+                          <a:effectLst/>
+                          <a:latin typeface="나눔명조" panose="02020603020101020101" pitchFamily="18" charset="-127"/>
+                          <a:ea typeface="나눔명조" panose="02020603020101020101" pitchFamily="18" charset="-127"/>
+                        </a:rPr>
+                        <a:t>추가 구현</a:t>
+                      </a:r>
+                    </a:p>
+                  </a:txBody>
+                  <a:tcPr anchor="ctr" horzOverflow="overflow">
+                    <a:solidFill>
+                      <a:schemeClr val="bg2">
+                        <a:lumMod val="75000"/>
+                        <a:lumOff val="25000"/>
+                      </a:schemeClr>
+                    </a:solidFill>
+                  </a:tcPr>
+                </a:tc>
+                <a:tc>
+                  <a:txBody>
+                    <a:bodyPr/>
+                    <a:lstStyle/>
+                    <a:p>
+                      <a:pPr marL="0" marR="0" lvl="0" indent="0" algn="ctr" defTabSz="914400" rtl="0" eaLnBrk="1" fontAlgn="base" latinLnBrk="1" hangingPunct="1">
+                        <a:lnSpc>
+                          <a:spcPct val="100000"/>
+                        </a:lnSpc>
+                        <a:spcBef>
+                          <a:spcPct val="0"/>
+                        </a:spcBef>
+                        <a:spcAft>
+                          <a:spcPct val="0"/>
+                        </a:spcAft>
+                        <a:buClrTx/>
+                        <a:buSzTx/>
+                        <a:buFontTx/>
+                        <a:buNone/>
+                        <a:tabLst/>
+                        <a:defRPr/>
+                      </a:pPr>
+                      <a:r>
+                        <a:rPr kumimoji="0" lang="ko-KR" altLang="en-US" sz="1400" b="1" i="0" u="none" strike="noStrike" cap="none" normalizeH="0" baseline="0" dirty="0">
+                          <a:ln>
+                            <a:noFill/>
+                          </a:ln>
+                          <a:solidFill>
+                            <a:srgbClr val="FFFFFF"/>
+                          </a:solidFill>
+                          <a:effectLst/>
+                          <a:latin typeface="나눔명조" panose="02020603020101020101" pitchFamily="18" charset="-127"/>
+                          <a:ea typeface="나눔명조" panose="02020603020101020101" pitchFamily="18" charset="-127"/>
+                        </a:rPr>
+                        <a:t>진척도</a:t>
+                      </a:r>
+                    </a:p>
+                  </a:txBody>
+                  <a:tcPr anchor="ctr" horzOverflow="overflow">
+                    <a:solidFill>
+                      <a:schemeClr val="bg2">
+                        <a:lumMod val="75000"/>
+                        <a:lumOff val="25000"/>
+                      </a:schemeClr>
+                    </a:solidFill>
+                  </a:tcPr>
+                </a:tc>
                 <a:extLst>
                   <a:ext uri="{0D108BD9-81ED-4DB2-BD59-A6C34878D82A}">
                     <a16:rowId xmlns:a16="http://schemas.microsoft.com/office/drawing/2014/main" val="10000"/>
                   </a:ext>
                 </a:extLst>
               </a:tr>
-              <a:tr h="642646">
+              <a:tr h="585305">
                 <a:tc>
                   <a:txBody>
                     <a:bodyPr/>
@@ -4185,7 +4245,7 @@
                         <a:tabLst/>
                       </a:pPr>
                       <a:r>
-                        <a:rPr kumimoji="0" lang="ko-KR" altLang="en-US" sz="1400" u="none" strike="noStrike" cap="none" normalizeH="0" baseline="0" dirty="0">
+                        <a:rPr kumimoji="0" lang="ko-KR" altLang="en-US" sz="1200" b="1" u="none" strike="noStrike" cap="none" normalizeH="0" baseline="0" dirty="0">
                           <a:ln>
                             <a:noFill/>
                           </a:ln>
@@ -4196,12 +4256,12 @@
                             </a:schemeClr>
                           </a:solidFill>
                           <a:effectLst/>
-                          <a:latin typeface="배달의민족 한나는 열한살" panose="020B0600000101010101" pitchFamily="50" charset="-127"/>
-                          <a:ea typeface="배달의민족 한나는 열한살" panose="020B0600000101010101" pitchFamily="50" charset="-127"/>
+                          <a:latin typeface="나눔명조" panose="02020603020101020101" pitchFamily="18" charset="-127"/>
+                          <a:ea typeface="나눔명조" panose="02020603020101020101" pitchFamily="18" charset="-127"/>
                         </a:rPr>
                         <a:t>캐릭터</a:t>
                       </a:r>
-                      <a:endParaRPr kumimoji="0" lang="en-US" altLang="ko-KR" sz="1400" u="none" strike="noStrike" cap="none" normalizeH="0" baseline="0" dirty="0">
+                      <a:endParaRPr kumimoji="0" lang="en-US" altLang="ko-KR" sz="1200" b="1" u="none" strike="noStrike" cap="none" normalizeH="0" baseline="0" dirty="0">
                         <a:ln>
                           <a:noFill/>
                         </a:ln>
@@ -4212,8 +4272,8 @@
                           </a:schemeClr>
                         </a:solidFill>
                         <a:effectLst/>
-                        <a:latin typeface="배달의민족 한나는 열한살" panose="020B0600000101010101" pitchFamily="50" charset="-127"/>
-                        <a:ea typeface="배달의민족 한나는 열한살" panose="020B0600000101010101" pitchFamily="50" charset="-127"/>
+                        <a:latin typeface="나눔명조" panose="02020603020101020101" pitchFamily="18" charset="-127"/>
+                        <a:ea typeface="나눔명조" panose="02020603020101020101" pitchFamily="18" charset="-127"/>
                       </a:endParaRPr>
                     </a:p>
                     <a:p>
@@ -4234,7 +4294,7 @@
                         <a:tabLst/>
                       </a:pPr>
                       <a:r>
-                        <a:rPr kumimoji="0" lang="ko-KR" altLang="en-US" sz="1400" b="0" i="0" u="none" strike="noStrike" cap="none" normalizeH="0" baseline="0" dirty="0">
+                        <a:rPr kumimoji="0" lang="ko-KR" altLang="en-US" sz="1200" b="1" i="0" u="none" strike="noStrike" cap="none" normalizeH="0" baseline="0" dirty="0">
                           <a:ln>
                             <a:noFill/>
                           </a:ln>
@@ -4245,8 +4305,8 @@
                             </a:schemeClr>
                           </a:solidFill>
                           <a:effectLst/>
-                          <a:latin typeface="배달의민족 한나는 열한살" panose="020B0600000101010101" pitchFamily="50" charset="-127"/>
-                          <a:ea typeface="배달의민족 한나는 열한살" panose="020B0600000101010101" pitchFamily="50" charset="-127"/>
+                          <a:latin typeface="나눔명조" panose="02020603020101020101" pitchFamily="18" charset="-127"/>
+                          <a:ea typeface="나눔명조" panose="02020603020101020101" pitchFamily="18" charset="-127"/>
                         </a:rPr>
                         <a:t>컨트롤</a:t>
                       </a:r>
@@ -4283,7 +4343,7 @@
                         <a:tabLst/>
                       </a:pPr>
                       <a:r>
-                        <a:rPr kumimoji="0" lang="ko-KR" altLang="en-US" sz="1300" b="0" i="0" u="none" strike="noStrike" cap="none" normalizeH="0" baseline="0" dirty="0">
+                        <a:rPr kumimoji="0" lang="ko-KR" altLang="en-US" sz="1200" b="0" i="0" u="none" strike="noStrike" cap="none" normalizeH="0" baseline="0" dirty="0">
                           <a:ln>
                             <a:noFill/>
                           </a:ln>
@@ -4294,13 +4354,13 @@
                             </a:schemeClr>
                           </a:solidFill>
                           <a:effectLst/>
-                          <a:latin typeface="나눔고딕" panose="020D0604000000000000" pitchFamily="50" charset="-127"/>
-                          <a:ea typeface="나눔고딕" panose="020D0604000000000000" pitchFamily="50" charset="-127"/>
+                          <a:latin typeface="나눔명조" panose="02020603020101020101" pitchFamily="18" charset="-127"/>
+                          <a:ea typeface="나눔명조" panose="02020603020101020101" pitchFamily="18" charset="-127"/>
                         </a:rPr>
                         <a:t>방향전환과 오르기</a:t>
                       </a:r>
                       <a:r>
-                        <a:rPr kumimoji="0" lang="en-US" altLang="ko-KR" sz="1300" b="0" i="0" u="none" strike="noStrike" cap="none" normalizeH="0" baseline="0" dirty="0">
+                        <a:rPr kumimoji="0" lang="en-US" altLang="ko-KR" sz="1200" b="0" i="0" u="none" strike="noStrike" cap="none" normalizeH="0" baseline="0" dirty="0">
                           <a:ln>
                             <a:noFill/>
                           </a:ln>
@@ -4311,13 +4371,13 @@
                             </a:schemeClr>
                           </a:solidFill>
                           <a:effectLst/>
-                          <a:latin typeface="나눔고딕" panose="020D0604000000000000" pitchFamily="50" charset="-127"/>
-                          <a:ea typeface="나눔고딕" panose="020D0604000000000000" pitchFamily="50" charset="-127"/>
+                          <a:latin typeface="나눔명조" panose="02020603020101020101" pitchFamily="18" charset="-127"/>
+                          <a:ea typeface="나눔명조" panose="02020603020101020101" pitchFamily="18" charset="-127"/>
                         </a:rPr>
                         <a:t>(</a:t>
                       </a:r>
                       <a:r>
-                        <a:rPr kumimoji="0" lang="ko-KR" altLang="en-US" sz="1300" b="0" i="0" u="none" strike="noStrike" cap="none" normalizeH="0" baseline="0" dirty="0">
+                        <a:rPr kumimoji="0" lang="ko-KR" altLang="en-US" sz="1200" b="0" i="0" u="none" strike="noStrike" cap="none" normalizeH="0" baseline="0" dirty="0">
                           <a:ln>
                             <a:noFill/>
                           </a:ln>
@@ -4328,13 +4388,13 @@
                             </a:schemeClr>
                           </a:solidFill>
                           <a:effectLst/>
-                          <a:latin typeface="나눔고딕" panose="020D0604000000000000" pitchFamily="50" charset="-127"/>
-                          <a:ea typeface="나눔고딕" panose="020D0604000000000000" pitchFamily="50" charset="-127"/>
+                          <a:latin typeface="나눔명조" panose="02020603020101020101" pitchFamily="18" charset="-127"/>
+                          <a:ea typeface="나눔명조" panose="02020603020101020101" pitchFamily="18" charset="-127"/>
                         </a:rPr>
                         <a:t>키보드 입력</a:t>
                       </a:r>
                       <a:r>
-                        <a:rPr kumimoji="0" lang="en-US" altLang="ko-KR" sz="1300" b="0" i="0" u="none" strike="noStrike" cap="none" normalizeH="0" baseline="0" dirty="0">
+                        <a:rPr kumimoji="0" lang="en-US" altLang="ko-KR" sz="1200" b="0" i="0" u="none" strike="noStrike" cap="none" normalizeH="0" baseline="0" dirty="0">
                           <a:ln>
                             <a:noFill/>
                           </a:ln>
@@ -4345,8 +4405,8 @@
                             </a:schemeClr>
                           </a:solidFill>
                           <a:effectLst/>
-                          <a:latin typeface="나눔고딕" panose="020D0604000000000000" pitchFamily="50" charset="-127"/>
-                          <a:ea typeface="나눔고딕" panose="020D0604000000000000" pitchFamily="50" charset="-127"/>
+                          <a:latin typeface="나눔명조" panose="02020603020101020101" pitchFamily="18" charset="-127"/>
+                          <a:ea typeface="나눔명조" panose="02020603020101020101" pitchFamily="18" charset="-127"/>
                         </a:rPr>
                         <a:t>)</a:t>
                       </a:r>
@@ -4366,19 +4426,133 @@
                     <a:bodyPr/>
                     <a:lstStyle/>
                     <a:p>
-                      <a:pPr marL="285750" indent="-285750" latinLnBrk="1">
+                      <a:pPr marL="171450" indent="-171450" latinLnBrk="1">
                         <a:buFont typeface="Arial" panose="020B0604020202020204" pitchFamily="34" charset="0"/>
                         <a:buChar char="•"/>
                       </a:pPr>
                       <a:r>
-                        <a:rPr lang="ko-KR" altLang="en-US" sz="1300" dirty="0">
-                          <a:latin typeface="나눔고딕" panose="020D0604000000000000" pitchFamily="50" charset="-127"/>
-                          <a:ea typeface="나눔고딕" panose="020D0604000000000000" pitchFamily="50" charset="-127"/>
-                        </a:rPr>
-                        <a:t>점프</a:t>
-                      </a:r>
-                      <a:r>
-                        <a:rPr kumimoji="0" lang="en-US" altLang="ko-KR" sz="1300" b="0" i="0" u="none" strike="noStrike" cap="none" normalizeH="0" baseline="0" dirty="0">
+                        <a:rPr lang="ko-KR" altLang="en-US" sz="1200" dirty="0">
+                          <a:latin typeface="나눔명조" panose="02020603020101020101" pitchFamily="18" charset="-127"/>
+                          <a:ea typeface="나눔명조" panose="02020603020101020101" pitchFamily="18" charset="-127"/>
+                        </a:rPr>
+                        <a:t>방향전환과 오르기 </a:t>
+                      </a:r>
+                      <a:r>
+                        <a:rPr lang="en-US" altLang="ko-KR" sz="1200" dirty="0">
+                          <a:latin typeface="나눔명조" panose="02020603020101020101" pitchFamily="18" charset="-127"/>
+                          <a:ea typeface="나눔명조" panose="02020603020101020101" pitchFamily="18" charset="-127"/>
+                        </a:rPr>
+                        <a:t>+ </a:t>
+                      </a:r>
+                      <a:r>
+                        <a:rPr lang="ko-KR" altLang="en-US" sz="1200" dirty="0">
+                          <a:latin typeface="나눔명조" panose="02020603020101020101" pitchFamily="18" charset="-127"/>
+                          <a:ea typeface="나눔명조" panose="02020603020101020101" pitchFamily="18" charset="-127"/>
+                        </a:rPr>
+                        <a:t>아이템사용</a:t>
+                      </a:r>
+                    </a:p>
+                  </a:txBody>
+                  <a:tcPr anchor="ctr" horzOverflow="overflow">
+                    <a:solidFill>
+                      <a:schemeClr val="bg2">
+                        <a:lumMod val="10000"/>
+                        <a:lumOff val="90000"/>
+                      </a:schemeClr>
+                    </a:solidFill>
+                  </a:tcPr>
+                </a:tc>
+                <a:tc>
+                  <a:txBody>
+                    <a:bodyPr/>
+                    <a:lstStyle/>
+                    <a:p>
+                      <a:pPr marL="0" indent="0" algn="ctr" latinLnBrk="1">
+                        <a:buFont typeface="Arial" panose="020B0604020202020204" pitchFamily="34" charset="0"/>
+                        <a:buNone/>
+                      </a:pPr>
+                      <a:r>
+                        <a:rPr lang="ko-KR" altLang="en-US" sz="1200" dirty="0">
+                          <a:latin typeface="나눔명조" panose="02020603020101020101" pitchFamily="18" charset="-127"/>
+                          <a:ea typeface="나눔명조" panose="02020603020101020101" pitchFamily="18" charset="-127"/>
+                        </a:rPr>
+                        <a:t>아이템사용</a:t>
+                      </a:r>
+                      <a:r>
+                        <a:rPr lang="en-US" altLang="ko-KR" sz="1200" b="1" dirty="0">
+                          <a:latin typeface="나눔명조" panose="02020603020101020101" pitchFamily="18" charset="-127"/>
+                          <a:ea typeface="나눔명조" panose="02020603020101020101" pitchFamily="18" charset="-127"/>
+                        </a:rPr>
+                        <a:t> </a:t>
+                      </a:r>
+                    </a:p>
+                  </a:txBody>
+                  <a:tcPr anchor="ctr" horzOverflow="overflow">
+                    <a:solidFill>
+                      <a:schemeClr val="bg2">
+                        <a:lumMod val="10000"/>
+                        <a:lumOff val="90000"/>
+                      </a:schemeClr>
+                    </a:solidFill>
+                  </a:tcPr>
+                </a:tc>
+                <a:tc>
+                  <a:txBody>
+                    <a:bodyPr/>
+                    <a:lstStyle/>
+                    <a:p>
+                      <a:pPr marL="0" indent="0" algn="ctr" latinLnBrk="1">
+                        <a:buFont typeface="Arial" panose="020B0604020202020204" pitchFamily="34" charset="0"/>
+                        <a:buNone/>
+                      </a:pPr>
+                      <a:r>
+                        <a:rPr lang="en-US" altLang="ko-KR" sz="1600" b="1" dirty="0">
+                          <a:latin typeface="나눔명조" panose="02020603020101020101" pitchFamily="18" charset="-127"/>
+                          <a:ea typeface="나눔명조" panose="02020603020101020101" pitchFamily="18" charset="-127"/>
+                        </a:rPr>
+                        <a:t>100% </a:t>
+                      </a:r>
+                    </a:p>
+                  </a:txBody>
+                  <a:tcPr anchor="ctr" horzOverflow="overflow">
+                    <a:solidFill>
+                      <a:schemeClr val="bg2">
+                        <a:lumMod val="10000"/>
+                        <a:lumOff val="90000"/>
+                      </a:schemeClr>
+                    </a:solidFill>
+                  </a:tcPr>
+                </a:tc>
+                <a:extLst>
+                  <a:ext uri="{0D108BD9-81ED-4DB2-BD59-A6C34878D82A}">
+                    <a16:rowId xmlns:a16="http://schemas.microsoft.com/office/drawing/2014/main" val="10001"/>
+                  </a:ext>
+                </a:extLst>
+              </a:tr>
+              <a:tr h="893361">
+                <a:tc>
+                  <a:txBody>
+                    <a:bodyPr/>
+                    <a:lstStyle/>
+                    <a:p>
+                      <a:pPr marL="0" marR="0" lvl="0" indent="0" algn="ctr" defTabSz="914400" rtl="0" eaLnBrk="1" fontAlgn="base" latinLnBrk="1" hangingPunct="1">
+                        <a:lnSpc>
+                          <a:spcPct val="100000"/>
+                        </a:lnSpc>
+                        <a:spcBef>
+                          <a:spcPct val="0"/>
+                        </a:spcBef>
+                        <a:spcAft>
+                          <a:spcPct val="0"/>
+                        </a:spcAft>
+                        <a:buClrTx/>
+                        <a:buSzTx/>
+                        <a:buFontTx/>
+                        <a:buNone/>
+                        <a:tabLst/>
+                      </a:pPr>
+                      <a:r>
+                        <a:rPr kumimoji="0" lang="ko-KR" altLang="en-US" sz="1200" b="1" u="none" strike="noStrike" cap="none" normalizeH="0" baseline="0" dirty="0">
                           <a:ln>
                             <a:noFill/>
                           </a:ln>
@@ -4389,13 +4563,59 @@
                             </a:schemeClr>
                           </a:solidFill>
                           <a:effectLst/>
-                          <a:latin typeface="나눔고딕" panose="020D0604000000000000" pitchFamily="50" charset="-127"/>
-                          <a:ea typeface="나눔고딕" panose="020D0604000000000000" pitchFamily="50" charset="-127"/>
-                        </a:rPr>
-                        <a:t>(</a:t>
-                      </a:r>
-                      <a:r>
-                        <a:rPr kumimoji="0" lang="ko-KR" altLang="en-US" sz="1300" b="0" i="0" u="none" strike="noStrike" cap="none" normalizeH="0" baseline="0" dirty="0">
+                          <a:latin typeface="나눔명조" panose="02020603020101020101" pitchFamily="18" charset="-127"/>
+                          <a:ea typeface="나눔명조" panose="02020603020101020101" pitchFamily="18" charset="-127"/>
+                        </a:rPr>
+                        <a:t>맵</a:t>
+                      </a:r>
+                      <a:endParaRPr kumimoji="0" lang="en-US" altLang="ko-KR" sz="1200" b="1" i="0" u="none" strike="noStrike" cap="none" normalizeH="0" baseline="0" dirty="0">
+                        <a:ln>
+                          <a:noFill/>
+                        </a:ln>
+                        <a:solidFill>
+                          <a:schemeClr val="bg1">
+                            <a:lumMod val="75000"/>
+                            <a:lumOff val="25000"/>
+                          </a:schemeClr>
+                        </a:solidFill>
+                        <a:effectLst/>
+                        <a:latin typeface="나눔명조" panose="02020603020101020101" pitchFamily="18" charset="-127"/>
+                        <a:ea typeface="나눔명조" panose="02020603020101020101" pitchFamily="18" charset="-127"/>
+                      </a:endParaRPr>
+                    </a:p>
+                  </a:txBody>
+                  <a:tcPr anchor="ctr" horzOverflow="overflow">
+                    <a:solidFill>
+                      <a:schemeClr val="bg2">
+                        <a:lumMod val="25000"/>
+                        <a:lumOff val="75000"/>
+                      </a:schemeClr>
+                    </a:solidFill>
+                  </a:tcPr>
+                </a:tc>
+                <a:tc>
+                  <a:txBody>
+                    <a:bodyPr/>
+                    <a:lstStyle/>
+                    <a:p>
+                      <a:pPr marL="285750" marR="0" lvl="0" indent="-285750" algn="l" defTabSz="914400" rtl="0" eaLnBrk="1" fontAlgn="base" latinLnBrk="1" hangingPunct="1">
+                        <a:lnSpc>
+                          <a:spcPct val="100000"/>
+                        </a:lnSpc>
+                        <a:spcBef>
+                          <a:spcPct val="0"/>
+                        </a:spcBef>
+                        <a:spcAft>
+                          <a:spcPct val="0"/>
+                        </a:spcAft>
+                        <a:buClrTx/>
+                        <a:buSzTx/>
+                        <a:buFont typeface="Arial" panose="020B0604020202020204" pitchFamily="34" charset="0"/>
+                        <a:buChar char="•"/>
+                        <a:tabLst/>
+                      </a:pPr>
+                      <a:r>
+                        <a:rPr kumimoji="0" lang="ko-KR" altLang="en-US" sz="1200" b="0" i="0" u="none" strike="noStrike" cap="none" normalizeH="0" baseline="0" dirty="0">
                           <a:ln>
                             <a:noFill/>
                           </a:ln>
@@ -4406,13 +4626,45 @@
                             </a:schemeClr>
                           </a:solidFill>
                           <a:effectLst/>
-                          <a:latin typeface="나눔고딕" panose="020D0604000000000000" pitchFamily="50" charset="-127"/>
-                          <a:ea typeface="나눔고딕" panose="020D0604000000000000" pitchFamily="50" charset="-127"/>
-                        </a:rPr>
-                        <a:t>키보드 입력</a:t>
-                      </a:r>
-                      <a:r>
-                        <a:rPr kumimoji="0" lang="en-US" altLang="ko-KR" sz="1300" b="0" i="0" u="none" strike="noStrike" cap="none" normalizeH="0" baseline="0" dirty="0">
+                          <a:latin typeface="나눔명조" panose="02020603020101020101" pitchFamily="18" charset="-127"/>
+                          <a:ea typeface="나눔명조" panose="02020603020101020101" pitchFamily="18" charset="-127"/>
+                        </a:rPr>
+                        <a:t>종 스크롤으로 맵 이동</a:t>
+                      </a:r>
+                      <a:endParaRPr kumimoji="0" lang="en-US" altLang="ko-KR" sz="1200" b="0" i="0" u="none" strike="noStrike" cap="none" normalizeH="0" baseline="0" dirty="0">
+                        <a:ln>
+                          <a:noFill/>
+                        </a:ln>
+                        <a:solidFill>
+                          <a:schemeClr val="bg1">
+                            <a:lumMod val="75000"/>
+                            <a:lumOff val="25000"/>
+                          </a:schemeClr>
+                        </a:solidFill>
+                        <a:effectLst/>
+                        <a:latin typeface="나눔명조" panose="02020603020101020101" pitchFamily="18" charset="-127"/>
+                        <a:ea typeface="나눔명조" panose="02020603020101020101" pitchFamily="18" charset="-127"/>
+                      </a:endParaRPr>
+                    </a:p>
+                    <a:p>
+                      <a:pPr marL="285750" marR="0" lvl="0" indent="-285750" algn="l" defTabSz="914400" rtl="0" eaLnBrk="1" fontAlgn="base" latinLnBrk="1" hangingPunct="1">
+                        <a:lnSpc>
+                          <a:spcPct val="100000"/>
+                        </a:lnSpc>
+                        <a:spcBef>
+                          <a:spcPct val="0"/>
+                        </a:spcBef>
+                        <a:spcAft>
+                          <a:spcPct val="0"/>
+                        </a:spcAft>
+                        <a:buClrTx/>
+                        <a:buSzTx/>
+                        <a:buFont typeface="Arial" panose="020B0604020202020204" pitchFamily="34" charset="0"/>
+                        <a:buChar char="•"/>
+                        <a:tabLst/>
+                      </a:pPr>
+                      <a:r>
+                        <a:rPr kumimoji="0" lang="en-US" altLang="ko-KR" sz="1200" b="0" i="0" u="none" strike="noStrike" cap="none" normalizeH="0" baseline="0" dirty="0">
                           <a:ln>
                             <a:noFill/>
                           </a:ln>
@@ -4423,56 +4675,13 @@
                             </a:schemeClr>
                           </a:solidFill>
                           <a:effectLst/>
-                          <a:latin typeface="나눔고딕" panose="020D0604000000000000" pitchFamily="50" charset="-127"/>
-                          <a:ea typeface="나눔고딕" panose="020D0604000000000000" pitchFamily="50" charset="-127"/>
-                        </a:rPr>
-                        <a:t>)</a:t>
-                      </a:r>
-                      <a:endParaRPr lang="ko-KR" altLang="en-US" sz="1300" dirty="0">
-                        <a:latin typeface="나눔고딕" panose="020D0604000000000000" pitchFamily="50" charset="-127"/>
-                        <a:ea typeface="나눔고딕" panose="020D0604000000000000" pitchFamily="50" charset="-127"/>
-                      </a:endParaRPr>
-                    </a:p>
-                  </a:txBody>
-                  <a:tcPr anchor="ctr" horzOverflow="overflow">
-                    <a:solidFill>
-                      <a:schemeClr val="bg2">
-                        <a:lumMod val="10000"/>
-                        <a:lumOff val="90000"/>
-                      </a:schemeClr>
-                    </a:solidFill>
-                  </a:tcPr>
-                </a:tc>
-                <a:extLst>
-                  <a:ext uri="{0D108BD9-81ED-4DB2-BD59-A6C34878D82A}">
-                    <a16:rowId xmlns:a16="http://schemas.microsoft.com/office/drawing/2014/main" val="10001"/>
-                  </a:ext>
-                </a:extLst>
-              </a:tr>
-              <a:tr h="669426">
-                <a:tc>
-                  <a:txBody>
-                    <a:bodyPr/>
-                    <a:lstStyle/>
-                    <a:p>
-                      <a:pPr marL="0" marR="0" lvl="0" indent="0" algn="ctr" defTabSz="914400" rtl="0" eaLnBrk="1" fontAlgn="base" latinLnBrk="1" hangingPunct="1">
-                        <a:lnSpc>
-                          <a:spcPct val="100000"/>
-                        </a:lnSpc>
-                        <a:spcBef>
-                          <a:spcPct val="0"/>
-                        </a:spcBef>
-                        <a:spcAft>
-                          <a:spcPct val="0"/>
-                        </a:spcAft>
-                        <a:buClrTx/>
-                        <a:buSzTx/>
-                        <a:buFontTx/>
-                        <a:buNone/>
-                        <a:tabLst/>
-                      </a:pPr>
-                      <a:r>
-                        <a:rPr kumimoji="0" lang="ko-KR" altLang="en-US" sz="1400" u="none" strike="noStrike" cap="none" normalizeH="0" baseline="0" dirty="0">
+                          <a:latin typeface="나눔명조" panose="02020603020101020101" pitchFamily="18" charset="-127"/>
+                          <a:ea typeface="나눔명조" panose="02020603020101020101" pitchFamily="18" charset="-127"/>
+                        </a:rPr>
+                        <a:t>3</a:t>
+                      </a:r>
+                      <a:r>
+                        <a:rPr kumimoji="0" lang="ko-KR" altLang="en-US" sz="1200" b="0" i="0" u="none" strike="noStrike" cap="none" normalizeH="0" baseline="0" dirty="0">
                           <a:ln>
                             <a:noFill/>
                           </a:ln>
@@ -4483,12 +4692,132 @@
                             </a:schemeClr>
                           </a:solidFill>
                           <a:effectLst/>
-                          <a:latin typeface="배달의민족 한나는 열한살" panose="020B0600000101010101" pitchFamily="50" charset="-127"/>
-                          <a:ea typeface="배달의민족 한나는 열한살" panose="020B0600000101010101" pitchFamily="50" charset="-127"/>
-                        </a:rPr>
-                        <a:t>맵</a:t>
-                      </a:r>
-                      <a:endParaRPr kumimoji="0" lang="en-US" altLang="ko-KR" sz="1400" b="0" i="0" u="none" strike="noStrike" cap="none" normalizeH="0" baseline="0" dirty="0">
+                          <a:latin typeface="나눔명조" panose="02020603020101020101" pitchFamily="18" charset="-127"/>
+                          <a:ea typeface="나눔명조" panose="02020603020101020101" pitchFamily="18" charset="-127"/>
+                        </a:rPr>
+                        <a:t>개의 스테이지</a:t>
+                      </a:r>
+                      <a:r>
+                        <a:rPr kumimoji="0" lang="en-US" altLang="ko-KR" sz="1200" b="0" i="0" u="none" strike="noStrike" cap="none" normalizeH="0" baseline="0" dirty="0">
+                          <a:ln>
+                            <a:noFill/>
+                          </a:ln>
+                          <a:solidFill>
+                            <a:schemeClr val="bg1">
+                              <a:lumMod val="75000"/>
+                              <a:lumOff val="25000"/>
+                            </a:schemeClr>
+                          </a:solidFill>
+                          <a:effectLst/>
+                          <a:latin typeface="나눔명조" panose="02020603020101020101" pitchFamily="18" charset="-127"/>
+                          <a:ea typeface="나눔명조" panose="02020603020101020101" pitchFamily="18" charset="-127"/>
+                        </a:rPr>
+                        <a:t>(KPU-</a:t>
+                      </a:r>
+                      <a:r>
+                        <a:rPr kumimoji="0" lang="ko-KR" altLang="en-US" sz="1200" b="0" i="0" u="none" strike="noStrike" cap="none" normalizeH="0" baseline="0" dirty="0">
+                          <a:ln>
+                            <a:noFill/>
+                          </a:ln>
+                          <a:solidFill>
+                            <a:schemeClr val="bg1">
+                              <a:lumMod val="75000"/>
+                              <a:lumOff val="25000"/>
+                            </a:schemeClr>
+                          </a:solidFill>
+                          <a:effectLst/>
+                          <a:latin typeface="나눔명조" panose="02020603020101020101" pitchFamily="18" charset="-127"/>
+                          <a:ea typeface="나눔명조" panose="02020603020101020101" pitchFamily="18" charset="-127"/>
+                        </a:rPr>
+                        <a:t>이마트</a:t>
+                      </a:r>
+                      <a:r>
+                        <a:rPr kumimoji="0" lang="en-US" altLang="ko-KR" sz="1200" b="0" i="0" u="none" strike="noStrike" cap="none" normalizeH="0" baseline="0" dirty="0">
+                          <a:ln>
+                            <a:noFill/>
+                          </a:ln>
+                          <a:solidFill>
+                            <a:schemeClr val="bg1">
+                              <a:lumMod val="75000"/>
+                              <a:lumOff val="25000"/>
+                            </a:schemeClr>
+                          </a:solidFill>
+                          <a:effectLst/>
+                          <a:latin typeface="나눔명조" panose="02020603020101020101" pitchFamily="18" charset="-127"/>
+                          <a:ea typeface="나눔명조" panose="02020603020101020101" pitchFamily="18" charset="-127"/>
+                        </a:rPr>
+                        <a:t>-</a:t>
+                      </a:r>
+                      <a:r>
+                        <a:rPr kumimoji="0" lang="ko-KR" altLang="en-US" sz="1200" b="0" i="0" u="none" strike="noStrike" cap="none" normalizeH="0" baseline="0" dirty="0">
+                          <a:ln>
+                            <a:noFill/>
+                          </a:ln>
+                          <a:solidFill>
+                            <a:schemeClr val="bg1">
+                              <a:lumMod val="75000"/>
+                              <a:lumOff val="25000"/>
+                            </a:schemeClr>
+                          </a:solidFill>
+                          <a:effectLst/>
+                          <a:latin typeface="나눔명조" panose="02020603020101020101" pitchFamily="18" charset="-127"/>
+                          <a:ea typeface="나눔명조" panose="02020603020101020101" pitchFamily="18" charset="-127"/>
+                        </a:rPr>
+                        <a:t>정왕역</a:t>
+                      </a:r>
+                      <a:r>
+                        <a:rPr kumimoji="0" lang="en-US" altLang="ko-KR" sz="1200" b="0" i="0" u="none" strike="noStrike" cap="none" normalizeH="0" baseline="0" dirty="0">
+                          <a:ln>
+                            <a:noFill/>
+                          </a:ln>
+                          <a:solidFill>
+                            <a:schemeClr val="bg1">
+                              <a:lumMod val="75000"/>
+                              <a:lumOff val="25000"/>
+                            </a:schemeClr>
+                          </a:solidFill>
+                          <a:effectLst/>
+                          <a:latin typeface="나눔명조" panose="02020603020101020101" pitchFamily="18" charset="-127"/>
+                          <a:ea typeface="나눔명조" panose="02020603020101020101" pitchFamily="18" charset="-127"/>
+                        </a:rPr>
+                        <a:t>)</a:t>
+                      </a:r>
+                    </a:p>
+                    <a:p>
+                      <a:pPr marL="285750" marR="0" lvl="0" indent="-285750" algn="l" defTabSz="914400" rtl="0" eaLnBrk="1" fontAlgn="base" latinLnBrk="1" hangingPunct="1">
+                        <a:lnSpc>
+                          <a:spcPct val="100000"/>
+                        </a:lnSpc>
+                        <a:spcBef>
+                          <a:spcPct val="0"/>
+                        </a:spcBef>
+                        <a:spcAft>
+                          <a:spcPct val="0"/>
+                        </a:spcAft>
+                        <a:buClrTx/>
+                        <a:buSzTx/>
+                        <a:buFont typeface="Arial" panose="020B0604020202020204" pitchFamily="34" charset="0"/>
+                        <a:buChar char="•"/>
+                        <a:tabLst/>
+                      </a:pPr>
+                      <a:r>
+                        <a:rPr kumimoji="0" lang="ko-KR" altLang="en-US" sz="1200" b="0" i="0" u="none" strike="noStrike" cap="none" normalizeH="0" baseline="0" dirty="0">
+                          <a:ln>
+                            <a:noFill/>
+                          </a:ln>
+                          <a:solidFill>
+                            <a:schemeClr val="bg1">
+                              <a:lumMod val="75000"/>
+                              <a:lumOff val="25000"/>
+                            </a:schemeClr>
+                          </a:solidFill>
+                          <a:effectLst/>
+                          <a:latin typeface="나눔명조" panose="02020603020101020101" pitchFamily="18" charset="-127"/>
+                          <a:ea typeface="나눔명조" panose="02020603020101020101" pitchFamily="18" charset="-127"/>
+                        </a:rPr>
+                        <a:t>계단을 일정수준 올라가면 스테이지가 전환되는 형식</a:t>
+                      </a:r>
+                      <a:endParaRPr kumimoji="0" lang="en-US" altLang="ko-KR" sz="1200" b="0" i="0" u="none" strike="noStrike" cap="none" normalizeH="0" baseline="0" dirty="0">
                         <a:ln>
                           <a:noFill/>
                         </a:ln>
@@ -4499,43 +4828,200 @@
                           </a:schemeClr>
                         </a:solidFill>
                         <a:effectLst/>
-                        <a:latin typeface="배달의민족 한나는 열한살" panose="020B0600000101010101" pitchFamily="50" charset="-127"/>
-                        <a:ea typeface="배달의민족 한나는 열한살" panose="020B0600000101010101" pitchFamily="50" charset="-127"/>
+                        <a:latin typeface="나눔명조" panose="02020603020101020101" pitchFamily="18" charset="-127"/>
+                        <a:ea typeface="나눔명조" panose="02020603020101020101" pitchFamily="18" charset="-127"/>
                       </a:endParaRPr>
                     </a:p>
                   </a:txBody>
                   <a:tcPr anchor="ctr" horzOverflow="overflow">
                     <a:solidFill>
                       <a:schemeClr val="bg2">
-                        <a:lumMod val="25000"/>
-                        <a:lumOff val="75000"/>
+                        <a:lumMod val="10000"/>
+                        <a:lumOff val="90000"/>
                       </a:schemeClr>
                     </a:solidFill>
                   </a:tcPr>
                 </a:tc>
-                <a:tc gridSpan="2">
-                  <a:txBody>
-                    <a:bodyPr/>
-                    <a:lstStyle/>
-                    <a:p>
-                      <a:pPr marL="285750" marR="0" lvl="0" indent="-285750" algn="l" defTabSz="914400" rtl="0" eaLnBrk="1" fontAlgn="base" latinLnBrk="1" hangingPunct="1">
+                <a:tc>
+                  <a:txBody>
+                    <a:bodyPr/>
+                    <a:lstStyle/>
+                    <a:p>
+                      <a:pPr marL="171450" indent="-171450" latinLnBrk="1">
+                        <a:buFont typeface="Arial" panose="020B0604020202020204" pitchFamily="34" charset="0"/>
+                        <a:buChar char="•"/>
+                      </a:pPr>
+                      <a:r>
+                        <a:rPr lang="ko-KR" altLang="en-US" sz="1200" dirty="0">
+                          <a:latin typeface="나눔명조" panose="02020603020101020101" pitchFamily="18" charset="-127"/>
+                          <a:ea typeface="나눔명조" panose="02020603020101020101" pitchFamily="18" charset="-127"/>
+                        </a:rPr>
+                        <a:t>맵</a:t>
+                      </a:r>
+                      <a:r>
+                        <a:rPr lang="en-US" altLang="ko-KR" sz="1200" dirty="0">
+                          <a:latin typeface="나눔명조" panose="02020603020101020101" pitchFamily="18" charset="-127"/>
+                          <a:ea typeface="나눔명조" panose="02020603020101020101" pitchFamily="18" charset="-127"/>
+                        </a:rPr>
+                        <a:t>3</a:t>
+                      </a:r>
+                      <a:r>
+                        <a:rPr lang="ko-KR" altLang="en-US" sz="1200" dirty="0">
+                          <a:latin typeface="나눔명조" panose="02020603020101020101" pitchFamily="18" charset="-127"/>
+                          <a:ea typeface="나눔명조" panose="02020603020101020101" pitchFamily="18" charset="-127"/>
+                        </a:rPr>
+                        <a:t>종 </a:t>
+                      </a:r>
+                      <a:r>
+                        <a:rPr lang="en-US" altLang="ko-KR" sz="1200" dirty="0">
+                          <a:latin typeface="나눔명조" panose="02020603020101020101" pitchFamily="18" charset="-127"/>
+                          <a:ea typeface="나눔명조" panose="02020603020101020101" pitchFamily="18" charset="-127"/>
+                        </a:rPr>
+                        <a:t>+ </a:t>
+                      </a:r>
+                      <a:r>
+                        <a:rPr lang="ko-KR" altLang="en-US" sz="1200" dirty="0">
+                          <a:latin typeface="나눔명조" panose="02020603020101020101" pitchFamily="18" charset="-127"/>
+                          <a:ea typeface="나눔명조" panose="02020603020101020101" pitchFamily="18" charset="-127"/>
+                        </a:rPr>
+                        <a:t>무한계단모드</a:t>
+                      </a:r>
+                    </a:p>
+                  </a:txBody>
+                  <a:tcPr anchor="ctr" horzOverflow="overflow">
+                    <a:solidFill>
+                      <a:schemeClr val="bg2">
+                        <a:lumMod val="10000"/>
+                        <a:lumOff val="90000"/>
+                      </a:schemeClr>
+                    </a:solidFill>
+                  </a:tcPr>
+                </a:tc>
+                <a:tc>
+                  <a:txBody>
+                    <a:bodyPr/>
+                    <a:lstStyle/>
+                    <a:p>
+                      <a:pPr marL="0" marR="0" lvl="0" indent="0" algn="ctr" defTabSz="914400" rtl="0" eaLnBrk="1" fontAlgn="auto" latinLnBrk="1" hangingPunct="1">
                         <a:lnSpc>
                           <a:spcPct val="100000"/>
                         </a:lnSpc>
                         <a:spcBef>
-                          <a:spcPct val="0"/>
+                          <a:spcPts val="0"/>
                         </a:spcBef>
                         <a:spcAft>
-                          <a:spcPct val="0"/>
+                          <a:spcPts val="0"/>
                         </a:spcAft>
                         <a:buClrTx/>
                         <a:buSzTx/>
-                        <a:buFont typeface="Arial" panose="020B0604020202020204" pitchFamily="34" charset="0"/>
-                        <a:buChar char="•"/>
+                        <a:buFontTx/>
+                        <a:buNone/>
+                        <a:tabLst/>
+                        <a:defRPr/>
+                      </a:pPr>
+                      <a:r>
+                        <a:rPr lang="en-US" altLang="ko-KR" sz="1200" dirty="0">
+                          <a:latin typeface="나눔명조" panose="02020603020101020101" pitchFamily="18" charset="-127"/>
+                          <a:ea typeface="나눔명조" panose="02020603020101020101" pitchFamily="18" charset="-127"/>
+                        </a:rPr>
+                        <a:t> </a:t>
+                      </a:r>
+                      <a:r>
+                        <a:rPr lang="ko-KR" altLang="en-US" sz="1200" dirty="0">
+                          <a:latin typeface="나눔명조" panose="02020603020101020101" pitchFamily="18" charset="-127"/>
+                          <a:ea typeface="나눔명조" panose="02020603020101020101" pitchFamily="18" charset="-127"/>
+                        </a:rPr>
+                        <a:t>무한계단모드</a:t>
+                      </a:r>
+                      <a:endParaRPr lang="ko-KR" altLang="en-US" sz="1200" b="1" dirty="0">
+                        <a:latin typeface="나눔명조" panose="02020603020101020101" pitchFamily="18" charset="-127"/>
+                        <a:ea typeface="나눔명조" panose="02020603020101020101" pitchFamily="18" charset="-127"/>
+                      </a:endParaRPr>
+                    </a:p>
+                  </a:txBody>
+                  <a:tcPr anchor="ctr" horzOverflow="overflow">
+                    <a:solidFill>
+                      <a:schemeClr val="bg2">
+                        <a:lumMod val="10000"/>
+                        <a:lumOff val="90000"/>
+                      </a:schemeClr>
+                    </a:solidFill>
+                  </a:tcPr>
+                </a:tc>
+                <a:tc>
+                  <a:txBody>
+                    <a:bodyPr/>
+                    <a:lstStyle/>
+                    <a:p>
+                      <a:pPr marL="0" marR="0" lvl="0" indent="0" algn="ctr" defTabSz="914400" rtl="0" eaLnBrk="1" fontAlgn="auto" latinLnBrk="1" hangingPunct="1">
+                        <a:lnSpc>
+                          <a:spcPct val="100000"/>
+                        </a:lnSpc>
+                        <a:spcBef>
+                          <a:spcPts val="0"/>
+                        </a:spcBef>
+                        <a:spcAft>
+                          <a:spcPts val="0"/>
+                        </a:spcAft>
+                        <a:buClrTx/>
+                        <a:buSzTx/>
+                        <a:buFontTx/>
+                        <a:buNone/>
+                        <a:tabLst/>
+                        <a:defRPr/>
+                      </a:pPr>
+                      <a:r>
+                        <a:rPr lang="en-US" altLang="ko-KR" sz="1600" b="1" dirty="0">
+                          <a:latin typeface="나눔명조" panose="02020603020101020101" pitchFamily="18" charset="-127"/>
+                          <a:ea typeface="나눔명조" panose="02020603020101020101" pitchFamily="18" charset="-127"/>
+                        </a:rPr>
+                        <a:t>100%</a:t>
+                      </a:r>
+                      <a:endParaRPr lang="ko-KR" altLang="en-US" sz="1600" b="1" dirty="0">
+                        <a:latin typeface="나눔명조" panose="02020603020101020101" pitchFamily="18" charset="-127"/>
+                        <a:ea typeface="나눔명조" panose="02020603020101020101" pitchFamily="18" charset="-127"/>
+                      </a:endParaRPr>
+                    </a:p>
+                  </a:txBody>
+                  <a:tcPr anchor="ctr" horzOverflow="overflow">
+                    <a:solidFill>
+                      <a:schemeClr val="bg2">
+                        <a:lumMod val="10000"/>
+                        <a:lumOff val="90000"/>
+                      </a:schemeClr>
+                    </a:solidFill>
+                  </a:tcPr>
+                </a:tc>
+                <a:extLst>
+                  <a:ext uri="{0D108BD9-81ED-4DB2-BD59-A6C34878D82A}">
+                    <a16:rowId xmlns:a16="http://schemas.microsoft.com/office/drawing/2014/main" val="10002"/>
+                  </a:ext>
+                </a:extLst>
+              </a:tr>
+              <a:tr h="618512">
+                <a:tc>
+                  <a:txBody>
+                    <a:bodyPr/>
+                    <a:lstStyle/>
+                    <a:p>
+                      <a:pPr marL="0" marR="0" lvl="0" indent="0" algn="ctr" defTabSz="914400" rtl="0" eaLnBrk="1" fontAlgn="base" latinLnBrk="1" hangingPunct="1">
+                        <a:lnSpc>
+                          <a:spcPct val="100000"/>
+                        </a:lnSpc>
+                        <a:spcBef>
+                          <a:spcPct val="0"/>
+                        </a:spcBef>
+                        <a:spcAft>
+                          <a:spcPct val="0"/>
+                        </a:spcAft>
+                        <a:buClrTx/>
+                        <a:buSzTx/>
+                        <a:buFontTx/>
+                        <a:buNone/>
                         <a:tabLst/>
                       </a:pPr>
                       <a:r>
-                        <a:rPr kumimoji="0" lang="ko-KR" altLang="en-US" sz="1300" b="0" i="0" u="none" strike="noStrike" cap="none" normalizeH="0" baseline="0" dirty="0">
+                        <a:rPr kumimoji="0" lang="ko-KR" altLang="en-US" sz="1200" b="1" i="0" u="none" strike="noStrike" cap="none" normalizeH="0" baseline="0" dirty="0">
                           <a:ln>
                             <a:noFill/>
                           </a:ln>
@@ -4546,12 +5032,12 @@
                             </a:schemeClr>
                           </a:solidFill>
                           <a:effectLst/>
-                          <a:latin typeface="나눔고딕" panose="020D0604000000000000" pitchFamily="50" charset="-127"/>
-                          <a:ea typeface="나눔고딕" panose="020D0604000000000000" pitchFamily="50" charset="-127"/>
-                        </a:rPr>
-                        <a:t>종 스크롤으로 맵 이동</a:t>
-                      </a:r>
-                      <a:endParaRPr kumimoji="0" lang="en-US" altLang="ko-KR" sz="1300" b="0" i="0" u="none" strike="noStrike" cap="none" normalizeH="0" baseline="0" dirty="0">
+                          <a:latin typeface="나눔명조" panose="02020603020101020101" pitchFamily="18" charset="-127"/>
+                          <a:ea typeface="나눔명조" panose="02020603020101020101" pitchFamily="18" charset="-127"/>
+                        </a:rPr>
+                        <a:t>난이도</a:t>
+                      </a:r>
+                      <a:endParaRPr kumimoji="0" lang="en-US" altLang="ko-KR" sz="1200" b="1" i="0" u="none" strike="noStrike" cap="none" normalizeH="0" baseline="0" dirty="0">
                         <a:ln>
                           <a:noFill/>
                         </a:ln>
@@ -4562,10 +5048,24 @@
                           </a:schemeClr>
                         </a:solidFill>
                         <a:effectLst/>
-                        <a:latin typeface="나눔고딕" panose="020D0604000000000000" pitchFamily="50" charset="-127"/>
-                        <a:ea typeface="나눔고딕" panose="020D0604000000000000" pitchFamily="50" charset="-127"/>
+                        <a:latin typeface="나눔명조" panose="02020603020101020101" pitchFamily="18" charset="-127"/>
+                        <a:ea typeface="나눔명조" panose="02020603020101020101" pitchFamily="18" charset="-127"/>
                       </a:endParaRPr>
                     </a:p>
+                  </a:txBody>
+                  <a:tcPr anchor="ctr" horzOverflow="overflow">
+                    <a:solidFill>
+                      <a:schemeClr val="bg2">
+                        <a:lumMod val="25000"/>
+                        <a:lumOff val="75000"/>
+                      </a:schemeClr>
+                    </a:solidFill>
+                  </a:tcPr>
+                </a:tc>
+                <a:tc>
+                  <a:txBody>
+                    <a:bodyPr/>
+                    <a:lstStyle/>
                     <a:p>
                       <a:pPr marL="285750" marR="0" lvl="0" indent="-285750" algn="l" defTabSz="914400" rtl="0" eaLnBrk="1" fontAlgn="base" latinLnBrk="1" hangingPunct="1">
                         <a:lnSpc>
@@ -4582,9 +5082,10 @@
                         <a:buFont typeface="Arial" panose="020B0604020202020204" pitchFamily="34" charset="0"/>
                         <a:buChar char="•"/>
                         <a:tabLst/>
+                        <a:defRPr/>
                       </a:pPr>
                       <a:r>
-                        <a:rPr kumimoji="0" lang="en-US" altLang="ko-KR" sz="1300" b="0" i="0" u="none" strike="noStrike" cap="none" normalizeH="0" baseline="0" dirty="0">
+                        <a:rPr kumimoji="0" lang="ko-KR" altLang="en-US" sz="1200" b="0" i="0" u="none" strike="noStrike" cap="none" normalizeH="0" baseline="0" dirty="0">
                           <a:ln>
                             <a:noFill/>
                           </a:ln>
@@ -4595,13 +5096,60 @@
                             </a:schemeClr>
                           </a:solidFill>
                           <a:effectLst/>
-                          <a:latin typeface="나눔고딕" panose="020D0604000000000000" pitchFamily="50" charset="-127"/>
-                          <a:ea typeface="나눔고딕" panose="020D0604000000000000" pitchFamily="50" charset="-127"/>
-                        </a:rPr>
-                        <a:t>3</a:t>
-                      </a:r>
-                      <a:r>
-                        <a:rPr kumimoji="0" lang="ko-KR" altLang="en-US" sz="1300" b="0" i="0" u="none" strike="noStrike" cap="none" normalizeH="0" baseline="0" dirty="0">
+                          <a:latin typeface="나눔명조" panose="02020603020101020101" pitchFamily="18" charset="-127"/>
+                          <a:ea typeface="나눔명조" panose="02020603020101020101" pitchFamily="18" charset="-127"/>
+                        </a:rPr>
+                        <a:t>스테이지 올라 갈때마다 난이도증가</a:t>
+                      </a:r>
+                      <a:endParaRPr kumimoji="0" lang="en-US" altLang="ko-KR" sz="1200" b="0" i="0" u="none" strike="noStrike" cap="none" normalizeH="0" baseline="0" dirty="0">
+                        <a:ln>
+                          <a:noFill/>
+                        </a:ln>
+                        <a:solidFill>
+                          <a:schemeClr val="bg1">
+                            <a:lumMod val="75000"/>
+                            <a:lumOff val="25000"/>
+                          </a:schemeClr>
+                        </a:solidFill>
+                        <a:effectLst/>
+                        <a:latin typeface="나눔명조" panose="02020603020101020101" pitchFamily="18" charset="-127"/>
+                        <a:ea typeface="나눔명조" panose="02020603020101020101" pitchFamily="18" charset="-127"/>
+                      </a:endParaRPr>
+                    </a:p>
+                  </a:txBody>
+                  <a:tcPr anchor="ctr" horzOverflow="overflow">
+                    <a:solidFill>
+                      <a:schemeClr val="bg2">
+                        <a:lumMod val="10000"/>
+                        <a:lumOff val="90000"/>
+                      </a:schemeClr>
+                    </a:solidFill>
+                  </a:tcPr>
+                </a:tc>
+                <a:tc>
+                  <a:txBody>
+                    <a:bodyPr/>
+                    <a:lstStyle/>
+                    <a:p>
+                      <a:pPr marL="285750" marR="0" lvl="0" indent="-285750" algn="l" defTabSz="914400" rtl="0" eaLnBrk="1" fontAlgn="base" latinLnBrk="1" hangingPunct="1">
+                        <a:lnSpc>
+                          <a:spcPct val="100000"/>
+                        </a:lnSpc>
+                        <a:spcBef>
+                          <a:spcPct val="0"/>
+                        </a:spcBef>
+                        <a:spcAft>
+                          <a:spcPct val="0"/>
+                        </a:spcAft>
+                        <a:buClrTx/>
+                        <a:buSzTx/>
+                        <a:buFont typeface="Arial" panose="020B0604020202020204" pitchFamily="34" charset="0"/>
+                        <a:buChar char="•"/>
+                        <a:tabLst/>
+                        <a:defRPr/>
+                      </a:pPr>
+                      <a:r>
+                        <a:rPr kumimoji="0" lang="ko-KR" altLang="en-US" sz="1200" b="0" i="0" u="none" strike="noStrike" cap="none" normalizeH="0" baseline="0" dirty="0">
                           <a:ln>
                             <a:noFill/>
                           </a:ln>
@@ -4612,13 +5160,13 @@
                             </a:schemeClr>
                           </a:solidFill>
                           <a:effectLst/>
-                          <a:latin typeface="나눔고딕" panose="020D0604000000000000" pitchFamily="50" charset="-127"/>
-                          <a:ea typeface="나눔고딕" panose="020D0604000000000000" pitchFamily="50" charset="-127"/>
-                        </a:rPr>
-                        <a:t>개의 스테이지</a:t>
-                      </a:r>
-                      <a:r>
-                        <a:rPr kumimoji="0" lang="en-US" altLang="ko-KR" sz="1300" b="0" i="0" u="none" strike="noStrike" cap="none" normalizeH="0" baseline="0" dirty="0">
+                          <a:latin typeface="나눔명조" panose="02020603020101020101" pitchFamily="18" charset="-127"/>
+                          <a:ea typeface="나눔명조" panose="02020603020101020101" pitchFamily="18" charset="-127"/>
+                        </a:rPr>
+                        <a:t>스테이지 올라 갈 때마다 난이도 증가 </a:t>
+                      </a:r>
+                      <a:r>
+                        <a:rPr kumimoji="0" lang="en-US" altLang="ko-KR" sz="1200" b="0" i="0" u="none" strike="noStrike" cap="none" normalizeH="0" baseline="0" dirty="0">
                           <a:ln>
                             <a:noFill/>
                           </a:ln>
@@ -4629,13 +5177,13 @@
                             </a:schemeClr>
                           </a:solidFill>
                           <a:effectLst/>
-                          <a:latin typeface="나눔고딕" panose="020D0604000000000000" pitchFamily="50" charset="-127"/>
-                          <a:ea typeface="나눔고딕" panose="020D0604000000000000" pitchFamily="50" charset="-127"/>
-                        </a:rPr>
-                        <a:t>(KPU-</a:t>
-                      </a:r>
-                      <a:r>
-                        <a:rPr kumimoji="0" lang="ko-KR" altLang="en-US" sz="1300" b="0" i="0" u="none" strike="noStrike" cap="none" normalizeH="0" baseline="0" dirty="0">
+                          <a:latin typeface="나눔명조" panose="02020603020101020101" pitchFamily="18" charset="-127"/>
+                          <a:ea typeface="나눔명조" panose="02020603020101020101" pitchFamily="18" charset="-127"/>
+                        </a:rPr>
+                        <a:t>( </a:t>
+                      </a:r>
+                      <a:r>
+                        <a:rPr kumimoji="0" lang="ko-KR" altLang="en-US" sz="1200" b="0" i="0" u="none" strike="noStrike" cap="none" normalizeH="0" baseline="0" dirty="0">
                           <a:ln>
                             <a:noFill/>
                           </a:ln>
@@ -4646,13 +5194,13 @@
                             </a:schemeClr>
                           </a:solidFill>
                           <a:effectLst/>
-                          <a:latin typeface="나눔고딕" panose="020D0604000000000000" pitchFamily="50" charset="-127"/>
-                          <a:ea typeface="나눔고딕" panose="020D0604000000000000" pitchFamily="50" charset="-127"/>
-                        </a:rPr>
-                        <a:t>이마트</a:t>
-                      </a:r>
-                      <a:r>
-                        <a:rPr kumimoji="0" lang="en-US" altLang="ko-KR" sz="1300" b="0" i="0" u="none" strike="noStrike" cap="none" normalizeH="0" baseline="0" dirty="0">
+                          <a:latin typeface="나눔명조" panose="02020603020101020101" pitchFamily="18" charset="-127"/>
+                          <a:ea typeface="나눔명조" panose="02020603020101020101" pitchFamily="18" charset="-127"/>
+                        </a:rPr>
+                        <a:t>타이머 감소 속도 </a:t>
+                      </a:r>
+                      <a:r>
+                        <a:rPr kumimoji="0" lang="ko-KR" altLang="en-US" sz="1200" b="0" i="0" u="none" strike="noStrike" cap="none" normalizeH="0" baseline="0" dirty="0" err="1">
                           <a:ln>
                             <a:noFill/>
                           </a:ln>
@@ -4663,13 +5211,13 @@
                             </a:schemeClr>
                           </a:solidFill>
                           <a:effectLst/>
-                          <a:latin typeface="나눔고딕" panose="020D0604000000000000" pitchFamily="50" charset="-127"/>
-                          <a:ea typeface="나눔고딕" panose="020D0604000000000000" pitchFamily="50" charset="-127"/>
-                        </a:rPr>
-                        <a:t>-</a:t>
-                      </a:r>
-                      <a:r>
-                        <a:rPr kumimoji="0" lang="ko-KR" altLang="en-US" sz="1300" b="0" i="0" u="none" strike="noStrike" cap="none" normalizeH="0" baseline="0" dirty="0">
+                          <a:latin typeface="나눔명조" panose="02020603020101020101" pitchFamily="18" charset="-127"/>
+                          <a:ea typeface="나눔명조" panose="02020603020101020101" pitchFamily="18" charset="-127"/>
+                        </a:rPr>
+                        <a:t>빨라짐</a:t>
+                      </a:r>
+                      <a:r>
+                        <a:rPr kumimoji="0" lang="en-US" altLang="ko-KR" sz="1200" b="0" i="0" u="none" strike="noStrike" cap="none" normalizeH="0" baseline="0" dirty="0">
                           <a:ln>
                             <a:noFill/>
                           </a:ln>
@@ -4680,13 +5228,46 @@
                             </a:schemeClr>
                           </a:solidFill>
                           <a:effectLst/>
-                          <a:latin typeface="나눔고딕" panose="020D0604000000000000" pitchFamily="50" charset="-127"/>
-                          <a:ea typeface="나눔고딕" panose="020D0604000000000000" pitchFamily="50" charset="-127"/>
-                        </a:rPr>
-                        <a:t>정왕역</a:t>
-                      </a:r>
-                      <a:r>
-                        <a:rPr kumimoji="0" lang="en-US" altLang="ko-KR" sz="1300" b="0" i="0" u="none" strike="noStrike" cap="none" normalizeH="0" baseline="0" dirty="0">
+                          <a:latin typeface="나눔명조" panose="02020603020101020101" pitchFamily="18" charset="-127"/>
+                          <a:ea typeface="나눔명조" panose="02020603020101020101" pitchFamily="18" charset="-127"/>
+                        </a:rPr>
+                        <a:t>)</a:t>
+                      </a:r>
+                    </a:p>
+                  </a:txBody>
+                  <a:tcPr anchor="ctr" horzOverflow="overflow">
+                    <a:solidFill>
+                      <a:schemeClr val="bg2">
+                        <a:lumMod val="10000"/>
+                        <a:lumOff val="90000"/>
+                      </a:schemeClr>
+                    </a:solidFill>
+                  </a:tcPr>
+                </a:tc>
+                <a:tc>
+                  <a:txBody>
+                    <a:bodyPr/>
+                    <a:lstStyle/>
+                    <a:p>
+                      <a:pPr marL="0" marR="0" lvl="0" indent="0" algn="ctr" defTabSz="914400" rtl="0" eaLnBrk="1" fontAlgn="base" latinLnBrk="1" hangingPunct="1">
+                        <a:lnSpc>
+                          <a:spcPct val="100000"/>
+                        </a:lnSpc>
+                        <a:spcBef>
+                          <a:spcPct val="0"/>
+                        </a:spcBef>
+                        <a:spcAft>
+                          <a:spcPct val="0"/>
+                        </a:spcAft>
+                        <a:buClrTx/>
+                        <a:buSzTx/>
+                        <a:buFont typeface="Arial" panose="020B0604020202020204" pitchFamily="34" charset="0"/>
+                        <a:buNone/>
+                        <a:tabLst/>
+                        <a:defRPr/>
+                      </a:pPr>
+                      <a:r>
+                        <a:rPr kumimoji="0" lang="en-US" altLang="ko-KR" sz="1200" b="1" i="0" u="none" strike="noStrike" cap="none" normalizeH="0" baseline="0" dirty="0">
                           <a:ln>
                             <a:noFill/>
                           </a:ln>
@@ -4697,14 +5278,28 @@
                             </a:schemeClr>
                           </a:solidFill>
                           <a:effectLst/>
-                          <a:latin typeface="나눔고딕" panose="020D0604000000000000" pitchFamily="50" charset="-127"/>
-                          <a:ea typeface="나눔고딕" panose="020D0604000000000000" pitchFamily="50" charset="-127"/>
-                        </a:rPr>
-                        <a:t>)</a:t>
-                      </a:r>
-                    </a:p>
-                    <a:p>
-                      <a:pPr marL="285750" marR="0" lvl="0" indent="-285750" algn="l" defTabSz="914400" rtl="0" eaLnBrk="1" fontAlgn="base" latinLnBrk="1" hangingPunct="1">
+                          <a:latin typeface="나눔명조" panose="02020603020101020101" pitchFamily="18" charset="-127"/>
+                          <a:ea typeface="나눔명조" panose="02020603020101020101" pitchFamily="18" charset="-127"/>
+                        </a:rPr>
+                        <a:t>-</a:t>
+                      </a:r>
+                    </a:p>
+                  </a:txBody>
+                  <a:tcPr anchor="ctr" horzOverflow="overflow">
+                    <a:solidFill>
+                      <a:schemeClr val="bg2">
+                        <a:lumMod val="10000"/>
+                        <a:lumOff val="90000"/>
+                      </a:schemeClr>
+                    </a:solidFill>
+                  </a:tcPr>
+                </a:tc>
+                <a:tc>
+                  <a:txBody>
+                    <a:bodyPr/>
+                    <a:lstStyle/>
+                    <a:p>
+                      <a:pPr marL="0" marR="0" lvl="0" indent="0" algn="ctr" defTabSz="914400" rtl="0" eaLnBrk="1" fontAlgn="base" latinLnBrk="1" hangingPunct="1">
                         <a:lnSpc>
                           <a:spcPct val="100000"/>
                         </a:lnSpc>
@@ -4717,11 +5312,62 @@
                         <a:buClrTx/>
                         <a:buSzTx/>
                         <a:buFont typeface="Arial" panose="020B0604020202020204" pitchFamily="34" charset="0"/>
-                        <a:buChar char="•"/>
+                        <a:buNone/>
+                        <a:tabLst/>
+                        <a:defRPr/>
+                      </a:pPr>
+                      <a:r>
+                        <a:rPr lang="en-US" altLang="ko-KR" sz="1600" b="1" dirty="0">
+                          <a:latin typeface="나눔명조" panose="02020603020101020101" pitchFamily="18" charset="-127"/>
+                          <a:ea typeface="나눔명조" panose="02020603020101020101" pitchFamily="18" charset="-127"/>
+                        </a:rPr>
+                        <a:t>100%</a:t>
+                      </a:r>
+                      <a:endParaRPr lang="ko-KR" altLang="en-US" sz="1600" b="1" dirty="0">
+                        <a:latin typeface="나눔명조" panose="02020603020101020101" pitchFamily="18" charset="-127"/>
+                        <a:ea typeface="나눔명조" panose="02020603020101020101" pitchFamily="18" charset="-127"/>
+                      </a:endParaRPr>
+                    </a:p>
+                  </a:txBody>
+                  <a:tcPr anchor="ctr" horzOverflow="overflow">
+                    <a:solidFill>
+                      <a:schemeClr val="bg2">
+                        <a:lumMod val="10000"/>
+                        <a:lumOff val="90000"/>
+                      </a:schemeClr>
+                    </a:solidFill>
+                  </a:tcPr>
+                </a:tc>
+                <a:extLst>
+                  <a:ext uri="{0D108BD9-81ED-4DB2-BD59-A6C34878D82A}">
+                    <a16:rowId xmlns:a16="http://schemas.microsoft.com/office/drawing/2014/main" val="1066882441"/>
+                  </a:ext>
+                </a:extLst>
+              </a:tr>
+              <a:tr h="618512">
+                <a:tc>
+                  <a:txBody>
+                    <a:bodyPr/>
+                    <a:lstStyle/>
+                    <a:p>
+                      <a:pPr marL="0" marR="0" lvl="0" indent="0" algn="ctr" defTabSz="914400" rtl="0" eaLnBrk="1" fontAlgn="base" latinLnBrk="1" hangingPunct="1">
+                        <a:lnSpc>
+                          <a:spcPct val="100000"/>
+                        </a:lnSpc>
+                        <a:spcBef>
+                          <a:spcPct val="0"/>
+                        </a:spcBef>
+                        <a:spcAft>
+                          <a:spcPct val="0"/>
+                        </a:spcAft>
+                        <a:buClrTx/>
+                        <a:buSzTx/>
+                        <a:buFontTx/>
+                        <a:buNone/>
                         <a:tabLst/>
                       </a:pPr>
                       <a:r>
-                        <a:rPr kumimoji="0" lang="ko-KR" altLang="en-US" sz="1300" b="0" i="0" u="none" strike="noStrike" cap="none" normalizeH="0" baseline="0" dirty="0">
+                        <a:rPr kumimoji="0" lang="ko-KR" altLang="en-US" sz="1200" b="1" u="none" strike="noStrike" cap="none" normalizeH="0" baseline="0" dirty="0">
                           <a:ln>
                             <a:noFill/>
                           </a:ln>
@@ -4732,12 +5378,12 @@
                             </a:schemeClr>
                           </a:solidFill>
                           <a:effectLst/>
-                          <a:latin typeface="나눔고딕" panose="020D0604000000000000" pitchFamily="50" charset="-127"/>
-                          <a:ea typeface="나눔고딕" panose="020D0604000000000000" pitchFamily="50" charset="-127"/>
-                        </a:rPr>
-                        <a:t>계단을 일정수준 올라가면 스테이지가 전환되는 형식</a:t>
-                      </a:r>
-                      <a:endParaRPr kumimoji="0" lang="en-US" altLang="ko-KR" sz="1300" b="0" i="0" u="none" strike="noStrike" cap="none" normalizeH="0" baseline="0" dirty="0">
+                          <a:latin typeface="나눔명조" panose="02020603020101020101" pitchFamily="18" charset="-127"/>
+                          <a:ea typeface="나눔명조" panose="02020603020101020101" pitchFamily="18" charset="-127"/>
+                        </a:rPr>
+                        <a:t>아이템</a:t>
+                      </a:r>
+                      <a:endParaRPr kumimoji="0" lang="ko-KR" altLang="en-US" sz="1200" b="1" i="0" u="none" strike="noStrike" cap="none" normalizeH="0" baseline="0" dirty="0">
                         <a:ln>
                           <a:noFill/>
                         </a:ln>
@@ -4748,9 +5394,58 @@
                           </a:schemeClr>
                         </a:solidFill>
                         <a:effectLst/>
-                        <a:latin typeface="나눔고딕" panose="020D0604000000000000" pitchFamily="50" charset="-127"/>
-                        <a:ea typeface="나눔고딕" panose="020D0604000000000000" pitchFamily="50" charset="-127"/>
+                        <a:latin typeface="나눔명조" panose="02020603020101020101" pitchFamily="18" charset="-127"/>
+                        <a:ea typeface="나눔명조" panose="02020603020101020101" pitchFamily="18" charset="-127"/>
                       </a:endParaRPr>
+                    </a:p>
+                  </a:txBody>
+                  <a:tcPr anchor="ctr" horzOverflow="overflow">
+                    <a:solidFill>
+                      <a:schemeClr val="bg2">
+                        <a:lumMod val="25000"/>
+                        <a:lumOff val="75000"/>
+                      </a:schemeClr>
+                    </a:solidFill>
+                  </a:tcPr>
+                </a:tc>
+                <a:tc>
+                  <a:txBody>
+                    <a:bodyPr/>
+                    <a:lstStyle/>
+                    <a:p>
+                      <a:pPr marL="285750" marR="0" lvl="0" indent="-285750" algn="l" defTabSz="914400" rtl="0" eaLnBrk="1" fontAlgn="base" latinLnBrk="1" hangingPunct="1">
+                        <a:lnSpc>
+                          <a:spcPct val="100000"/>
+                        </a:lnSpc>
+                        <a:spcBef>
+                          <a:spcPct val="0"/>
+                        </a:spcBef>
+                        <a:spcAft>
+                          <a:spcPct val="0"/>
+                        </a:spcAft>
+                        <a:buClrTx/>
+                        <a:buSzTx/>
+                        <a:buFont typeface="Arial" panose="020B0604020202020204" pitchFamily="34" charset="0"/>
+                        <a:buChar char="•"/>
+                        <a:tabLst/>
+                      </a:pPr>
+                      <a:r>
+                        <a:rPr kumimoji="0" lang="ko-KR" altLang="en-US" sz="1200" u="none" strike="noStrike" cap="none" normalizeH="0" baseline="0" dirty="0">
+                          <a:ln>
+                            <a:noFill/>
+                          </a:ln>
+                          <a:solidFill>
+                            <a:schemeClr val="bg1">
+                              <a:lumMod val="75000"/>
+                              <a:lumOff val="25000"/>
+                            </a:schemeClr>
+                          </a:solidFill>
+                          <a:effectLst/>
+                          <a:latin typeface="나눔명조" panose="02020603020101020101" pitchFamily="18" charset="-127"/>
+                          <a:ea typeface="나눔명조" panose="02020603020101020101" pitchFamily="18" charset="-127"/>
+                        </a:rPr>
+                        <a:t>추가 목숨</a:t>
+                      </a:r>
                     </a:p>
                   </a:txBody>
                   <a:tcPr anchor="ctr" horzOverflow="overflow">
@@ -4762,7 +5457,7 @@
                     </a:solidFill>
                   </a:tcPr>
                 </a:tc>
-                <a:tc hMerge="1">
+                <a:tc>
                   <a:txBody>
                     <a:bodyPr/>
                     <a:lstStyle/>
@@ -4782,8 +5477,129 @@
                         <a:buFont typeface="Arial" panose="020B0604020202020204" pitchFamily="34" charset="0"/>
                         <a:buChar char="•"/>
                         <a:tabLst/>
+                        <a:defRPr/>
                       </a:pPr>
-                      <a:endParaRPr kumimoji="0" lang="en-US" altLang="ko-KR" sz="1300" b="0" i="0" u="none" strike="noStrike" cap="none" normalizeH="0" baseline="0" dirty="0">
+                      <a:r>
+                        <a:rPr kumimoji="0" lang="ko-KR" altLang="en-US" sz="1200" u="none" strike="noStrike" cap="none" normalizeH="0" baseline="0" dirty="0">
+                          <a:ln>
+                            <a:noFill/>
+                          </a:ln>
+                          <a:solidFill>
+                            <a:schemeClr val="bg1">
+                              <a:lumMod val="75000"/>
+                              <a:lumOff val="25000"/>
+                            </a:schemeClr>
+                          </a:solidFill>
+                          <a:effectLst/>
+                          <a:latin typeface="나눔명조" panose="02020603020101020101" pitchFamily="18" charset="-127"/>
+                          <a:ea typeface="나눔명조" panose="02020603020101020101" pitchFamily="18" charset="-127"/>
+                        </a:rPr>
+                        <a:t>추가 목숨</a:t>
+                      </a:r>
+                      <a:r>
+                        <a:rPr kumimoji="0" lang="en-US" altLang="ko-KR" sz="1200" u="none" strike="noStrike" cap="none" normalizeH="0" baseline="0" dirty="0">
+                          <a:ln>
+                            <a:noFill/>
+                          </a:ln>
+                          <a:solidFill>
+                            <a:schemeClr val="bg1">
+                              <a:lumMod val="75000"/>
+                              <a:lumOff val="25000"/>
+                            </a:schemeClr>
+                          </a:solidFill>
+                          <a:effectLst/>
+                          <a:latin typeface="나눔명조" panose="02020603020101020101" pitchFamily="18" charset="-127"/>
+                          <a:ea typeface="나눔명조" panose="02020603020101020101" pitchFamily="18" charset="-127"/>
+                        </a:rPr>
+                        <a:t>,</a:t>
+                      </a:r>
+                    </a:p>
+                    <a:p>
+                      <a:pPr marL="285750" marR="0" lvl="0" indent="-285750" algn="l" defTabSz="914400" rtl="0" eaLnBrk="1" fontAlgn="base" latinLnBrk="1" hangingPunct="1">
+                        <a:lnSpc>
+                          <a:spcPct val="100000"/>
+                        </a:lnSpc>
+                        <a:spcBef>
+                          <a:spcPct val="0"/>
+                        </a:spcBef>
+                        <a:spcAft>
+                          <a:spcPct val="0"/>
+                        </a:spcAft>
+                        <a:buClrTx/>
+                        <a:buSzTx/>
+                        <a:buFont typeface="Arial" panose="020B0604020202020204" pitchFamily="34" charset="0"/>
+                        <a:buChar char="•"/>
+                        <a:tabLst/>
+                        <a:defRPr/>
+                      </a:pPr>
+                      <a:r>
+                        <a:rPr kumimoji="0" lang="ko-KR" altLang="en-US" sz="1200" u="none" strike="noStrike" cap="none" normalizeH="0" baseline="0" dirty="0">
+                          <a:ln>
+                            <a:noFill/>
+                          </a:ln>
+                          <a:solidFill>
+                            <a:schemeClr val="bg1">
+                              <a:lumMod val="75000"/>
+                              <a:lumOff val="25000"/>
+                            </a:schemeClr>
+                          </a:solidFill>
+                          <a:effectLst/>
+                          <a:latin typeface="나눔명조" panose="02020603020101020101" pitchFamily="18" charset="-127"/>
+                          <a:ea typeface="나눔명조" panose="02020603020101020101" pitchFamily="18" charset="-127"/>
+                        </a:rPr>
+                        <a:t>시간 게이지 멈춤</a:t>
+                      </a:r>
+                    </a:p>
+                  </a:txBody>
+                  <a:tcPr anchor="ctr" horzOverflow="overflow">
+                    <a:solidFill>
+                      <a:schemeClr val="bg2">
+                        <a:lumMod val="10000"/>
+                        <a:lumOff val="90000"/>
+                      </a:schemeClr>
+                    </a:solidFill>
+                  </a:tcPr>
+                </a:tc>
+                <a:tc>
+                  <a:txBody>
+                    <a:bodyPr/>
+                    <a:lstStyle/>
+                    <a:p>
+                      <a:pPr marL="0" marR="0" lvl="0" indent="0" algn="ctr" defTabSz="914400" rtl="0" eaLnBrk="1" fontAlgn="base" latinLnBrk="1" hangingPunct="1">
+                        <a:lnSpc>
+                          <a:spcPct val="100000"/>
+                        </a:lnSpc>
+                        <a:spcBef>
+                          <a:spcPct val="0"/>
+                        </a:spcBef>
+                        <a:spcAft>
+                          <a:spcPct val="0"/>
+                        </a:spcAft>
+                        <a:buClrTx/>
+                        <a:buSzTx/>
+                        <a:buFont typeface="Arial" panose="020B0604020202020204" pitchFamily="34" charset="0"/>
+                        <a:buNone/>
+                        <a:tabLst/>
+                        <a:defRPr/>
+                      </a:pPr>
+                      <a:r>
+                        <a:rPr kumimoji="0" lang="ko-KR" altLang="en-US" sz="1200" u="none" strike="noStrike" cap="none" normalizeH="0" baseline="0" dirty="0">
+                          <a:ln>
+                            <a:noFill/>
+                          </a:ln>
+                          <a:solidFill>
+                            <a:schemeClr val="bg1">
+                              <a:lumMod val="75000"/>
+                              <a:lumOff val="25000"/>
+                            </a:schemeClr>
+                          </a:solidFill>
+                          <a:effectLst/>
+                          <a:latin typeface="나눔명조" panose="02020603020101020101" pitchFamily="18" charset="-127"/>
+                          <a:ea typeface="나눔명조" panose="02020603020101020101" pitchFamily="18" charset="-127"/>
+                        </a:rPr>
+                        <a:t>시간 게이지 멈춤</a:t>
+                      </a:r>
+                      <a:endParaRPr kumimoji="0" lang="ko-KR" altLang="en-US" sz="1200" b="1" u="none" strike="noStrike" cap="none" normalizeH="0" baseline="0" dirty="0">
                         <a:ln>
                           <a:noFill/>
                         </a:ln>
@@ -4794,8 +5610,8 @@
                           </a:schemeClr>
                         </a:solidFill>
                         <a:effectLst/>
-                        <a:latin typeface="나눔고딕" panose="020D0604000000000000" pitchFamily="50" charset="-127"/>
-                        <a:ea typeface="나눔고딕" panose="020D0604000000000000" pitchFamily="50" charset="-127"/>
+                        <a:latin typeface="나눔명조" panose="02020603020101020101" pitchFamily="18" charset="-127"/>
+                        <a:ea typeface="나눔명조" panose="02020603020101020101" pitchFamily="18" charset="-127"/>
                       </a:endParaRPr>
                     </a:p>
                   </a:txBody>
@@ -4808,13 +5624,57 @@
                     </a:solidFill>
                   </a:tcPr>
                 </a:tc>
+                <a:tc>
+                  <a:txBody>
+                    <a:bodyPr/>
+                    <a:lstStyle/>
+                    <a:p>
+                      <a:pPr marL="0" marR="0" lvl="0" indent="0" algn="ctr" defTabSz="914400" rtl="0" eaLnBrk="1" fontAlgn="base" latinLnBrk="1" hangingPunct="1">
+                        <a:lnSpc>
+                          <a:spcPct val="100000"/>
+                        </a:lnSpc>
+                        <a:spcBef>
+                          <a:spcPct val="0"/>
+                        </a:spcBef>
+                        <a:spcAft>
+                          <a:spcPct val="0"/>
+                        </a:spcAft>
+                        <a:buClrTx/>
+                        <a:buSzTx/>
+                        <a:buFont typeface="Arial" panose="020B0604020202020204" pitchFamily="34" charset="0"/>
+                        <a:buNone/>
+                        <a:tabLst/>
+                        <a:defRPr/>
+                      </a:pPr>
+                      <a:r>
+                        <a:rPr lang="en-US" altLang="ko-KR" sz="1600" b="1" dirty="0">
+                          <a:latin typeface="나눔명조" panose="02020603020101020101" pitchFamily="18" charset="-127"/>
+                          <a:ea typeface="나눔명조" panose="02020603020101020101" pitchFamily="18" charset="-127"/>
+                        </a:rPr>
+                        <a:t>100%</a:t>
+                      </a:r>
+                      <a:endParaRPr lang="ko-KR" altLang="en-US" sz="1600" b="1" dirty="0">
+                        <a:latin typeface="나눔명조" panose="02020603020101020101" pitchFamily="18" charset="-127"/>
+                        <a:ea typeface="나눔명조" panose="02020603020101020101" pitchFamily="18" charset="-127"/>
+                      </a:endParaRPr>
+                    </a:p>
+                  </a:txBody>
+                  <a:tcPr anchor="ctr" horzOverflow="overflow">
+                    <a:solidFill>
+                      <a:schemeClr val="bg2">
+                        <a:lumMod val="10000"/>
+                        <a:lumOff val="90000"/>
+                      </a:schemeClr>
+                    </a:solidFill>
+                  </a:tcPr>
+                </a:tc>
                 <a:extLst>
                   <a:ext uri="{0D108BD9-81ED-4DB2-BD59-A6C34878D82A}">
-                    <a16:rowId xmlns:a16="http://schemas.microsoft.com/office/drawing/2014/main" val="10002"/>
+                    <a16:rowId xmlns:a16="http://schemas.microsoft.com/office/drawing/2014/main" val="10003"/>
                   </a:ext>
                 </a:extLst>
               </a:tr>
-              <a:tr h="322366">
+              <a:tr h="1293833">
                 <a:tc>
                   <a:txBody>
                     <a:bodyPr/>
@@ -4837,7 +5697,7 @@
                         <a:tabLst/>
                       </a:pPr>
                       <a:r>
-                        <a:rPr kumimoji="0" lang="ko-KR" altLang="en-US" sz="1400" b="0" i="0" u="none" strike="noStrike" cap="none" normalizeH="0" baseline="0" dirty="0">
+                        <a:rPr kumimoji="0" lang="ko-KR" altLang="en-US" sz="1200" b="1" u="none" strike="noStrike" cap="none" normalizeH="0" baseline="0" dirty="0">
                           <a:ln>
                             <a:noFill/>
                           </a:ln>
@@ -4848,12 +5708,12 @@
                             </a:schemeClr>
                           </a:solidFill>
                           <a:effectLst/>
-                          <a:latin typeface="배달의민족 한나는 열한살" panose="020B0600000101010101" pitchFamily="50" charset="-127"/>
-                          <a:ea typeface="배달의민족 한나는 열한살" panose="020B0600000101010101" pitchFamily="50" charset="-127"/>
-                        </a:rPr>
-                        <a:t>난이도</a:t>
-                      </a:r>
-                      <a:endParaRPr kumimoji="0" lang="en-US" altLang="ko-KR" sz="1400" b="0" i="0" u="none" strike="noStrike" cap="none" normalizeH="0" baseline="0" dirty="0">
+                          <a:latin typeface="나눔명조" panose="02020603020101020101" pitchFamily="18" charset="-127"/>
+                          <a:ea typeface="나눔명조" panose="02020603020101020101" pitchFamily="18" charset="-127"/>
+                        </a:rPr>
+                        <a:t>게임 기능</a:t>
+                      </a:r>
+                      <a:endParaRPr kumimoji="0" lang="ko-KR" altLang="en-US" sz="1200" b="1" i="0" u="none" strike="noStrike" cap="none" normalizeH="0" baseline="0" dirty="0">
                         <a:ln>
                           <a:noFill/>
                         </a:ln>
@@ -4864,8 +5724,8 @@
                           </a:schemeClr>
                         </a:solidFill>
                         <a:effectLst/>
-                        <a:latin typeface="배달의민족 한나는 열한살" panose="020B0600000101010101" pitchFamily="50" charset="-127"/>
-                        <a:ea typeface="배달의민족 한나는 열한살" panose="020B0600000101010101" pitchFamily="50" charset="-127"/>
+                        <a:latin typeface="나눔명조" panose="02020603020101020101" pitchFamily="18" charset="-127"/>
+                        <a:ea typeface="나눔명조" panose="02020603020101020101" pitchFamily="18" charset="-127"/>
                       </a:endParaRPr>
                     </a:p>
                   </a:txBody>
@@ -4898,9 +5758,25 @@
                         <a:buFont typeface="Arial" panose="020B0604020202020204" pitchFamily="34" charset="0"/>
                         <a:buChar char="•"/>
                         <a:tabLst/>
-                        <a:defRPr/>
                       </a:pPr>
-                      <a:endParaRPr kumimoji="0" lang="en-US" altLang="ko-KR" sz="1300" b="0" i="0" u="none" strike="noStrike" cap="none" normalizeH="0" baseline="0" dirty="0">
+                      <a:r>
+                        <a:rPr kumimoji="0" lang="ko-KR" altLang="en-US" sz="1200" u="none" strike="noStrike" cap="none" normalizeH="0" baseline="0" dirty="0">
+                          <a:ln>
+                            <a:noFill/>
+                          </a:ln>
+                          <a:solidFill>
+                            <a:schemeClr val="bg1">
+                              <a:lumMod val="75000"/>
+                              <a:lumOff val="25000"/>
+                            </a:schemeClr>
+                          </a:solidFill>
+                          <a:effectLst/>
+                          <a:latin typeface="나눔명조" panose="02020603020101020101" pitchFamily="18" charset="-127"/>
+                          <a:ea typeface="나눔명조" panose="02020603020101020101" pitchFamily="18" charset="-127"/>
+                        </a:rPr>
+                        <a:t>한 계단마다 점수 증가</a:t>
+                      </a:r>
+                      <a:endParaRPr kumimoji="0" lang="en-US" altLang="ko-KR" sz="1200" b="0" i="0" u="none" strike="noStrike" cap="none" normalizeH="0" baseline="0" dirty="0">
                         <a:ln>
                           <a:noFill/>
                         </a:ln>
@@ -4911,24 +5787,10 @@
                           </a:schemeClr>
                         </a:solidFill>
                         <a:effectLst/>
-                        <a:latin typeface="나눔고딕" panose="020D0604000000000000" pitchFamily="50" charset="-127"/>
-                        <a:ea typeface="나눔고딕" panose="020D0604000000000000" pitchFamily="50" charset="-127"/>
+                        <a:latin typeface="나눔명조" panose="02020603020101020101" pitchFamily="18" charset="-127"/>
+                        <a:ea typeface="나눔명조" panose="02020603020101020101" pitchFamily="18" charset="-127"/>
                       </a:endParaRPr>
                     </a:p>
-                  </a:txBody>
-                  <a:tcPr anchor="ctr" horzOverflow="overflow">
-                    <a:solidFill>
-                      <a:schemeClr val="bg2">
-                        <a:lumMod val="10000"/>
-                        <a:lumOff val="90000"/>
-                      </a:schemeClr>
-                    </a:solidFill>
-                  </a:tcPr>
-                </a:tc>
-                <a:tc>
-                  <a:txBody>
-                    <a:bodyPr/>
-                    <a:lstStyle/>
                     <a:p>
                       <a:pPr marL="285750" marR="0" lvl="0" indent="-285750" algn="l" defTabSz="914400" rtl="0" eaLnBrk="1" fontAlgn="base" latinLnBrk="1" hangingPunct="1">
                         <a:lnSpc>
@@ -4945,10 +5807,9 @@
                         <a:buFont typeface="Arial" panose="020B0604020202020204" pitchFamily="34" charset="0"/>
                         <a:buChar char="•"/>
                         <a:tabLst/>
-                        <a:defRPr/>
                       </a:pPr>
                       <a:r>
-                        <a:rPr kumimoji="0" lang="ko-KR" altLang="en-US" sz="1300" b="0" i="0" u="none" strike="noStrike" cap="none" normalizeH="0" baseline="0" dirty="0">
+                        <a:rPr kumimoji="0" lang="ko-KR" altLang="en-US" sz="1200" u="none" strike="noStrike" cap="none" normalizeH="0" baseline="0" dirty="0">
                           <a:ln>
                             <a:noFill/>
                           </a:ln>
@@ -4959,13 +5820,45 @@
                             </a:schemeClr>
                           </a:solidFill>
                           <a:effectLst/>
-                          <a:latin typeface="나눔고딕" panose="020D0604000000000000" pitchFamily="50" charset="-127"/>
-                          <a:ea typeface="나눔고딕" panose="020D0604000000000000" pitchFamily="50" charset="-127"/>
-                        </a:rPr>
-                        <a:t>스테이지 올라 갈때마다 난이도 증가</a:t>
-                      </a:r>
-                      <a:r>
-                        <a:rPr kumimoji="0" lang="en-US" altLang="ko-KR" sz="1300" b="0" i="0" u="none" strike="noStrike" cap="none" normalizeH="0" baseline="0" dirty="0">
+                          <a:latin typeface="나눔명조" panose="02020603020101020101" pitchFamily="18" charset="-127"/>
+                          <a:ea typeface="나눔명조" panose="02020603020101020101" pitchFamily="18" charset="-127"/>
+                        </a:rPr>
+                        <a:t>일정 점수 흭득시 스테이지전환</a:t>
+                      </a:r>
+                      <a:endParaRPr kumimoji="0" lang="en-US" altLang="ko-KR" sz="1200" u="none" strike="noStrike" cap="none" normalizeH="0" baseline="0" dirty="0">
+                        <a:ln>
+                          <a:noFill/>
+                        </a:ln>
+                        <a:solidFill>
+                          <a:schemeClr val="bg1">
+                            <a:lumMod val="75000"/>
+                            <a:lumOff val="25000"/>
+                          </a:schemeClr>
+                        </a:solidFill>
+                        <a:effectLst/>
+                        <a:latin typeface="나눔명조" panose="02020603020101020101" pitchFamily="18" charset="-127"/>
+                        <a:ea typeface="나눔명조" panose="02020603020101020101" pitchFamily="18" charset="-127"/>
+                      </a:endParaRPr>
+                    </a:p>
+                    <a:p>
+                      <a:pPr marL="285750" marR="0" lvl="0" indent="-285750" algn="l" defTabSz="914400" rtl="0" eaLnBrk="1" fontAlgn="base" latinLnBrk="1" hangingPunct="1">
+                        <a:lnSpc>
+                          <a:spcPct val="100000"/>
+                        </a:lnSpc>
+                        <a:spcBef>
+                          <a:spcPct val="0"/>
+                        </a:spcBef>
+                        <a:spcAft>
+                          <a:spcPct val="0"/>
+                        </a:spcAft>
+                        <a:buClrTx/>
+                        <a:buSzTx/>
+                        <a:buFont typeface="Arial" panose="020B0604020202020204" pitchFamily="34" charset="0"/>
+                        <a:buChar char="•"/>
+                        <a:tabLst/>
+                      </a:pPr>
+                      <a:r>
+                        <a:rPr kumimoji="0" lang="ko-KR" altLang="en-US" sz="1200" u="none" strike="noStrike" cap="none" normalizeH="0" baseline="0" dirty="0">
                           <a:ln>
                             <a:noFill/>
                           </a:ln>
@@ -4976,13 +5869,45 @@
                             </a:schemeClr>
                           </a:solidFill>
                           <a:effectLst/>
-                          <a:latin typeface="나눔고딕" panose="020D0604000000000000" pitchFamily="50" charset="-127"/>
-                          <a:ea typeface="나눔고딕" panose="020D0604000000000000" pitchFamily="50" charset="-127"/>
-                        </a:rPr>
-                        <a:t>(</a:t>
-                      </a:r>
-                      <a:r>
-                        <a:rPr kumimoji="0" lang="ko-KR" altLang="en-US" sz="1300" b="0" i="0" u="none" strike="noStrike" cap="none" normalizeH="0" baseline="0" dirty="0">
+                          <a:latin typeface="나눔명조" panose="02020603020101020101" pitchFamily="18" charset="-127"/>
+                          <a:ea typeface="나눔명조" panose="02020603020101020101" pitchFamily="18" charset="-127"/>
+                        </a:rPr>
+                        <a:t>점수는  골드가 됨</a:t>
+                      </a:r>
+                      <a:endParaRPr kumimoji="0" lang="en-US" altLang="ko-KR" sz="1200" u="none" strike="noStrike" cap="none" normalizeH="0" baseline="0" dirty="0">
+                        <a:ln>
+                          <a:noFill/>
+                        </a:ln>
+                        <a:solidFill>
+                          <a:schemeClr val="bg1">
+                            <a:lumMod val="75000"/>
+                            <a:lumOff val="25000"/>
+                          </a:schemeClr>
+                        </a:solidFill>
+                        <a:effectLst/>
+                        <a:latin typeface="나눔명조" panose="02020603020101020101" pitchFamily="18" charset="-127"/>
+                        <a:ea typeface="나눔명조" panose="02020603020101020101" pitchFamily="18" charset="-127"/>
+                      </a:endParaRPr>
+                    </a:p>
+                    <a:p>
+                      <a:pPr marL="285750" marR="0" lvl="0" indent="-285750" algn="l" defTabSz="914400" rtl="0" eaLnBrk="1" fontAlgn="base" latinLnBrk="1" hangingPunct="1">
+                        <a:lnSpc>
+                          <a:spcPct val="100000"/>
+                        </a:lnSpc>
+                        <a:spcBef>
+                          <a:spcPct val="0"/>
+                        </a:spcBef>
+                        <a:spcAft>
+                          <a:spcPct val="0"/>
+                        </a:spcAft>
+                        <a:buClrTx/>
+                        <a:buSzTx/>
+                        <a:buFont typeface="Arial" panose="020B0604020202020204" pitchFamily="34" charset="0"/>
+                        <a:buChar char="•"/>
+                        <a:tabLst/>
+                      </a:pPr>
+                      <a:r>
+                        <a:rPr kumimoji="0" lang="ko-KR" altLang="en-US" sz="1200" u="none" strike="noStrike" cap="none" normalizeH="0" baseline="0" dirty="0">
                           <a:ln>
                             <a:noFill/>
                           </a:ln>
@@ -4993,13 +5918,59 @@
                             </a:schemeClr>
                           </a:solidFill>
                           <a:effectLst/>
-                          <a:latin typeface="나눔고딕" panose="020D0604000000000000" pitchFamily="50" charset="-127"/>
-                          <a:ea typeface="나눔고딕" panose="020D0604000000000000" pitchFamily="50" charset="-127"/>
-                        </a:rPr>
-                        <a:t>계단 방향전환 빈도 율</a:t>
-                      </a:r>
-                      <a:r>
-                        <a:rPr kumimoji="0" lang="en-US" altLang="ko-KR" sz="1300" b="0" i="0" u="none" strike="noStrike" cap="none" normalizeH="0" baseline="0" dirty="0">
+                          <a:latin typeface="나눔명조" panose="02020603020101020101" pitchFamily="18" charset="-127"/>
+                          <a:ea typeface="나눔명조" panose="02020603020101020101" pitchFamily="18" charset="-127"/>
+                        </a:rPr>
+                        <a:t>골드로 아이템 구매가능</a:t>
+                      </a:r>
+                      <a:endParaRPr kumimoji="0" lang="en-US" altLang="ko-KR" sz="1200" u="none" strike="noStrike" cap="none" normalizeH="0" baseline="0" dirty="0">
+                        <a:ln>
+                          <a:noFill/>
+                        </a:ln>
+                        <a:solidFill>
+                          <a:schemeClr val="bg1">
+                            <a:lumMod val="75000"/>
+                            <a:lumOff val="25000"/>
+                          </a:schemeClr>
+                        </a:solidFill>
+                        <a:effectLst/>
+                        <a:latin typeface="나눔명조" panose="02020603020101020101" pitchFamily="18" charset="-127"/>
+                        <a:ea typeface="나눔명조" panose="02020603020101020101" pitchFamily="18" charset="-127"/>
+                      </a:endParaRPr>
+                    </a:p>
+                  </a:txBody>
+                  <a:tcPr anchor="ctr" horzOverflow="overflow">
+                    <a:solidFill>
+                      <a:schemeClr val="bg2">
+                        <a:lumMod val="10000"/>
+                        <a:lumOff val="90000"/>
+                      </a:schemeClr>
+                    </a:solidFill>
+                  </a:tcPr>
+                </a:tc>
+                <a:tc>
+                  <a:txBody>
+                    <a:bodyPr/>
+                    <a:lstStyle/>
+                    <a:p>
+                      <a:pPr marL="285750" marR="0" lvl="0" indent="-285750" algn="l" defTabSz="914400" rtl="0" eaLnBrk="1" fontAlgn="base" latinLnBrk="1" hangingPunct="1">
+                        <a:lnSpc>
+                          <a:spcPct val="100000"/>
+                        </a:lnSpc>
+                        <a:spcBef>
+                          <a:spcPct val="0"/>
+                        </a:spcBef>
+                        <a:spcAft>
+                          <a:spcPct val="0"/>
+                        </a:spcAft>
+                        <a:buClrTx/>
+                        <a:buSzTx/>
+                        <a:buFont typeface="Arial" panose="020B0604020202020204" pitchFamily="34" charset="0"/>
+                        <a:buChar char="•"/>
+                        <a:tabLst/>
+                      </a:pPr>
+                      <a:r>
+                        <a:rPr kumimoji="0" lang="ko-KR" altLang="en-US" sz="1200" u="none" strike="noStrike" cap="none" normalizeH="0" baseline="0" dirty="0">
                           <a:ln>
                             <a:noFill/>
                           </a:ln>
@@ -5010,35 +5981,28 @@
                             </a:schemeClr>
                           </a:solidFill>
                           <a:effectLst/>
-                          <a:latin typeface="나눔고딕" panose="020D0604000000000000" pitchFamily="50" charset="-127"/>
-                          <a:ea typeface="나눔고딕" panose="020D0604000000000000" pitchFamily="50" charset="-127"/>
-                        </a:rPr>
-                        <a:t>↑)</a:t>
-                      </a:r>
-                    </a:p>
-                  </a:txBody>
-                  <a:tcPr anchor="ctr" horzOverflow="overflow">
-                    <a:solidFill>
-                      <a:schemeClr val="bg2">
-                        <a:lumMod val="10000"/>
-                        <a:lumOff val="90000"/>
-                      </a:schemeClr>
-                    </a:solidFill>
-                  </a:tcPr>
-                </a:tc>
-                <a:extLst>
-                  <a:ext uri="{0D108BD9-81ED-4DB2-BD59-A6C34878D82A}">
-                    <a16:rowId xmlns:a16="http://schemas.microsoft.com/office/drawing/2014/main" val="1066882441"/>
-                  </a:ext>
-                </a:extLst>
-              </a:tr>
-              <a:tr h="653033">
-                <a:tc>
-                  <a:txBody>
-                    <a:bodyPr/>
-                    <a:lstStyle/>
-                    <a:p>
-                      <a:pPr marL="0" marR="0" lvl="0" indent="0" algn="ctr" defTabSz="914400" rtl="0" eaLnBrk="1" fontAlgn="base" latinLnBrk="1" hangingPunct="1">
+                          <a:latin typeface="나눔명조" panose="02020603020101020101" pitchFamily="18" charset="-127"/>
+                          <a:ea typeface="나눔명조" panose="02020603020101020101" pitchFamily="18" charset="-127"/>
+                        </a:rPr>
+                        <a:t>한 계단마다 점수 증가</a:t>
+                      </a:r>
+                      <a:endParaRPr kumimoji="0" lang="en-US" altLang="ko-KR" sz="1200" b="0" i="0" u="none" strike="noStrike" cap="none" normalizeH="0" baseline="0" dirty="0">
+                        <a:ln>
+                          <a:noFill/>
+                        </a:ln>
+                        <a:solidFill>
+                          <a:schemeClr val="bg1">
+                            <a:lumMod val="75000"/>
+                            <a:lumOff val="25000"/>
+                          </a:schemeClr>
+                        </a:solidFill>
+                        <a:effectLst/>
+                        <a:latin typeface="나눔명조" panose="02020603020101020101" pitchFamily="18" charset="-127"/>
+                        <a:ea typeface="나눔명조" panose="02020603020101020101" pitchFamily="18" charset="-127"/>
+                      </a:endParaRPr>
+                    </a:p>
+                    <a:p>
+                      <a:pPr marL="285750" marR="0" lvl="0" indent="-285750" algn="l" defTabSz="914400" rtl="0" eaLnBrk="1" fontAlgn="base" latinLnBrk="1" hangingPunct="1">
                         <a:lnSpc>
                           <a:spcPct val="100000"/>
                         </a:lnSpc>
@@ -5050,12 +6014,12 @@
                         </a:spcAft>
                         <a:buClrTx/>
                         <a:buSzTx/>
-                        <a:buFontTx/>
-                        <a:buNone/>
+                        <a:buFont typeface="Arial" panose="020B0604020202020204" pitchFamily="34" charset="0"/>
+                        <a:buChar char="•"/>
                         <a:tabLst/>
                       </a:pPr>
                       <a:r>
-                        <a:rPr kumimoji="0" lang="ko-KR" altLang="en-US" sz="1400" u="none" strike="noStrike" cap="none" normalizeH="0" baseline="0" dirty="0">
+                        <a:rPr kumimoji="0" lang="ko-KR" altLang="en-US" sz="1200" u="none" strike="noStrike" cap="none" normalizeH="0" baseline="0" dirty="0">
                           <a:ln>
                             <a:noFill/>
                           </a:ln>
@@ -5066,12 +6030,46 @@
                             </a:schemeClr>
                           </a:solidFill>
                           <a:effectLst/>
-                          <a:latin typeface="배달의민족 한나는 열한살" panose="020B0600000101010101" pitchFamily="50" charset="-127"/>
-                          <a:ea typeface="배달의민족 한나는 열한살" panose="020B0600000101010101" pitchFamily="50" charset="-127"/>
-                        </a:rPr>
-                        <a:t>아이템</a:t>
-                      </a:r>
-                      <a:endParaRPr kumimoji="0" lang="ko-KR" altLang="en-US" sz="1400" b="0" i="0" u="none" strike="noStrike" cap="none" normalizeH="0" baseline="0" dirty="0">
+                          <a:latin typeface="나눔명조" panose="02020603020101020101" pitchFamily="18" charset="-127"/>
+                          <a:ea typeface="나눔명조" panose="02020603020101020101" pitchFamily="18" charset="-127"/>
+                        </a:rPr>
+                        <a:t>일정 점수 </a:t>
+                      </a:r>
+                      <a:r>
+                        <a:rPr kumimoji="0" lang="ko-KR" altLang="en-US" sz="1200" u="none" strike="noStrike" cap="none" normalizeH="0" baseline="0" dirty="0" err="1">
+                          <a:ln>
+                            <a:noFill/>
+                          </a:ln>
+                          <a:solidFill>
+                            <a:schemeClr val="bg1">
+                              <a:lumMod val="75000"/>
+                              <a:lumOff val="25000"/>
+                            </a:schemeClr>
+                          </a:solidFill>
+                          <a:effectLst/>
+                          <a:latin typeface="나눔명조" panose="02020603020101020101" pitchFamily="18" charset="-127"/>
+                          <a:ea typeface="나눔명조" panose="02020603020101020101" pitchFamily="18" charset="-127"/>
+                        </a:rPr>
+                        <a:t>흭득</a:t>
+                      </a:r>
+                      <a:r>
+                        <a:rPr kumimoji="0" lang="ko-KR" altLang="en-US" sz="1200" u="none" strike="noStrike" cap="none" normalizeH="0" baseline="0" dirty="0">
+                          <a:ln>
+                            <a:noFill/>
+                          </a:ln>
+                          <a:solidFill>
+                            <a:schemeClr val="bg1">
+                              <a:lumMod val="75000"/>
+                              <a:lumOff val="25000"/>
+                            </a:schemeClr>
+                          </a:solidFill>
+                          <a:effectLst/>
+                          <a:latin typeface="나눔명조" panose="02020603020101020101" pitchFamily="18" charset="-127"/>
+                          <a:ea typeface="나눔명조" panose="02020603020101020101" pitchFamily="18" charset="-127"/>
+                        </a:rPr>
+                        <a:t> 시 스테이지전환</a:t>
+                      </a:r>
+                      <a:endParaRPr kumimoji="0" lang="en-US" altLang="ko-KR" sz="1200" u="none" strike="noStrike" cap="none" normalizeH="0" baseline="0" dirty="0">
                         <a:ln>
                           <a:noFill/>
                         </a:ln>
@@ -5082,24 +6080,10 @@
                           </a:schemeClr>
                         </a:solidFill>
                         <a:effectLst/>
-                        <a:latin typeface="배달의민족 한나는 열한살" panose="020B0600000101010101" pitchFamily="50" charset="-127"/>
-                        <a:ea typeface="배달의민족 한나는 열한살" panose="020B0600000101010101" pitchFamily="50" charset="-127"/>
+                        <a:latin typeface="나눔명조" panose="02020603020101020101" pitchFamily="18" charset="-127"/>
+                        <a:ea typeface="나눔명조" panose="02020603020101020101" pitchFamily="18" charset="-127"/>
                       </a:endParaRPr>
                     </a:p>
-                  </a:txBody>
-                  <a:tcPr anchor="ctr" horzOverflow="overflow">
-                    <a:solidFill>
-                      <a:schemeClr val="bg2">
-                        <a:lumMod val="25000"/>
-                        <a:lumOff val="75000"/>
-                      </a:schemeClr>
-                    </a:solidFill>
-                  </a:tcPr>
-                </a:tc>
-                <a:tc>
-                  <a:txBody>
-                    <a:bodyPr/>
-                    <a:lstStyle/>
                     <a:p>
                       <a:pPr marL="285750" marR="0" lvl="0" indent="-285750" algn="l" defTabSz="914400" rtl="0" eaLnBrk="1" fontAlgn="base" latinLnBrk="1" hangingPunct="1">
                         <a:lnSpc>
@@ -5118,7 +6102,7 @@
                         <a:tabLst/>
                       </a:pPr>
                       <a:r>
-                        <a:rPr kumimoji="0" lang="ko-KR" altLang="en-US" sz="1300" u="none" strike="noStrike" cap="none" normalizeH="0" baseline="0" dirty="0">
+                        <a:rPr kumimoji="0" lang="ko-KR" altLang="en-US" sz="1200" u="none" strike="noStrike" cap="none" normalizeH="0" baseline="0" dirty="0">
                           <a:ln>
                             <a:noFill/>
                           </a:ln>
@@ -5129,26 +6113,26 @@
                             </a:schemeClr>
                           </a:solidFill>
                           <a:effectLst/>
-                          <a:latin typeface="나눔고딕" panose="020D0604000000000000" pitchFamily="50" charset="-127"/>
-                          <a:ea typeface="나눔고딕" panose="020D0604000000000000" pitchFamily="50" charset="-127"/>
-                        </a:rPr>
-                        <a:t>추가 목숨</a:t>
-                      </a:r>
-                    </a:p>
-                  </a:txBody>
-                  <a:tcPr anchor="ctr" horzOverflow="overflow">
-                    <a:solidFill>
-                      <a:schemeClr val="bg2">
-                        <a:lumMod val="10000"/>
-                        <a:lumOff val="90000"/>
-                      </a:schemeClr>
-                    </a:solidFill>
-                  </a:tcPr>
-                </a:tc>
-                <a:tc>
-                  <a:txBody>
-                    <a:bodyPr/>
-                    <a:lstStyle/>
+                          <a:latin typeface="나눔명조" panose="02020603020101020101" pitchFamily="18" charset="-127"/>
+                          <a:ea typeface="나눔명조" panose="02020603020101020101" pitchFamily="18" charset="-127"/>
+                        </a:rPr>
+                        <a:t>점수는  골드가 됨</a:t>
+                      </a:r>
+                      <a:endParaRPr kumimoji="0" lang="en-US" altLang="ko-KR" sz="1200" u="none" strike="noStrike" cap="none" normalizeH="0" baseline="0" dirty="0">
+                        <a:ln>
+                          <a:noFill/>
+                        </a:ln>
+                        <a:solidFill>
+                          <a:schemeClr val="bg1">
+                            <a:lumMod val="75000"/>
+                            <a:lumOff val="25000"/>
+                          </a:schemeClr>
+                        </a:solidFill>
+                        <a:effectLst/>
+                        <a:latin typeface="나눔명조" panose="02020603020101020101" pitchFamily="18" charset="-127"/>
+                        <a:ea typeface="나눔명조" panose="02020603020101020101" pitchFamily="18" charset="-127"/>
+                      </a:endParaRPr>
+                    </a:p>
                     <a:p>
                       <a:pPr marL="285750" marR="0" lvl="0" indent="-285750" algn="l" defTabSz="914400" rtl="0" eaLnBrk="1" fontAlgn="base" latinLnBrk="1" hangingPunct="1">
                         <a:lnSpc>
@@ -5167,7 +6151,7 @@
                         <a:tabLst/>
                       </a:pPr>
                       <a:r>
-                        <a:rPr kumimoji="0" lang="ko-KR" altLang="en-US" sz="1300" u="none" strike="noStrike" cap="none" normalizeH="0" baseline="0" dirty="0">
+                        <a:rPr kumimoji="0" lang="ko-KR" altLang="en-US" sz="1200" u="none" strike="noStrike" cap="none" normalizeH="0" baseline="0" dirty="0">
                           <a:ln>
                             <a:noFill/>
                           </a:ln>
@@ -5178,12 +6162,12 @@
                             </a:schemeClr>
                           </a:solidFill>
                           <a:effectLst/>
-                          <a:latin typeface="나눔고딕" panose="020D0604000000000000" pitchFamily="50" charset="-127"/>
-                          <a:ea typeface="나눔고딕" panose="020D0604000000000000" pitchFamily="50" charset="-127"/>
-                        </a:rPr>
-                        <a:t>일정 시간 동안 무적</a:t>
-                      </a:r>
-                      <a:endParaRPr kumimoji="0" lang="en-US" altLang="ko-KR" sz="1300" u="none" strike="noStrike" cap="none" normalizeH="0" baseline="0" dirty="0">
+                          <a:latin typeface="나눔명조" panose="02020603020101020101" pitchFamily="18" charset="-127"/>
+                          <a:ea typeface="나눔명조" panose="02020603020101020101" pitchFamily="18" charset="-127"/>
+                        </a:rPr>
+                        <a:t>골드로 아이템 구매가능</a:t>
+                      </a:r>
+                      <a:endParaRPr kumimoji="0" lang="en-US" altLang="ko-KR" sz="1200" u="none" strike="noStrike" cap="none" normalizeH="0" baseline="0" dirty="0">
                         <a:ln>
                           <a:noFill/>
                         </a:ln>
@@ -5194,8 +6178,8 @@
                           </a:schemeClr>
                         </a:solidFill>
                         <a:effectLst/>
-                        <a:latin typeface="나눔고딕" panose="020D0604000000000000" pitchFamily="50" charset="-127"/>
-                        <a:ea typeface="나눔고딕" panose="020D0604000000000000" pitchFamily="50" charset="-127"/>
+                        <a:latin typeface="나눔명조" panose="02020603020101020101" pitchFamily="18" charset="-127"/>
+                        <a:ea typeface="나눔명조" panose="02020603020101020101" pitchFamily="18" charset="-127"/>
                       </a:endParaRPr>
                     </a:p>
                     <a:p>
@@ -5217,7 +6201,7 @@
                         <a:defRPr/>
                       </a:pPr>
                       <a:r>
-                        <a:rPr kumimoji="0" lang="ko-KR" altLang="en-US" sz="1300" u="none" strike="noStrike" cap="none" normalizeH="0" baseline="0" dirty="0">
+                        <a:rPr kumimoji="0" lang="ko-KR" altLang="en-US" sz="1200" b="0" i="0" u="none" strike="noStrike" cap="none" normalizeH="0" baseline="0" dirty="0">
                           <a:ln>
                             <a:noFill/>
                           </a:ln>
@@ -5228,35 +6212,28 @@
                             </a:schemeClr>
                           </a:solidFill>
                           <a:effectLst/>
-                          <a:latin typeface="나눔고딕" panose="020D0604000000000000" pitchFamily="50" charset="-127"/>
-                          <a:ea typeface="나눔고딕" panose="020D0604000000000000" pitchFamily="50" charset="-127"/>
-                        </a:rPr>
-                        <a:t>일정 시간 동안 시간 게이지 정지</a:t>
-                      </a:r>
-                    </a:p>
-                  </a:txBody>
-                  <a:tcPr anchor="ctr" horzOverflow="overflow">
-                    <a:solidFill>
-                      <a:schemeClr val="bg2">
-                        <a:lumMod val="10000"/>
-                        <a:lumOff val="90000"/>
-                      </a:schemeClr>
-                    </a:solidFill>
-                  </a:tcPr>
-                </a:tc>
-                <a:extLst>
-                  <a:ext uri="{0D108BD9-81ED-4DB2-BD59-A6C34878D82A}">
-                    <a16:rowId xmlns:a16="http://schemas.microsoft.com/office/drawing/2014/main" val="10003"/>
-                  </a:ext>
-                </a:extLst>
-              </a:tr>
-              <a:tr h="862816">
-                <a:tc>
-                  <a:txBody>
-                    <a:bodyPr/>
-                    <a:lstStyle/>
-                    <a:p>
-                      <a:pPr marL="0" marR="0" lvl="0" indent="0" algn="ctr" defTabSz="914400" rtl="0" eaLnBrk="1" fontAlgn="base" latinLnBrk="1" hangingPunct="1">
+                          <a:latin typeface="나눔명조" panose="02020603020101020101" pitchFamily="18" charset="-127"/>
+                          <a:ea typeface="나눔명조" panose="02020603020101020101" pitchFamily="18" charset="-127"/>
+                        </a:rPr>
+                        <a:t>키보드를 누르면 아이템사용</a:t>
+                      </a:r>
+                      <a:endParaRPr kumimoji="0" lang="en-US" altLang="ko-KR" sz="1200" b="0" i="0" u="none" strike="noStrike" cap="none" normalizeH="0" baseline="0" dirty="0">
+                        <a:ln>
+                          <a:noFill/>
+                        </a:ln>
+                        <a:solidFill>
+                          <a:schemeClr val="bg1">
+                            <a:lumMod val="75000"/>
+                            <a:lumOff val="25000"/>
+                          </a:schemeClr>
+                        </a:solidFill>
+                        <a:effectLst/>
+                        <a:latin typeface="나눔명조" panose="02020603020101020101" pitchFamily="18" charset="-127"/>
+                        <a:ea typeface="나눔명조" panose="02020603020101020101" pitchFamily="18" charset="-127"/>
+                      </a:endParaRPr>
+                    </a:p>
+                    <a:p>
+                      <a:pPr marL="285750" marR="0" lvl="0" indent="-285750" algn="l" defTabSz="914400" rtl="0" eaLnBrk="1" fontAlgn="base" latinLnBrk="1" hangingPunct="1">
                         <a:lnSpc>
                           <a:spcPct val="100000"/>
                         </a:lnSpc>
@@ -5268,12 +6245,13 @@
                         </a:spcAft>
                         <a:buClrTx/>
                         <a:buSzTx/>
-                        <a:buFontTx/>
-                        <a:buNone/>
+                        <a:buFont typeface="Arial" panose="020B0604020202020204" pitchFamily="34" charset="0"/>
+                        <a:buChar char="•"/>
                         <a:tabLst/>
+                        <a:defRPr/>
                       </a:pPr>
                       <a:r>
-                        <a:rPr kumimoji="0" lang="ko-KR" altLang="en-US" sz="1400" u="none" strike="noStrike" cap="none" normalizeH="0" baseline="0" dirty="0">
+                        <a:rPr kumimoji="0" lang="ko-KR" altLang="en-US" sz="1200" b="0" i="0" u="none" strike="noStrike" cap="none" normalizeH="0" baseline="0" dirty="0">
                           <a:ln>
                             <a:noFill/>
                           </a:ln>
@@ -5284,12 +6262,12 @@
                             </a:schemeClr>
                           </a:solidFill>
                           <a:effectLst/>
-                          <a:latin typeface="배달의민족 한나는 열한살" panose="020B0600000101010101" pitchFamily="50" charset="-127"/>
-                          <a:ea typeface="배달의민족 한나는 열한살" panose="020B0600000101010101" pitchFamily="50" charset="-127"/>
-                        </a:rPr>
-                        <a:t>게임 기능</a:t>
-                      </a:r>
-                      <a:endParaRPr kumimoji="0" lang="ko-KR" altLang="en-US" sz="1400" b="0" i="0" u="none" strike="noStrike" cap="none" normalizeH="0" baseline="0" dirty="0">
+                          <a:latin typeface="나눔명조" panose="02020603020101020101" pitchFamily="18" charset="-127"/>
+                          <a:ea typeface="나눔명조" panose="02020603020101020101" pitchFamily="18" charset="-127"/>
+                        </a:rPr>
+                        <a:t>무한계단모드</a:t>
+                      </a:r>
+                      <a:endParaRPr kumimoji="0" lang="en-US" altLang="ko-KR" sz="1200" b="0" i="0" u="none" strike="noStrike" cap="none" normalizeH="0" baseline="0" dirty="0">
                         <a:ln>
                           <a:noFill/>
                         </a:ln>
@@ -5300,16 +6278,16 @@
                           </a:schemeClr>
                         </a:solidFill>
                         <a:effectLst/>
-                        <a:latin typeface="배달의민족 한나는 열한살" panose="020B0600000101010101" pitchFamily="50" charset="-127"/>
-                        <a:ea typeface="배달의민족 한나는 열한살" panose="020B0600000101010101" pitchFamily="50" charset="-127"/>
+                        <a:latin typeface="나눔명조" panose="02020603020101020101" pitchFamily="18" charset="-127"/>
+                        <a:ea typeface="나눔명조" panose="02020603020101020101" pitchFamily="18" charset="-127"/>
                       </a:endParaRPr>
                     </a:p>
                   </a:txBody>
                   <a:tcPr anchor="ctr" horzOverflow="overflow">
                     <a:solidFill>
                       <a:schemeClr val="bg2">
-                        <a:lumMod val="25000"/>
-                        <a:lumOff val="75000"/>
+                        <a:lumMod val="10000"/>
+                        <a:lumOff val="90000"/>
                       </a:schemeClr>
                     </a:solidFill>
                   </a:tcPr>
@@ -5319,7 +6297,7 @@
                     <a:bodyPr/>
                     <a:lstStyle/>
                     <a:p>
-                      <a:pPr marL="285750" marR="0" lvl="0" indent="-285750" algn="l" defTabSz="914400" rtl="0" eaLnBrk="1" fontAlgn="base" latinLnBrk="1" hangingPunct="1">
+                      <a:pPr marL="0" marR="0" lvl="0" indent="0" algn="ctr" defTabSz="914400" rtl="0" eaLnBrk="1" fontAlgn="base" latinLnBrk="1" hangingPunct="1">
                         <a:lnSpc>
                           <a:spcPct val="100000"/>
                         </a:lnSpc>
@@ -5332,11 +6310,12 @@
                         <a:buClrTx/>
                         <a:buSzTx/>
                         <a:buFont typeface="Arial" panose="020B0604020202020204" pitchFamily="34" charset="0"/>
-                        <a:buChar char="•"/>
+                        <a:buNone/>
                         <a:tabLst/>
+                        <a:defRPr/>
                       </a:pPr>
                       <a:r>
-                        <a:rPr kumimoji="0" lang="ko-KR" altLang="en-US" sz="1300" u="none" strike="noStrike" cap="none" normalizeH="0" baseline="0" dirty="0">
+                        <a:rPr kumimoji="0" lang="ko-KR" altLang="en-US" sz="1200" b="0" i="0" u="none" strike="noStrike" cap="none" normalizeH="0" baseline="0" dirty="0">
                           <a:ln>
                             <a:noFill/>
                           </a:ln>
@@ -5347,12 +6326,12 @@
                             </a:schemeClr>
                           </a:solidFill>
                           <a:effectLst/>
-                          <a:latin typeface="나눔고딕" panose="020D0604000000000000" pitchFamily="50" charset="-127"/>
-                          <a:ea typeface="나눔고딕" panose="020D0604000000000000" pitchFamily="50" charset="-127"/>
-                        </a:rPr>
-                        <a:t>한 계단마다 점수 증가</a:t>
-                      </a:r>
-                      <a:endParaRPr kumimoji="0" lang="en-US" altLang="ko-KR" sz="1300" b="0" i="0" u="none" strike="noStrike" cap="none" normalizeH="0" baseline="0" dirty="0">
+                          <a:latin typeface="나눔명조" panose="02020603020101020101" pitchFamily="18" charset="-127"/>
+                          <a:ea typeface="나눔명조" panose="02020603020101020101" pitchFamily="18" charset="-127"/>
+                        </a:rPr>
+                        <a:t>무한계단모드 추가</a:t>
+                      </a:r>
+                      <a:endParaRPr kumimoji="0" lang="en-US" altLang="ko-KR" sz="1200" b="0" i="0" u="none" strike="noStrike" cap="none" normalizeH="0" baseline="0" dirty="0">
                         <a:ln>
                           <a:noFill/>
                         </a:ln>
@@ -5363,12 +6342,12 @@
                           </a:schemeClr>
                         </a:solidFill>
                         <a:effectLst/>
-                        <a:latin typeface="나눔고딕" panose="020D0604000000000000" pitchFamily="50" charset="-127"/>
-                        <a:ea typeface="나눔고딕" panose="020D0604000000000000" pitchFamily="50" charset="-127"/>
+                        <a:latin typeface="나눔명조" panose="02020603020101020101" pitchFamily="18" charset="-127"/>
+                        <a:ea typeface="나눔명조" panose="02020603020101020101" pitchFamily="18" charset="-127"/>
                       </a:endParaRPr>
                     </a:p>
                     <a:p>
-                      <a:pPr marL="285750" marR="0" lvl="0" indent="-285750" algn="l" defTabSz="914400" rtl="0" eaLnBrk="1" fontAlgn="base" latinLnBrk="1" hangingPunct="1">
+                      <a:pPr marL="285750" marR="0" lvl="0" indent="-285750" algn="ctr" defTabSz="914400" rtl="0" eaLnBrk="1" fontAlgn="base" latinLnBrk="1" hangingPunct="1">
                         <a:lnSpc>
                           <a:spcPct val="100000"/>
                         </a:lnSpc>
@@ -5383,9 +6362,107 @@
                         <a:buFont typeface="Arial" panose="020B0604020202020204" pitchFamily="34" charset="0"/>
                         <a:buChar char="•"/>
                         <a:tabLst/>
+                        <a:defRPr/>
                       </a:pPr>
-                      <a:r>
-                        <a:rPr kumimoji="0" lang="ko-KR" altLang="en-US" sz="1300" u="none" strike="noStrike" cap="none" normalizeH="0" baseline="0" dirty="0">
+                      <a:endParaRPr kumimoji="0" lang="en-US" altLang="ko-KR" sz="1200" b="1" i="0" u="none" strike="noStrike" cap="none" normalizeH="0" baseline="0" dirty="0">
+                        <a:ln>
+                          <a:noFill/>
+                        </a:ln>
+                        <a:solidFill>
+                          <a:schemeClr val="bg1">
+                            <a:lumMod val="75000"/>
+                            <a:lumOff val="25000"/>
+                          </a:schemeClr>
+                        </a:solidFill>
+                        <a:effectLst/>
+                        <a:latin typeface="나눔명조" panose="02020603020101020101" pitchFamily="18" charset="-127"/>
+                        <a:ea typeface="나눔명조" panose="02020603020101020101" pitchFamily="18" charset="-127"/>
+                      </a:endParaRPr>
+                    </a:p>
+                  </a:txBody>
+                  <a:tcPr anchor="ctr" horzOverflow="overflow">
+                    <a:solidFill>
+                      <a:schemeClr val="bg2">
+                        <a:lumMod val="10000"/>
+                        <a:lumOff val="90000"/>
+                      </a:schemeClr>
+                    </a:solidFill>
+                  </a:tcPr>
+                </a:tc>
+                <a:tc>
+                  <a:txBody>
+                    <a:bodyPr/>
+                    <a:lstStyle/>
+                    <a:p>
+                      <a:pPr marL="0" marR="0" lvl="0" indent="0" algn="ctr" defTabSz="914400" rtl="0" eaLnBrk="1" fontAlgn="base" latinLnBrk="1" hangingPunct="1">
+                        <a:lnSpc>
+                          <a:spcPct val="100000"/>
+                        </a:lnSpc>
+                        <a:spcBef>
+                          <a:spcPct val="0"/>
+                        </a:spcBef>
+                        <a:spcAft>
+                          <a:spcPct val="0"/>
+                        </a:spcAft>
+                        <a:buClrTx/>
+                        <a:buSzTx/>
+                        <a:buFont typeface="Arial" panose="020B0604020202020204" pitchFamily="34" charset="0"/>
+                        <a:buNone/>
+                        <a:tabLst/>
+                        <a:defRPr/>
+                      </a:pPr>
+                      <a:r>
+                        <a:rPr lang="en-US" altLang="ko-KR" sz="1600" b="1" dirty="0">
+                          <a:latin typeface="나눔명조" panose="02020603020101020101" pitchFamily="18" charset="-127"/>
+                          <a:ea typeface="나눔명조" panose="02020603020101020101" pitchFamily="18" charset="-127"/>
+                        </a:rPr>
+                        <a:t>100%</a:t>
+                      </a:r>
+                      <a:endParaRPr lang="ko-KR" altLang="en-US" sz="1600" b="1" dirty="0">
+                        <a:latin typeface="나눔명조" panose="02020603020101020101" pitchFamily="18" charset="-127"/>
+                        <a:ea typeface="나눔명조" panose="02020603020101020101" pitchFamily="18" charset="-127"/>
+                      </a:endParaRPr>
+                    </a:p>
+                  </a:txBody>
+                  <a:tcPr anchor="ctr" horzOverflow="overflow">
+                    <a:solidFill>
+                      <a:schemeClr val="bg2">
+                        <a:lumMod val="10000"/>
+                        <a:lumOff val="90000"/>
+                      </a:schemeClr>
+                    </a:solidFill>
+                  </a:tcPr>
+                </a:tc>
+                <a:extLst>
+                  <a:ext uri="{0D108BD9-81ED-4DB2-BD59-A6C34878D82A}">
+                    <a16:rowId xmlns:a16="http://schemas.microsoft.com/office/drawing/2014/main" val="10005"/>
+                  </a:ext>
+                </a:extLst>
+              </a:tr>
+              <a:tr h="1093597">
+                <a:tc>
+                  <a:txBody>
+                    <a:bodyPr/>
+                    <a:lstStyle/>
+                    <a:p>
+                      <a:pPr marL="0" marR="0" lvl="0" indent="0" algn="ctr" defTabSz="914400" rtl="0" eaLnBrk="1" fontAlgn="base" latinLnBrk="1" hangingPunct="1">
+                        <a:lnSpc>
+                          <a:spcPct val="100000"/>
+                        </a:lnSpc>
+                        <a:spcBef>
+                          <a:spcPct val="0"/>
+                        </a:spcBef>
+                        <a:spcAft>
+                          <a:spcPct val="0"/>
+                        </a:spcAft>
+                        <a:buClrTx/>
+                        <a:buSzTx/>
+                        <a:buFontTx/>
+                        <a:buNone/>
+                        <a:tabLst/>
+                      </a:pPr>
+                      <a:r>
+                        <a:rPr kumimoji="0" lang="ko-KR" altLang="en-US" sz="1200" b="1" u="none" strike="noStrike" cap="none" normalizeH="0" baseline="0" dirty="0">
                           <a:ln>
                             <a:noFill/>
                           </a:ln>
@@ -5396,12 +6473,12 @@
                             </a:schemeClr>
                           </a:solidFill>
                           <a:effectLst/>
-                          <a:latin typeface="나눔고딕" panose="020D0604000000000000" pitchFamily="50" charset="-127"/>
-                          <a:ea typeface="나눔고딕" panose="020D0604000000000000" pitchFamily="50" charset="-127"/>
-                        </a:rPr>
-                        <a:t>일정 점수 흭득시 스테이지전환</a:t>
-                      </a:r>
-                      <a:endParaRPr kumimoji="0" lang="en-US" altLang="ko-KR" sz="1300" u="none" strike="noStrike" cap="none" normalizeH="0" baseline="0" dirty="0">
+                          <a:latin typeface="나눔명조" panose="02020603020101020101" pitchFamily="18" charset="-127"/>
+                          <a:ea typeface="나눔명조" panose="02020603020101020101" pitchFamily="18" charset="-127"/>
+                        </a:rPr>
+                        <a:t>사운드</a:t>
+                      </a:r>
+                      <a:endParaRPr kumimoji="0" lang="ko-KR" altLang="en-US" sz="1200" b="1" i="0" u="none" strike="noStrike" cap="none" normalizeH="0" baseline="0" dirty="0">
                         <a:ln>
                           <a:noFill/>
                         </a:ln>
@@ -5412,10 +6489,24 @@
                           </a:schemeClr>
                         </a:solidFill>
                         <a:effectLst/>
-                        <a:latin typeface="나눔고딕" panose="020D0604000000000000" pitchFamily="50" charset="-127"/>
-                        <a:ea typeface="나눔고딕" panose="020D0604000000000000" pitchFamily="50" charset="-127"/>
+                        <a:latin typeface="나눔명조" panose="02020603020101020101" pitchFamily="18" charset="-127"/>
+                        <a:ea typeface="나눔명조" panose="02020603020101020101" pitchFamily="18" charset="-127"/>
                       </a:endParaRPr>
                     </a:p>
+                  </a:txBody>
+                  <a:tcPr anchor="ctr" horzOverflow="overflow">
+                    <a:solidFill>
+                      <a:schemeClr val="bg2">
+                        <a:lumMod val="25000"/>
+                        <a:lumOff val="75000"/>
+                      </a:schemeClr>
+                    </a:solidFill>
+                  </a:tcPr>
+                </a:tc>
+                <a:tc>
+                  <a:txBody>
+                    <a:bodyPr/>
+                    <a:lstStyle/>
                     <a:p>
                       <a:pPr marL="285750" marR="0" lvl="0" indent="-285750" algn="l" defTabSz="914400" rtl="0" eaLnBrk="1" fontAlgn="base" latinLnBrk="1" hangingPunct="1">
                         <a:lnSpc>
@@ -5434,7 +6525,7 @@
                         <a:tabLst/>
                       </a:pPr>
                       <a:r>
-                        <a:rPr kumimoji="0" lang="ko-KR" altLang="en-US" sz="1300" u="none" strike="noStrike" cap="none" normalizeH="0" baseline="0" dirty="0">
+                        <a:rPr kumimoji="0" lang="ko-KR" altLang="en-US" sz="1200" u="none" strike="noStrike" cap="none" normalizeH="0" baseline="0" dirty="0">
                           <a:ln>
                             <a:noFill/>
                           </a:ln>
@@ -5445,12 +6536,12 @@
                             </a:schemeClr>
                           </a:solidFill>
                           <a:effectLst/>
-                          <a:latin typeface="나눔고딕" panose="020D0604000000000000" pitchFamily="50" charset="-127"/>
-                          <a:ea typeface="나눔고딕" panose="020D0604000000000000" pitchFamily="50" charset="-127"/>
-                        </a:rPr>
-                        <a:t>점수는  골드가 됨</a:t>
-                      </a:r>
-                      <a:endParaRPr kumimoji="0" lang="en-US" altLang="ko-KR" sz="1300" u="none" strike="noStrike" cap="none" normalizeH="0" baseline="0" dirty="0">
+                          <a:latin typeface="나눔명조" panose="02020603020101020101" pitchFamily="18" charset="-127"/>
+                          <a:ea typeface="나눔명조" panose="02020603020101020101" pitchFamily="18" charset="-127"/>
+                        </a:rPr>
+                        <a:t>배경음</a:t>
+                      </a:r>
+                      <a:endParaRPr kumimoji="0" lang="en-US" altLang="ko-KR" sz="1200" u="none" strike="noStrike" cap="none" normalizeH="0" baseline="0" dirty="0">
                         <a:ln>
                           <a:noFill/>
                         </a:ln>
@@ -5461,8 +6552,8 @@
                           </a:schemeClr>
                         </a:solidFill>
                         <a:effectLst/>
-                        <a:latin typeface="나눔고딕" panose="020D0604000000000000" pitchFamily="50" charset="-127"/>
-                        <a:ea typeface="나눔고딕" panose="020D0604000000000000" pitchFamily="50" charset="-127"/>
+                        <a:latin typeface="나눔명조" panose="02020603020101020101" pitchFamily="18" charset="-127"/>
+                        <a:ea typeface="나눔명조" panose="02020603020101020101" pitchFamily="18" charset="-127"/>
                       </a:endParaRPr>
                     </a:p>
                     <a:p>
@@ -5483,7 +6574,7 @@
                         <a:tabLst/>
                       </a:pPr>
                       <a:r>
-                        <a:rPr kumimoji="0" lang="ko-KR" altLang="en-US" sz="1300" u="none" strike="noStrike" cap="none" normalizeH="0" baseline="0" dirty="0">
+                        <a:rPr kumimoji="0" lang="ko-KR" altLang="en-US" sz="1200" u="none" strike="noStrike" cap="none" normalizeH="0" baseline="0" dirty="0">
                           <a:ln>
                             <a:noFill/>
                           </a:ln>
@@ -5494,12 +6585,12 @@
                             </a:schemeClr>
                           </a:solidFill>
                           <a:effectLst/>
-                          <a:latin typeface="나눔고딕" panose="020D0604000000000000" pitchFamily="50" charset="-127"/>
-                          <a:ea typeface="나눔고딕" panose="020D0604000000000000" pitchFamily="50" charset="-127"/>
-                        </a:rPr>
-                        <a:t>골드로 아이템 구매가능</a:t>
-                      </a:r>
-                      <a:endParaRPr kumimoji="0" lang="en-US" altLang="ko-KR" sz="1300" u="none" strike="noStrike" cap="none" normalizeH="0" baseline="0" dirty="0">
+                          <a:latin typeface="나눔명조" panose="02020603020101020101" pitchFamily="18" charset="-127"/>
+                          <a:ea typeface="나눔명조" panose="02020603020101020101" pitchFamily="18" charset="-127"/>
+                        </a:rPr>
+                        <a:t>버튼효과음</a:t>
+                      </a:r>
+                      <a:endParaRPr kumimoji="0" lang="en-US" altLang="ko-KR" sz="1200" u="none" strike="noStrike" cap="none" normalizeH="0" baseline="0" dirty="0">
                         <a:ln>
                           <a:noFill/>
                         </a:ln>
@@ -5510,24 +6601,10 @@
                           </a:schemeClr>
                         </a:solidFill>
                         <a:effectLst/>
-                        <a:latin typeface="나눔고딕" panose="020D0604000000000000" pitchFamily="50" charset="-127"/>
-                        <a:ea typeface="나눔고딕" panose="020D0604000000000000" pitchFamily="50" charset="-127"/>
+                        <a:latin typeface="나눔명조" panose="02020603020101020101" pitchFamily="18" charset="-127"/>
+                        <a:ea typeface="나눔명조" panose="02020603020101020101" pitchFamily="18" charset="-127"/>
                       </a:endParaRPr>
                     </a:p>
-                  </a:txBody>
-                  <a:tcPr anchor="ctr" horzOverflow="overflow">
-                    <a:solidFill>
-                      <a:schemeClr val="bg2">
-                        <a:lumMod val="10000"/>
-                        <a:lumOff val="90000"/>
-                      </a:schemeClr>
-                    </a:solidFill>
-                  </a:tcPr>
-                </a:tc>
-                <a:tc>
-                  <a:txBody>
-                    <a:bodyPr/>
-                    <a:lstStyle/>
                     <a:p>
                       <a:pPr marL="285750" marR="0" lvl="0" indent="-285750" algn="l" defTabSz="914400" rtl="0" eaLnBrk="1" fontAlgn="base" latinLnBrk="1" hangingPunct="1">
                         <a:lnSpc>
@@ -5544,10 +6621,9 @@
                         <a:buFont typeface="Arial" panose="020B0604020202020204" pitchFamily="34" charset="0"/>
                         <a:buChar char="•"/>
                         <a:tabLst/>
-                        <a:defRPr/>
                       </a:pPr>
                       <a:r>
-                        <a:rPr kumimoji="0" lang="ko-KR" altLang="en-US" sz="1300" b="0" i="0" u="none" strike="noStrike" cap="none" normalizeH="0" baseline="0" dirty="0">
+                        <a:rPr kumimoji="0" lang="ko-KR" altLang="en-US" sz="1200" u="none" strike="noStrike" cap="none" normalizeH="0" baseline="0" dirty="0">
                           <a:ln>
                             <a:noFill/>
                           </a:ln>
@@ -5558,13 +6634,45 @@
                             </a:schemeClr>
                           </a:solidFill>
                           <a:effectLst/>
-                          <a:latin typeface="나눔고딕" panose="020D0604000000000000" pitchFamily="50" charset="-127"/>
-                          <a:ea typeface="나눔고딕" panose="020D0604000000000000" pitchFamily="50" charset="-127"/>
-                        </a:rPr>
-                        <a:t>빈 계단 추가</a:t>
-                      </a:r>
-                      <a:r>
-                        <a:rPr kumimoji="0" lang="en-US" altLang="ko-KR" sz="1300" b="0" i="0" u="none" strike="noStrike" cap="none" normalizeH="0" baseline="0" dirty="0">
+                          <a:latin typeface="나눔명조" panose="02020603020101020101" pitchFamily="18" charset="-127"/>
+                          <a:ea typeface="나눔명조" panose="02020603020101020101" pitchFamily="18" charset="-127"/>
+                        </a:rPr>
+                        <a:t>캐릭터이동음</a:t>
+                      </a:r>
+                      <a:endParaRPr kumimoji="0" lang="en-US" altLang="ko-KR" sz="1200" u="none" strike="noStrike" cap="none" normalizeH="0" baseline="0" dirty="0">
+                        <a:ln>
+                          <a:noFill/>
+                        </a:ln>
+                        <a:solidFill>
+                          <a:schemeClr val="bg1">
+                            <a:lumMod val="75000"/>
+                            <a:lumOff val="25000"/>
+                          </a:schemeClr>
+                        </a:solidFill>
+                        <a:effectLst/>
+                        <a:latin typeface="나눔명조" panose="02020603020101020101" pitchFamily="18" charset="-127"/>
+                        <a:ea typeface="나눔명조" panose="02020603020101020101" pitchFamily="18" charset="-127"/>
+                      </a:endParaRPr>
+                    </a:p>
+                    <a:p>
+                      <a:pPr marL="285750" marR="0" lvl="0" indent="-285750" algn="l" defTabSz="914400" rtl="0" eaLnBrk="1" fontAlgn="base" latinLnBrk="1" hangingPunct="1">
+                        <a:lnSpc>
+                          <a:spcPct val="100000"/>
+                        </a:lnSpc>
+                        <a:spcBef>
+                          <a:spcPct val="0"/>
+                        </a:spcBef>
+                        <a:spcAft>
+                          <a:spcPct val="0"/>
+                        </a:spcAft>
+                        <a:buClrTx/>
+                        <a:buSzTx/>
+                        <a:buFont typeface="Arial" panose="020B0604020202020204" pitchFamily="34" charset="0"/>
+                        <a:buChar char="•"/>
+                        <a:tabLst/>
+                      </a:pPr>
+                      <a:r>
+                        <a:rPr kumimoji="0" lang="ko-KR" altLang="en-US" sz="1200" u="none" strike="noStrike" cap="none" normalizeH="0" baseline="0" dirty="0">
                           <a:ln>
                             <a:noFill/>
                           </a:ln>
@@ -5575,13 +6683,59 @@
                             </a:schemeClr>
                           </a:solidFill>
                           <a:effectLst/>
-                          <a:latin typeface="나눔고딕" panose="020D0604000000000000" pitchFamily="50" charset="-127"/>
-                          <a:ea typeface="나눔고딕" panose="020D0604000000000000" pitchFamily="50" charset="-127"/>
-                        </a:rPr>
-                        <a:t>(</a:t>
-                      </a:r>
-                      <a:r>
-                        <a:rPr kumimoji="0" lang="ko-KR" altLang="en-US" sz="1300" b="0" i="0" u="none" strike="noStrike" cap="none" normalizeH="0" baseline="0" dirty="0">
+                          <a:latin typeface="나눔명조" panose="02020603020101020101" pitchFamily="18" charset="-127"/>
+                          <a:ea typeface="나눔명조" panose="02020603020101020101" pitchFamily="18" charset="-127"/>
+                        </a:rPr>
+                        <a:t>실패 및 성공 효과음</a:t>
+                      </a:r>
+                      <a:endParaRPr kumimoji="0" lang="en-US" altLang="ko-KR" sz="1200" u="none" strike="noStrike" cap="none" normalizeH="0" baseline="0" dirty="0">
+                        <a:ln>
+                          <a:noFill/>
+                        </a:ln>
+                        <a:solidFill>
+                          <a:schemeClr val="bg1">
+                            <a:lumMod val="75000"/>
+                            <a:lumOff val="25000"/>
+                          </a:schemeClr>
+                        </a:solidFill>
+                        <a:effectLst/>
+                        <a:latin typeface="나눔명조" panose="02020603020101020101" pitchFamily="18" charset="-127"/>
+                        <a:ea typeface="나눔명조" panose="02020603020101020101" pitchFamily="18" charset="-127"/>
+                      </a:endParaRPr>
+                    </a:p>
+                  </a:txBody>
+                  <a:tcPr anchor="ctr" horzOverflow="overflow">
+                    <a:solidFill>
+                      <a:schemeClr val="bg2">
+                        <a:lumMod val="10000"/>
+                        <a:lumOff val="90000"/>
+                      </a:schemeClr>
+                    </a:solidFill>
+                  </a:tcPr>
+                </a:tc>
+                <a:tc>
+                  <a:txBody>
+                    <a:bodyPr/>
+                    <a:lstStyle/>
+                    <a:p>
+                      <a:pPr marL="285750" marR="0" lvl="0" indent="-285750" algn="l" defTabSz="914400" rtl="0" eaLnBrk="1" fontAlgn="base" latinLnBrk="1" hangingPunct="1">
+                        <a:lnSpc>
+                          <a:spcPct val="100000"/>
+                        </a:lnSpc>
+                        <a:spcBef>
+                          <a:spcPct val="0"/>
+                        </a:spcBef>
+                        <a:spcAft>
+                          <a:spcPct val="0"/>
+                        </a:spcAft>
+                        <a:buClrTx/>
+                        <a:buSzTx/>
+                        <a:buFont typeface="Arial" panose="020B0604020202020204" pitchFamily="34" charset="0"/>
+                        <a:buChar char="•"/>
+                        <a:tabLst/>
+                      </a:pPr>
+                      <a:r>
+                        <a:rPr kumimoji="0" lang="ko-KR" altLang="en-US" sz="1200" u="none" strike="noStrike" cap="none" normalizeH="0" baseline="0" dirty="0" err="1">
                           <a:ln>
                             <a:noFill/>
                           </a:ln>
@@ -5592,13 +6746,45 @@
                             </a:schemeClr>
                           </a:solidFill>
                           <a:effectLst/>
-                          <a:latin typeface="나눔고딕" panose="020D0604000000000000" pitchFamily="50" charset="-127"/>
-                          <a:ea typeface="나눔고딕" panose="020D0604000000000000" pitchFamily="50" charset="-127"/>
-                        </a:rPr>
-                        <a:t>점프로 이동</a:t>
-                      </a:r>
-                      <a:r>
-                        <a:rPr kumimoji="0" lang="en-US" altLang="ko-KR" sz="1300" b="0" i="0" u="none" strike="noStrike" cap="none" normalizeH="0" baseline="0" dirty="0">
+                          <a:latin typeface="나눔명조" panose="02020603020101020101" pitchFamily="18" charset="-127"/>
+                          <a:ea typeface="나눔명조" panose="02020603020101020101" pitchFamily="18" charset="-127"/>
+                        </a:rPr>
+                        <a:t>배경음</a:t>
+                      </a:r>
+                      <a:endParaRPr kumimoji="0" lang="en-US" altLang="ko-KR" sz="1200" u="none" strike="noStrike" cap="none" normalizeH="0" baseline="0" dirty="0">
+                        <a:ln>
+                          <a:noFill/>
+                        </a:ln>
+                        <a:solidFill>
+                          <a:schemeClr val="bg1">
+                            <a:lumMod val="75000"/>
+                            <a:lumOff val="25000"/>
+                          </a:schemeClr>
+                        </a:solidFill>
+                        <a:effectLst/>
+                        <a:latin typeface="나눔명조" panose="02020603020101020101" pitchFamily="18" charset="-127"/>
+                        <a:ea typeface="나눔명조" panose="02020603020101020101" pitchFamily="18" charset="-127"/>
+                      </a:endParaRPr>
+                    </a:p>
+                    <a:p>
+                      <a:pPr marL="285750" marR="0" lvl="0" indent="-285750" algn="l" defTabSz="914400" rtl="0" eaLnBrk="1" fontAlgn="base" latinLnBrk="1" hangingPunct="1">
+                        <a:lnSpc>
+                          <a:spcPct val="100000"/>
+                        </a:lnSpc>
+                        <a:spcBef>
+                          <a:spcPct val="0"/>
+                        </a:spcBef>
+                        <a:spcAft>
+                          <a:spcPct val="0"/>
+                        </a:spcAft>
+                        <a:buClrTx/>
+                        <a:buSzTx/>
+                        <a:buFont typeface="Arial" panose="020B0604020202020204" pitchFamily="34" charset="0"/>
+                        <a:buChar char="•"/>
+                        <a:tabLst/>
+                      </a:pPr>
+                      <a:r>
+                        <a:rPr kumimoji="0" lang="ko-KR" altLang="en-US" sz="1200" u="none" strike="noStrike" cap="none" normalizeH="0" baseline="0" dirty="0">
                           <a:ln>
                             <a:noFill/>
                           </a:ln>
@@ -5609,35 +6795,28 @@
                             </a:schemeClr>
                           </a:solidFill>
                           <a:effectLst/>
-                          <a:latin typeface="나눔고딕" panose="020D0604000000000000" pitchFamily="50" charset="-127"/>
-                          <a:ea typeface="나눔고딕" panose="020D0604000000000000" pitchFamily="50" charset="-127"/>
-                        </a:rPr>
-                        <a:t>)</a:t>
-                      </a:r>
-                    </a:p>
-                  </a:txBody>
-                  <a:tcPr anchor="ctr" horzOverflow="overflow">
-                    <a:solidFill>
-                      <a:schemeClr val="bg2">
-                        <a:lumMod val="10000"/>
-                        <a:lumOff val="90000"/>
-                      </a:schemeClr>
-                    </a:solidFill>
-                  </a:tcPr>
-                </a:tc>
-                <a:extLst>
-                  <a:ext uri="{0D108BD9-81ED-4DB2-BD59-A6C34878D82A}">
-                    <a16:rowId xmlns:a16="http://schemas.microsoft.com/office/drawing/2014/main" val="10005"/>
-                  </a:ext>
-                </a:extLst>
-              </a:tr>
-              <a:tr h="862816">
-                <a:tc>
-                  <a:txBody>
-                    <a:bodyPr/>
-                    <a:lstStyle/>
-                    <a:p>
-                      <a:pPr marL="0" marR="0" lvl="0" indent="0" algn="ctr" defTabSz="914400" rtl="0" eaLnBrk="1" fontAlgn="base" latinLnBrk="1" hangingPunct="1">
+                          <a:latin typeface="나눔명조" panose="02020603020101020101" pitchFamily="18" charset="-127"/>
+                          <a:ea typeface="나눔명조" panose="02020603020101020101" pitchFamily="18" charset="-127"/>
+                        </a:rPr>
+                        <a:t>버튼효과음</a:t>
+                      </a:r>
+                      <a:endParaRPr kumimoji="0" lang="en-US" altLang="ko-KR" sz="1200" u="none" strike="noStrike" cap="none" normalizeH="0" baseline="0" dirty="0">
+                        <a:ln>
+                          <a:noFill/>
+                        </a:ln>
+                        <a:solidFill>
+                          <a:schemeClr val="bg1">
+                            <a:lumMod val="75000"/>
+                            <a:lumOff val="25000"/>
+                          </a:schemeClr>
+                        </a:solidFill>
+                        <a:effectLst/>
+                        <a:latin typeface="나눔명조" panose="02020603020101020101" pitchFamily="18" charset="-127"/>
+                        <a:ea typeface="나눔명조" panose="02020603020101020101" pitchFamily="18" charset="-127"/>
+                      </a:endParaRPr>
+                    </a:p>
+                    <a:p>
+                      <a:pPr marL="285750" marR="0" lvl="0" indent="-285750" algn="l" defTabSz="914400" rtl="0" eaLnBrk="1" fontAlgn="base" latinLnBrk="1" hangingPunct="1">
                         <a:lnSpc>
                           <a:spcPct val="100000"/>
                         </a:lnSpc>
@@ -5649,12 +6828,12 @@
                         </a:spcAft>
                         <a:buClrTx/>
                         <a:buSzTx/>
-                        <a:buFontTx/>
-                        <a:buNone/>
+                        <a:buFont typeface="Arial" panose="020B0604020202020204" pitchFamily="34" charset="0"/>
+                        <a:buChar char="•"/>
                         <a:tabLst/>
                       </a:pPr>
                       <a:r>
-                        <a:rPr kumimoji="0" lang="ko-KR" altLang="en-US" sz="1400" u="none" strike="noStrike" cap="none" normalizeH="0" baseline="0" dirty="0">
+                        <a:rPr kumimoji="0" lang="ko-KR" altLang="en-US" sz="1200" u="none" strike="noStrike" cap="none" normalizeH="0" baseline="0" dirty="0">
                           <a:ln>
                             <a:noFill/>
                           </a:ln>
@@ -5665,12 +6844,12 @@
                             </a:schemeClr>
                           </a:solidFill>
                           <a:effectLst/>
-                          <a:latin typeface="배달의민족 한나는 열한살" panose="020B0600000101010101" pitchFamily="50" charset="-127"/>
-                          <a:ea typeface="배달의민족 한나는 열한살" panose="020B0600000101010101" pitchFamily="50" charset="-127"/>
-                        </a:rPr>
-                        <a:t>사운드</a:t>
-                      </a:r>
-                      <a:endParaRPr kumimoji="0" lang="ko-KR" altLang="en-US" sz="1400" b="0" i="0" u="none" strike="noStrike" cap="none" normalizeH="0" baseline="0" dirty="0">
+                          <a:latin typeface="나눔명조" panose="02020603020101020101" pitchFamily="18" charset="-127"/>
+                          <a:ea typeface="나눔명조" panose="02020603020101020101" pitchFamily="18" charset="-127"/>
+                        </a:rPr>
+                        <a:t>캐릭터이동음</a:t>
+                      </a:r>
+                      <a:endParaRPr kumimoji="0" lang="en-US" altLang="ko-KR" sz="1200" u="none" strike="noStrike" cap="none" normalizeH="0" baseline="0" dirty="0">
                         <a:ln>
                           <a:noFill/>
                         </a:ln>
@@ -5681,24 +6860,10 @@
                           </a:schemeClr>
                         </a:solidFill>
                         <a:effectLst/>
-                        <a:latin typeface="배달의민족 한나는 열한살" panose="020B0600000101010101" pitchFamily="50" charset="-127"/>
-                        <a:ea typeface="배달의민족 한나는 열한살" panose="020B0600000101010101" pitchFamily="50" charset="-127"/>
+                        <a:latin typeface="나눔명조" panose="02020603020101020101" pitchFamily="18" charset="-127"/>
+                        <a:ea typeface="나눔명조" panose="02020603020101020101" pitchFamily="18" charset="-127"/>
                       </a:endParaRPr>
                     </a:p>
-                  </a:txBody>
-                  <a:tcPr anchor="ctr" horzOverflow="overflow">
-                    <a:solidFill>
-                      <a:schemeClr val="bg2">
-                        <a:lumMod val="25000"/>
-                        <a:lumOff val="75000"/>
-                      </a:schemeClr>
-                    </a:solidFill>
-                  </a:tcPr>
-                </a:tc>
-                <a:tc>
-                  <a:txBody>
-                    <a:bodyPr/>
-                    <a:lstStyle/>
                     <a:p>
                       <a:pPr marL="285750" marR="0" lvl="0" indent="-285750" algn="l" defTabSz="914400" rtl="0" eaLnBrk="1" fontAlgn="base" latinLnBrk="1" hangingPunct="1">
                         <a:lnSpc>
@@ -5717,7 +6882,7 @@
                         <a:tabLst/>
                       </a:pPr>
                       <a:r>
-                        <a:rPr kumimoji="0" lang="ko-KR" altLang="en-US" sz="1300" u="none" strike="noStrike" cap="none" normalizeH="0" baseline="0" dirty="0">
+                        <a:rPr kumimoji="0" lang="ko-KR" altLang="en-US" sz="1200" u="none" strike="noStrike" cap="none" normalizeH="0" baseline="0" dirty="0">
                           <a:ln>
                             <a:noFill/>
                           </a:ln>
@@ -5728,12 +6893,12 @@
                             </a:schemeClr>
                           </a:solidFill>
                           <a:effectLst/>
-                          <a:latin typeface="나눔고딕" panose="020D0604000000000000" pitchFamily="50" charset="-127"/>
-                          <a:ea typeface="나눔고딕" panose="020D0604000000000000" pitchFamily="50" charset="-127"/>
-                        </a:rPr>
-                        <a:t>배경음</a:t>
-                      </a:r>
-                      <a:endParaRPr kumimoji="0" lang="en-US" altLang="ko-KR" sz="1300" u="none" strike="noStrike" cap="none" normalizeH="0" baseline="0" dirty="0">
+                          <a:latin typeface="나눔명조" panose="02020603020101020101" pitchFamily="18" charset="-127"/>
+                          <a:ea typeface="나눔명조" panose="02020603020101020101" pitchFamily="18" charset="-127"/>
+                        </a:rPr>
+                        <a:t>실패 및 성공 효과음</a:t>
+                      </a:r>
+                      <a:endParaRPr kumimoji="0" lang="en-US" altLang="ko-KR" sz="1200" u="none" strike="noStrike" cap="none" normalizeH="0" baseline="0" dirty="0">
                         <a:ln>
                           <a:noFill/>
                         </a:ln>
@@ -5744,8 +6909,8 @@
                           </a:schemeClr>
                         </a:solidFill>
                         <a:effectLst/>
-                        <a:latin typeface="나눔고딕" panose="020D0604000000000000" pitchFamily="50" charset="-127"/>
-                        <a:ea typeface="나눔고딕" panose="020D0604000000000000" pitchFamily="50" charset="-127"/>
+                        <a:latin typeface="나눔명조" panose="02020603020101020101" pitchFamily="18" charset="-127"/>
+                        <a:ea typeface="나눔명조" panose="02020603020101020101" pitchFamily="18" charset="-127"/>
                       </a:endParaRPr>
                     </a:p>
                     <a:p>
@@ -5764,9 +6929,10 @@
                         <a:buFont typeface="Arial" panose="020B0604020202020204" pitchFamily="34" charset="0"/>
                         <a:buChar char="•"/>
                         <a:tabLst/>
+                        <a:defRPr/>
                       </a:pPr>
                       <a:r>
-                        <a:rPr kumimoji="0" lang="ko-KR" altLang="en-US" sz="1300" u="none" strike="noStrike" cap="none" normalizeH="0" baseline="0" dirty="0">
+                        <a:rPr kumimoji="0" lang="ko-KR" altLang="en-US" sz="1200" u="none" strike="noStrike" cap="none" normalizeH="0" baseline="0" dirty="0">
                           <a:ln>
                             <a:noFill/>
                           </a:ln>
@@ -5777,12 +6943,12 @@
                             </a:schemeClr>
                           </a:solidFill>
                           <a:effectLst/>
-                          <a:latin typeface="나눔고딕" panose="020D0604000000000000" pitchFamily="50" charset="-127"/>
-                          <a:ea typeface="나눔고딕" panose="020D0604000000000000" pitchFamily="50" charset="-127"/>
-                        </a:rPr>
-                        <a:t>버튼효과음</a:t>
-                      </a:r>
-                      <a:endParaRPr kumimoji="0" lang="en-US" altLang="ko-KR" sz="1300" u="none" strike="noStrike" cap="none" normalizeH="0" baseline="0" dirty="0">
+                          <a:latin typeface="나눔명조" panose="02020603020101020101" pitchFamily="18" charset="-127"/>
+                          <a:ea typeface="나눔명조" panose="02020603020101020101" pitchFamily="18" charset="-127"/>
+                        </a:rPr>
+                        <a:t>스테이지 전환 효과음</a:t>
+                      </a:r>
+                      <a:endParaRPr kumimoji="0" lang="en-US" altLang="ko-KR" sz="1200" u="none" strike="noStrike" cap="none" normalizeH="0" baseline="0" dirty="0">
                         <a:ln>
                           <a:noFill/>
                         </a:ln>
@@ -5793,12 +6959,26 @@
                           </a:schemeClr>
                         </a:solidFill>
                         <a:effectLst/>
-                        <a:latin typeface="나눔고딕" panose="020D0604000000000000" pitchFamily="50" charset="-127"/>
-                        <a:ea typeface="나눔고딕" panose="020D0604000000000000" pitchFamily="50" charset="-127"/>
+                        <a:latin typeface="나눔명조" panose="02020603020101020101" pitchFamily="18" charset="-127"/>
+                        <a:ea typeface="나눔명조" panose="02020603020101020101" pitchFamily="18" charset="-127"/>
                       </a:endParaRPr>
                     </a:p>
-                    <a:p>
-                      <a:pPr marL="285750" marR="0" lvl="0" indent="-285750" algn="l" defTabSz="914400" rtl="0" eaLnBrk="1" fontAlgn="base" latinLnBrk="1" hangingPunct="1">
+                  </a:txBody>
+                  <a:tcPr anchor="ctr" horzOverflow="overflow">
+                    <a:solidFill>
+                      <a:schemeClr val="bg2">
+                        <a:lumMod val="10000"/>
+                        <a:lumOff val="90000"/>
+                      </a:schemeClr>
+                    </a:solidFill>
+                  </a:tcPr>
+                </a:tc>
+                <a:tc>
+                  <a:txBody>
+                    <a:bodyPr/>
+                    <a:lstStyle/>
+                    <a:p>
+                      <a:pPr marL="0" marR="0" lvl="0" indent="0" algn="ctr" defTabSz="914400" rtl="0" eaLnBrk="1" fontAlgn="base" latinLnBrk="1" hangingPunct="1">
                         <a:lnSpc>
                           <a:spcPct val="100000"/>
                         </a:lnSpc>
@@ -5811,11 +6991,12 @@
                         <a:buClrTx/>
                         <a:buSzTx/>
                         <a:buFont typeface="Arial" panose="020B0604020202020204" pitchFamily="34" charset="0"/>
-                        <a:buChar char="•"/>
+                        <a:buNone/>
                         <a:tabLst/>
+                        <a:defRPr/>
                       </a:pPr>
                       <a:r>
-                        <a:rPr kumimoji="0" lang="ko-KR" altLang="en-US" sz="1300" u="none" strike="noStrike" cap="none" normalizeH="0" baseline="0" dirty="0">
+                        <a:rPr kumimoji="0" lang="ko-KR" altLang="en-US" sz="1200" u="none" strike="noStrike" cap="none" normalizeH="0" baseline="0" dirty="0">
                           <a:ln>
                             <a:noFill/>
                           </a:ln>
@@ -5826,12 +7007,12 @@
                             </a:schemeClr>
                           </a:solidFill>
                           <a:effectLst/>
-                          <a:latin typeface="나눔고딕" panose="020D0604000000000000" pitchFamily="50" charset="-127"/>
-                          <a:ea typeface="나눔고딕" panose="020D0604000000000000" pitchFamily="50" charset="-127"/>
-                        </a:rPr>
-                        <a:t>캐릭터이동음</a:t>
-                      </a:r>
-                      <a:endParaRPr kumimoji="0" lang="en-US" altLang="ko-KR" sz="1300" u="none" strike="noStrike" cap="none" normalizeH="0" baseline="0" dirty="0">
+                          <a:latin typeface="나눔명조" panose="02020603020101020101" pitchFamily="18" charset="-127"/>
+                          <a:ea typeface="나눔명조" panose="02020603020101020101" pitchFamily="18" charset="-127"/>
+                        </a:rPr>
+                        <a:t>스테이지 전환 효과음</a:t>
+                      </a:r>
+                      <a:endParaRPr kumimoji="0" lang="en-US" altLang="ko-KR" sz="1200" u="none" strike="noStrike" cap="none" normalizeH="0" baseline="0" dirty="0">
                         <a:ln>
                           <a:noFill/>
                         </a:ln>
@@ -5842,12 +7023,26 @@
                           </a:schemeClr>
                         </a:solidFill>
                         <a:effectLst/>
-                        <a:latin typeface="나눔고딕" panose="020D0604000000000000" pitchFamily="50" charset="-127"/>
-                        <a:ea typeface="나눔고딕" panose="020D0604000000000000" pitchFamily="50" charset="-127"/>
+                        <a:latin typeface="나눔명조" panose="02020603020101020101" pitchFamily="18" charset="-127"/>
+                        <a:ea typeface="나눔명조" panose="02020603020101020101" pitchFamily="18" charset="-127"/>
                       </a:endParaRPr>
                     </a:p>
-                    <a:p>
-                      <a:pPr marL="285750" marR="0" lvl="0" indent="-285750" algn="l" defTabSz="914400" rtl="0" eaLnBrk="1" fontAlgn="base" latinLnBrk="1" hangingPunct="1">
+                  </a:txBody>
+                  <a:tcPr anchor="ctr" horzOverflow="overflow">
+                    <a:solidFill>
+                      <a:schemeClr val="bg2">
+                        <a:lumMod val="10000"/>
+                        <a:lumOff val="90000"/>
+                      </a:schemeClr>
+                    </a:solidFill>
+                  </a:tcPr>
+                </a:tc>
+                <a:tc>
+                  <a:txBody>
+                    <a:bodyPr/>
+                    <a:lstStyle/>
+                    <a:p>
+                      <a:pPr marL="0" marR="0" lvl="0" indent="0" algn="ctr" defTabSz="914400" rtl="0" eaLnBrk="1" fontAlgn="base" latinLnBrk="1" hangingPunct="1">
                         <a:lnSpc>
                           <a:spcPct val="100000"/>
                         </a:lnSpc>
@@ -5860,11 +7055,62 @@
                         <a:buClrTx/>
                         <a:buSzTx/>
                         <a:buFont typeface="Arial" panose="020B0604020202020204" pitchFamily="34" charset="0"/>
-                        <a:buChar char="•"/>
+                        <a:buNone/>
+                        <a:tabLst/>
+                        <a:defRPr/>
+                      </a:pPr>
+                      <a:r>
+                        <a:rPr lang="en-US" altLang="ko-KR" sz="1600" b="1" dirty="0">
+                          <a:latin typeface="나눔명조" panose="02020603020101020101" pitchFamily="18" charset="-127"/>
+                          <a:ea typeface="나눔명조" panose="02020603020101020101" pitchFamily="18" charset="-127"/>
+                        </a:rPr>
+                        <a:t>100%</a:t>
+                      </a:r>
+                      <a:endParaRPr lang="ko-KR" altLang="en-US" sz="1600" b="1" dirty="0">
+                        <a:latin typeface="나눔명조" panose="02020603020101020101" pitchFamily="18" charset="-127"/>
+                        <a:ea typeface="나눔명조" panose="02020603020101020101" pitchFamily="18" charset="-127"/>
+                      </a:endParaRPr>
+                    </a:p>
+                  </a:txBody>
+                  <a:tcPr anchor="ctr" horzOverflow="overflow">
+                    <a:solidFill>
+                      <a:schemeClr val="bg2">
+                        <a:lumMod val="10000"/>
+                        <a:lumOff val="90000"/>
+                      </a:schemeClr>
+                    </a:solidFill>
+                  </a:tcPr>
+                </a:tc>
+                <a:extLst>
+                  <a:ext uri="{0D108BD9-81ED-4DB2-BD59-A6C34878D82A}">
+                    <a16:rowId xmlns:a16="http://schemas.microsoft.com/office/drawing/2014/main" val="1924180039"/>
+                  </a:ext>
+                </a:extLst>
+              </a:tr>
+              <a:tr h="1093597">
+                <a:tc>
+                  <a:txBody>
+                    <a:bodyPr/>
+                    <a:lstStyle/>
+                    <a:p>
+                      <a:pPr marL="0" marR="0" lvl="0" indent="0" algn="ctr" defTabSz="914400" rtl="0" eaLnBrk="1" fontAlgn="base" latinLnBrk="1" hangingPunct="1">
+                        <a:lnSpc>
+                          <a:spcPct val="100000"/>
+                        </a:lnSpc>
+                        <a:spcBef>
+                          <a:spcPct val="0"/>
+                        </a:spcBef>
+                        <a:spcAft>
+                          <a:spcPct val="0"/>
+                        </a:spcAft>
+                        <a:buClrTx/>
+                        <a:buSzTx/>
+                        <a:buFontTx/>
+                        <a:buNone/>
                         <a:tabLst/>
                       </a:pPr>
                       <a:r>
-                        <a:rPr kumimoji="0" lang="ko-KR" altLang="en-US" sz="1300" u="none" strike="noStrike" cap="none" normalizeH="0" baseline="0" dirty="0">
+                        <a:rPr kumimoji="0" lang="ko-KR" altLang="en-US" sz="1200" b="1" u="none" strike="noStrike" cap="none" normalizeH="0" baseline="0" dirty="0">
                           <a:ln>
                             <a:noFill/>
                           </a:ln>
@@ -5875,12 +7121,12 @@
                             </a:schemeClr>
                           </a:solidFill>
                           <a:effectLst/>
-                          <a:latin typeface="나눔고딕" panose="020D0604000000000000" pitchFamily="50" charset="-127"/>
-                          <a:ea typeface="나눔고딕" panose="020D0604000000000000" pitchFamily="50" charset="-127"/>
-                        </a:rPr>
-                        <a:t>실패 및 성공 효과음</a:t>
-                      </a:r>
-                      <a:endParaRPr kumimoji="0" lang="en-US" altLang="ko-KR" sz="1300" u="none" strike="noStrike" cap="none" normalizeH="0" baseline="0" dirty="0">
+                          <a:latin typeface="나눔명조" panose="02020603020101020101" pitchFamily="18" charset="-127"/>
+                          <a:ea typeface="나눔명조" panose="02020603020101020101" pitchFamily="18" charset="-127"/>
+                        </a:rPr>
+                        <a:t>애니메이션</a:t>
+                      </a:r>
+                      <a:endParaRPr kumimoji="0" lang="ko-KR" altLang="en-US" sz="1200" b="1" i="0" u="none" strike="noStrike" cap="none" normalizeH="0" baseline="0" dirty="0">
                         <a:ln>
                           <a:noFill/>
                         </a:ln>
@@ -5891,16 +7137,16 @@
                           </a:schemeClr>
                         </a:solidFill>
                         <a:effectLst/>
-                        <a:latin typeface="나눔고딕" panose="020D0604000000000000" pitchFamily="50" charset="-127"/>
-                        <a:ea typeface="나눔고딕" panose="020D0604000000000000" pitchFamily="50" charset="-127"/>
+                        <a:latin typeface="나눔명조" panose="02020603020101020101" pitchFamily="18" charset="-127"/>
+                        <a:ea typeface="나눔명조" panose="02020603020101020101" pitchFamily="18" charset="-127"/>
                       </a:endParaRPr>
                     </a:p>
                   </a:txBody>
                   <a:tcPr anchor="ctr" horzOverflow="overflow">
                     <a:solidFill>
                       <a:schemeClr val="bg2">
-                        <a:lumMod val="10000"/>
-                        <a:lumOff val="90000"/>
+                        <a:lumMod val="25000"/>
+                        <a:lumOff val="75000"/>
                       </a:schemeClr>
                     </a:solidFill>
                   </a:tcPr>
@@ -5927,7 +7173,7 @@
                         <a:tabLst/>
                       </a:pPr>
                       <a:r>
-                        <a:rPr kumimoji="0" lang="ko-KR" altLang="en-US" sz="1300" u="none" strike="noStrike" cap="none" normalizeH="0" baseline="0" dirty="0">
+                        <a:rPr kumimoji="0" lang="ko-KR" altLang="en-US" sz="1200" b="0" i="0" u="none" strike="noStrike" cap="none" normalizeH="0" baseline="0" dirty="0">
                           <a:ln>
                             <a:noFill/>
                           </a:ln>
@@ -5938,12 +7184,12 @@
                             </a:schemeClr>
                           </a:solidFill>
                           <a:effectLst/>
-                          <a:latin typeface="나눔고딕" panose="020D0604000000000000" pitchFamily="50" charset="-127"/>
-                          <a:ea typeface="나눔고딕" panose="020D0604000000000000" pitchFamily="50" charset="-127"/>
-                        </a:rPr>
-                        <a:t> 스테이지 전환 효과음</a:t>
-                      </a:r>
-                      <a:endParaRPr kumimoji="0" lang="en-US" altLang="ko-KR" sz="1300" u="none" strike="noStrike" cap="none" normalizeH="0" baseline="0" dirty="0">
+                          <a:latin typeface="나눔명조" panose="02020603020101020101" pitchFamily="18" charset="-127"/>
+                          <a:ea typeface="나눔명조" panose="02020603020101020101" pitchFamily="18" charset="-127"/>
+                        </a:rPr>
+                        <a:t>오르기</a:t>
+                      </a:r>
+                      <a:endParaRPr kumimoji="0" lang="en-US" altLang="ko-KR" sz="1200" b="0" i="0" u="none" strike="noStrike" cap="none" normalizeH="0" baseline="0" dirty="0">
                         <a:ln>
                           <a:noFill/>
                         </a:ln>
@@ -5954,33 +7200,12 @@
                           </a:schemeClr>
                         </a:solidFill>
                         <a:effectLst/>
-                        <a:latin typeface="나눔고딕" panose="020D0604000000000000" pitchFamily="50" charset="-127"/>
-                        <a:ea typeface="나눔고딕" panose="020D0604000000000000" pitchFamily="50" charset="-127"/>
+                        <a:latin typeface="나눔명조" panose="02020603020101020101" pitchFamily="18" charset="-127"/>
+                        <a:ea typeface="나눔명조" panose="02020603020101020101" pitchFamily="18" charset="-127"/>
                       </a:endParaRPr>
                     </a:p>
-                  </a:txBody>
-                  <a:tcPr anchor="ctr" horzOverflow="overflow">
-                    <a:solidFill>
-                      <a:schemeClr val="bg2">
-                        <a:lumMod val="10000"/>
-                        <a:lumOff val="90000"/>
-                      </a:schemeClr>
-                    </a:solidFill>
-                  </a:tcPr>
-                </a:tc>
-                <a:extLst>
-                  <a:ext uri="{0D108BD9-81ED-4DB2-BD59-A6C34878D82A}">
-                    <a16:rowId xmlns:a16="http://schemas.microsoft.com/office/drawing/2014/main" val="1924180039"/>
-                  </a:ext>
-                </a:extLst>
-              </a:tr>
-              <a:tr h="862816">
-                <a:tc>
-                  <a:txBody>
-                    <a:bodyPr/>
-                    <a:lstStyle/>
-                    <a:p>
-                      <a:pPr marL="0" marR="0" lvl="0" indent="0" algn="ctr" defTabSz="914400" rtl="0" eaLnBrk="1" fontAlgn="base" latinLnBrk="1" hangingPunct="1">
+                    <a:p>
+                      <a:pPr marL="285750" marR="0" lvl="0" indent="-285750" algn="l" defTabSz="914400" rtl="0" eaLnBrk="1" fontAlgn="base" latinLnBrk="1" hangingPunct="1">
                         <a:lnSpc>
                           <a:spcPct val="100000"/>
                         </a:lnSpc>
@@ -5992,12 +7217,12 @@
                         </a:spcAft>
                         <a:buClrTx/>
                         <a:buSzTx/>
-                        <a:buFontTx/>
-                        <a:buNone/>
+                        <a:buFont typeface="Arial" panose="020B0604020202020204" pitchFamily="34" charset="0"/>
+                        <a:buChar char="•"/>
                         <a:tabLst/>
                       </a:pPr>
                       <a:r>
-                        <a:rPr kumimoji="0" lang="ko-KR" altLang="en-US" sz="1400" u="none" strike="noStrike" cap="none" normalizeH="0" baseline="0" dirty="0">
+                        <a:rPr kumimoji="0" lang="ko-KR" altLang="en-US" sz="1200" b="0" i="0" u="none" strike="noStrike" cap="none" normalizeH="0" baseline="0" dirty="0">
                           <a:ln>
                             <a:noFill/>
                           </a:ln>
@@ -6008,12 +7233,12 @@
                             </a:schemeClr>
                           </a:solidFill>
                           <a:effectLst/>
-                          <a:latin typeface="배달의민족 한나는 열한살" panose="020B0600000101010101" pitchFamily="50" charset="-127"/>
-                          <a:ea typeface="배달의민족 한나는 열한살" panose="020B0600000101010101" pitchFamily="50" charset="-127"/>
-                        </a:rPr>
-                        <a:t>애니메이션</a:t>
-                      </a:r>
-                      <a:endParaRPr kumimoji="0" lang="ko-KR" altLang="en-US" sz="1400" b="0" i="0" u="none" strike="noStrike" cap="none" normalizeH="0" baseline="0" dirty="0">
+                          <a:latin typeface="나눔명조" panose="02020603020101020101" pitchFamily="18" charset="-127"/>
+                          <a:ea typeface="나눔명조" panose="02020603020101020101" pitchFamily="18" charset="-127"/>
+                        </a:rPr>
+                        <a:t>방향전환</a:t>
+                      </a:r>
+                      <a:endParaRPr kumimoji="0" lang="en-US" altLang="ko-KR" sz="1200" b="0" i="0" u="none" strike="noStrike" cap="none" normalizeH="0" baseline="0" dirty="0">
                         <a:ln>
                           <a:noFill/>
                         </a:ln>
@@ -6024,24 +7249,10 @@
                           </a:schemeClr>
                         </a:solidFill>
                         <a:effectLst/>
-                        <a:latin typeface="배달의민족 한나는 열한살" panose="020B0600000101010101" pitchFamily="50" charset="-127"/>
-                        <a:ea typeface="배달의민족 한나는 열한살" panose="020B0600000101010101" pitchFamily="50" charset="-127"/>
+                        <a:latin typeface="나눔명조" panose="02020603020101020101" pitchFamily="18" charset="-127"/>
+                        <a:ea typeface="나눔명조" panose="02020603020101020101" pitchFamily="18" charset="-127"/>
                       </a:endParaRPr>
                     </a:p>
-                  </a:txBody>
-                  <a:tcPr anchor="ctr" horzOverflow="overflow">
-                    <a:solidFill>
-                      <a:schemeClr val="bg2">
-                        <a:lumMod val="25000"/>
-                        <a:lumOff val="75000"/>
-                      </a:schemeClr>
-                    </a:solidFill>
-                  </a:tcPr>
-                </a:tc>
-                <a:tc>
-                  <a:txBody>
-                    <a:bodyPr/>
-                    <a:lstStyle/>
                     <a:p>
                       <a:pPr marL="285750" marR="0" lvl="0" indent="-285750" algn="l" defTabSz="914400" rtl="0" eaLnBrk="1" fontAlgn="base" latinLnBrk="1" hangingPunct="1">
                         <a:lnSpc>
@@ -6060,7 +7271,7 @@
                         <a:tabLst/>
                       </a:pPr>
                       <a:r>
-                        <a:rPr kumimoji="0" lang="ko-KR" altLang="en-US" sz="1300" b="0" i="0" u="none" strike="noStrike" cap="none" normalizeH="0" baseline="0" dirty="0">
+                        <a:rPr kumimoji="0" lang="ko-KR" altLang="en-US" sz="1200" b="0" i="0" u="none" strike="noStrike" cap="none" normalizeH="0" baseline="0" dirty="0">
                           <a:ln>
                             <a:noFill/>
                           </a:ln>
@@ -6071,12 +7282,12 @@
                             </a:schemeClr>
                           </a:solidFill>
                           <a:effectLst/>
-                          <a:latin typeface="나눔고딕" panose="020D0604000000000000" pitchFamily="50" charset="-127"/>
-                          <a:ea typeface="나눔고딕" panose="020D0604000000000000" pitchFamily="50" charset="-127"/>
-                        </a:rPr>
-                        <a:t>오르기</a:t>
-                      </a:r>
-                      <a:endParaRPr kumimoji="0" lang="en-US" altLang="ko-KR" sz="1300" b="0" i="0" u="none" strike="noStrike" cap="none" normalizeH="0" baseline="0" dirty="0">
+                          <a:latin typeface="나눔명조" panose="02020603020101020101" pitchFamily="18" charset="-127"/>
+                          <a:ea typeface="나눔명조" panose="02020603020101020101" pitchFamily="18" charset="-127"/>
+                        </a:rPr>
+                        <a:t>시간 게이지</a:t>
+                      </a:r>
+                      <a:endParaRPr kumimoji="0" lang="en-US" altLang="ko-KR" sz="1200" b="0" i="0" u="none" strike="noStrike" cap="none" normalizeH="0" baseline="0" dirty="0">
                         <a:ln>
                           <a:noFill/>
                         </a:ln>
@@ -6087,8 +7298,8 @@
                           </a:schemeClr>
                         </a:solidFill>
                         <a:effectLst/>
-                        <a:latin typeface="나눔고딕" panose="020D0604000000000000" pitchFamily="50" charset="-127"/>
-                        <a:ea typeface="나눔고딕" panose="020D0604000000000000" pitchFamily="50" charset="-127"/>
+                        <a:latin typeface="나눔명조" panose="02020603020101020101" pitchFamily="18" charset="-127"/>
+                        <a:ea typeface="나눔명조" panose="02020603020101020101" pitchFamily="18" charset="-127"/>
                       </a:endParaRPr>
                     </a:p>
                     <a:p>
@@ -6109,7 +7320,7 @@
                         <a:tabLst/>
                       </a:pPr>
                       <a:r>
-                        <a:rPr kumimoji="0" lang="ko-KR" altLang="en-US" sz="1300" b="0" i="0" u="none" strike="noStrike" cap="none" normalizeH="0" baseline="0" dirty="0">
+                        <a:rPr kumimoji="0" lang="ko-KR" altLang="en-US" sz="1200" b="0" i="0" u="none" strike="noStrike" cap="none" normalizeH="0" baseline="0" dirty="0">
                           <a:ln>
                             <a:noFill/>
                           </a:ln>
@@ -6120,12 +7331,95 @@
                             </a:schemeClr>
                           </a:solidFill>
                           <a:effectLst/>
-                          <a:latin typeface="나눔고딕" panose="020D0604000000000000" pitchFamily="50" charset="-127"/>
-                          <a:ea typeface="나눔고딕" panose="020D0604000000000000" pitchFamily="50" charset="-127"/>
-                        </a:rPr>
-                        <a:t>방향전환</a:t>
-                      </a:r>
-                      <a:endParaRPr kumimoji="0" lang="en-US" altLang="ko-KR" sz="1300" b="0" i="0" u="none" strike="noStrike" cap="none" normalizeH="0" baseline="0" dirty="0">
+                          <a:latin typeface="나눔명조" panose="02020603020101020101" pitchFamily="18" charset="-127"/>
+                          <a:ea typeface="나눔명조" panose="02020603020101020101" pitchFamily="18" charset="-127"/>
+                        </a:rPr>
+                        <a:t>게임 실패</a:t>
+                      </a:r>
+                      <a:r>
+                        <a:rPr kumimoji="0" lang="en-US" altLang="ko-KR" sz="1200" b="0" i="0" u="none" strike="noStrike" cap="none" normalizeH="0" baseline="0" dirty="0">
+                          <a:ln>
+                            <a:noFill/>
+                          </a:ln>
+                          <a:solidFill>
+                            <a:schemeClr val="bg1">
+                              <a:lumMod val="75000"/>
+                              <a:lumOff val="25000"/>
+                            </a:schemeClr>
+                          </a:solidFill>
+                          <a:effectLst/>
+                          <a:latin typeface="나눔명조" panose="02020603020101020101" pitchFamily="18" charset="-127"/>
+                          <a:ea typeface="나눔명조" panose="02020603020101020101" pitchFamily="18" charset="-127"/>
+                        </a:rPr>
+                        <a:t>, </a:t>
+                      </a:r>
+                      <a:r>
+                        <a:rPr kumimoji="0" lang="ko-KR" altLang="en-US" sz="1200" b="0" i="0" u="none" strike="noStrike" cap="none" normalizeH="0" baseline="0" dirty="0">
+                          <a:ln>
+                            <a:noFill/>
+                          </a:ln>
+                          <a:solidFill>
+                            <a:schemeClr val="bg1">
+                              <a:lumMod val="75000"/>
+                              <a:lumOff val="25000"/>
+                            </a:schemeClr>
+                          </a:solidFill>
+                          <a:effectLst/>
+                          <a:latin typeface="나눔명조" panose="02020603020101020101" pitchFamily="18" charset="-127"/>
+                          <a:ea typeface="나눔명조" panose="02020603020101020101" pitchFamily="18" charset="-127"/>
+                        </a:rPr>
+                        <a:t>게임 성공</a:t>
+                      </a:r>
+                    </a:p>
+                  </a:txBody>
+                  <a:tcPr anchor="ctr" horzOverflow="overflow">
+                    <a:solidFill>
+                      <a:schemeClr val="bg2">
+                        <a:lumMod val="10000"/>
+                        <a:lumOff val="90000"/>
+                      </a:schemeClr>
+                    </a:solidFill>
+                  </a:tcPr>
+                </a:tc>
+                <a:tc>
+                  <a:txBody>
+                    <a:bodyPr/>
+                    <a:lstStyle/>
+                    <a:p>
+                      <a:pPr marL="285750" marR="0" lvl="0" indent="-285750" algn="l" defTabSz="914400" rtl="0" eaLnBrk="1" fontAlgn="base" latinLnBrk="1" hangingPunct="1">
+                        <a:lnSpc>
+                          <a:spcPct val="100000"/>
+                        </a:lnSpc>
+                        <a:spcBef>
+                          <a:spcPct val="0"/>
+                        </a:spcBef>
+                        <a:spcAft>
+                          <a:spcPct val="0"/>
+                        </a:spcAft>
+                        <a:buClrTx/>
+                        <a:buSzTx/>
+                        <a:buFont typeface="Arial" panose="020B0604020202020204" pitchFamily="34" charset="0"/>
+                        <a:buChar char="•"/>
+                        <a:tabLst/>
+                      </a:pPr>
+                      <a:r>
+                        <a:rPr kumimoji="0" lang="ko-KR" altLang="en-US" sz="1200" b="0" i="0" u="none" strike="noStrike" cap="none" normalizeH="0" baseline="0" dirty="0">
+                          <a:ln>
+                            <a:noFill/>
+                          </a:ln>
+                          <a:solidFill>
+                            <a:schemeClr val="bg1">
+                              <a:lumMod val="75000"/>
+                              <a:lumOff val="25000"/>
+                            </a:schemeClr>
+                          </a:solidFill>
+                          <a:effectLst/>
+                          <a:latin typeface="나눔명조" panose="02020603020101020101" pitchFamily="18" charset="-127"/>
+                          <a:ea typeface="나눔명조" panose="02020603020101020101" pitchFamily="18" charset="-127"/>
+                        </a:rPr>
+                        <a:t>오르기</a:t>
+                      </a:r>
+                      <a:endParaRPr kumimoji="0" lang="en-US" altLang="ko-KR" sz="1200" b="0" i="0" u="none" strike="noStrike" cap="none" normalizeH="0" baseline="0" dirty="0">
                         <a:ln>
                           <a:noFill/>
                         </a:ln>
@@ -6136,8 +7430,8 @@
                           </a:schemeClr>
                         </a:solidFill>
                         <a:effectLst/>
-                        <a:latin typeface="나눔고딕" panose="020D0604000000000000" pitchFamily="50" charset="-127"/>
-                        <a:ea typeface="나눔고딕" panose="020D0604000000000000" pitchFamily="50" charset="-127"/>
+                        <a:latin typeface="나눔명조" panose="02020603020101020101" pitchFamily="18" charset="-127"/>
+                        <a:ea typeface="나눔명조" panose="02020603020101020101" pitchFamily="18" charset="-127"/>
                       </a:endParaRPr>
                     </a:p>
                     <a:p>
@@ -6158,7 +7452,7 @@
                         <a:tabLst/>
                       </a:pPr>
                       <a:r>
-                        <a:rPr kumimoji="0" lang="ko-KR" altLang="en-US" sz="1300" b="0" i="0" u="none" strike="noStrike" cap="none" normalizeH="0" baseline="0" dirty="0">
+                        <a:rPr kumimoji="0" lang="ko-KR" altLang="en-US" sz="1200" b="0" i="0" u="none" strike="noStrike" cap="none" normalizeH="0" baseline="0" dirty="0">
                           <a:ln>
                             <a:noFill/>
                           </a:ln>
@@ -6169,12 +7463,12 @@
                             </a:schemeClr>
                           </a:solidFill>
                           <a:effectLst/>
-                          <a:latin typeface="나눔고딕" panose="020D0604000000000000" pitchFamily="50" charset="-127"/>
-                          <a:ea typeface="나눔고딕" panose="020D0604000000000000" pitchFamily="50" charset="-127"/>
-                        </a:rPr>
-                        <a:t>시간 게이지</a:t>
-                      </a:r>
-                      <a:endParaRPr kumimoji="0" lang="en-US" altLang="ko-KR" sz="1300" b="0" i="0" u="none" strike="noStrike" cap="none" normalizeH="0" baseline="0" dirty="0">
+                          <a:latin typeface="나눔명조" panose="02020603020101020101" pitchFamily="18" charset="-127"/>
+                          <a:ea typeface="나눔명조" panose="02020603020101020101" pitchFamily="18" charset="-127"/>
+                        </a:rPr>
+                        <a:t>방향전환</a:t>
+                      </a:r>
+                      <a:endParaRPr kumimoji="0" lang="en-US" altLang="ko-KR" sz="1200" b="0" i="0" u="none" strike="noStrike" cap="none" normalizeH="0" baseline="0" dirty="0">
                         <a:ln>
                           <a:noFill/>
                         </a:ln>
@@ -6185,8 +7479,8 @@
                           </a:schemeClr>
                         </a:solidFill>
                         <a:effectLst/>
-                        <a:latin typeface="나눔고딕" panose="020D0604000000000000" pitchFamily="50" charset="-127"/>
-                        <a:ea typeface="나눔고딕" panose="020D0604000000000000" pitchFamily="50" charset="-127"/>
+                        <a:latin typeface="나눔명조" panose="02020603020101020101" pitchFamily="18" charset="-127"/>
+                        <a:ea typeface="나눔명조" panose="02020603020101020101" pitchFamily="18" charset="-127"/>
                       </a:endParaRPr>
                     </a:p>
                     <a:p>
@@ -6207,7 +7501,7 @@
                         <a:tabLst/>
                       </a:pPr>
                       <a:r>
-                        <a:rPr kumimoji="0" lang="ko-KR" altLang="en-US" sz="1300" b="0" i="0" u="none" strike="noStrike" cap="none" normalizeH="0" baseline="0" dirty="0">
+                        <a:rPr kumimoji="0" lang="ko-KR" altLang="en-US" sz="1200" b="0" i="0" u="none" strike="noStrike" cap="none" normalizeH="0" baseline="0" dirty="0">
                           <a:ln>
                             <a:noFill/>
                           </a:ln>
@@ -6218,13 +7512,45 @@
                             </a:schemeClr>
                           </a:solidFill>
                           <a:effectLst/>
-                          <a:latin typeface="나눔고딕" panose="020D0604000000000000" pitchFamily="50" charset="-127"/>
-                          <a:ea typeface="나눔고딕" panose="020D0604000000000000" pitchFamily="50" charset="-127"/>
-                        </a:rPr>
-                        <a:t>게임 실패</a:t>
-                      </a:r>
-                      <a:r>
-                        <a:rPr kumimoji="0" lang="en-US" altLang="ko-KR" sz="1300" b="0" i="0" u="none" strike="noStrike" cap="none" normalizeH="0" baseline="0" dirty="0">
+                          <a:latin typeface="나눔명조" panose="02020603020101020101" pitchFamily="18" charset="-127"/>
+                          <a:ea typeface="나눔명조" panose="02020603020101020101" pitchFamily="18" charset="-127"/>
+                        </a:rPr>
+                        <a:t>시간 게이지</a:t>
+                      </a:r>
+                      <a:endParaRPr kumimoji="0" lang="en-US" altLang="ko-KR" sz="1200" b="0" i="0" u="none" strike="noStrike" cap="none" normalizeH="0" baseline="0" dirty="0">
+                        <a:ln>
+                          <a:noFill/>
+                        </a:ln>
+                        <a:solidFill>
+                          <a:schemeClr val="bg1">
+                            <a:lumMod val="75000"/>
+                            <a:lumOff val="25000"/>
+                          </a:schemeClr>
+                        </a:solidFill>
+                        <a:effectLst/>
+                        <a:latin typeface="나눔명조" panose="02020603020101020101" pitchFamily="18" charset="-127"/>
+                        <a:ea typeface="나눔명조" panose="02020603020101020101" pitchFamily="18" charset="-127"/>
+                      </a:endParaRPr>
+                    </a:p>
+                    <a:p>
+                      <a:pPr marL="285750" marR="0" lvl="0" indent="-285750" algn="l" defTabSz="914400" rtl="0" eaLnBrk="1" fontAlgn="base" latinLnBrk="1" hangingPunct="1">
+                        <a:lnSpc>
+                          <a:spcPct val="100000"/>
+                        </a:lnSpc>
+                        <a:spcBef>
+                          <a:spcPct val="0"/>
+                        </a:spcBef>
+                        <a:spcAft>
+                          <a:spcPct val="0"/>
+                        </a:spcAft>
+                        <a:buClrTx/>
+                        <a:buSzTx/>
+                        <a:buFont typeface="Arial" panose="020B0604020202020204" pitchFamily="34" charset="0"/>
+                        <a:buChar char="•"/>
+                        <a:tabLst/>
+                      </a:pPr>
+                      <a:r>
+                        <a:rPr kumimoji="0" lang="ko-KR" altLang="en-US" sz="1200" b="0" i="0" u="none" strike="noStrike" cap="none" normalizeH="0" baseline="0" dirty="0">
                           <a:ln>
                             <a:noFill/>
                           </a:ln>
@@ -6235,13 +7561,13 @@
                             </a:schemeClr>
                           </a:solidFill>
                           <a:effectLst/>
-                          <a:latin typeface="나눔고딕" panose="020D0604000000000000" pitchFamily="50" charset="-127"/>
-                          <a:ea typeface="나눔고딕" panose="020D0604000000000000" pitchFamily="50" charset="-127"/>
-                        </a:rPr>
-                        <a:t>, </a:t>
-                      </a:r>
-                      <a:r>
-                        <a:rPr kumimoji="0" lang="ko-KR" altLang="en-US" sz="1300" b="0" i="0" u="none" strike="noStrike" cap="none" normalizeH="0" baseline="0" dirty="0">
+                          <a:latin typeface="나눔명조" panose="02020603020101020101" pitchFamily="18" charset="-127"/>
+                          <a:ea typeface="나눔명조" panose="02020603020101020101" pitchFamily="18" charset="-127"/>
+                        </a:rPr>
+                        <a:t>게임 실패</a:t>
+                      </a:r>
+                      <a:r>
+                        <a:rPr kumimoji="0" lang="en-US" altLang="ko-KR" sz="1200" b="0" i="0" u="none" strike="noStrike" cap="none" normalizeH="0" baseline="0" dirty="0">
                           <a:ln>
                             <a:noFill/>
                           </a:ln>
@@ -6252,45 +7578,13 @@
                             </a:schemeClr>
                           </a:solidFill>
                           <a:effectLst/>
-                          <a:latin typeface="나눔고딕" panose="020D0604000000000000" pitchFamily="50" charset="-127"/>
-                          <a:ea typeface="나눔고딕" panose="020D0604000000000000" pitchFamily="50" charset="-127"/>
-                        </a:rPr>
-                        <a:t>게임 성공</a:t>
-                      </a:r>
-                    </a:p>
-                  </a:txBody>
-                  <a:tcPr anchor="ctr" horzOverflow="overflow">
-                    <a:solidFill>
-                      <a:schemeClr val="bg2">
-                        <a:lumMod val="10000"/>
-                        <a:lumOff val="90000"/>
-                      </a:schemeClr>
-                    </a:solidFill>
-                  </a:tcPr>
-                </a:tc>
-                <a:tc>
-                  <a:txBody>
-                    <a:bodyPr/>
-                    <a:lstStyle/>
-                    <a:p>
-                      <a:pPr marL="285750" marR="0" lvl="0" indent="-285750" algn="l" defTabSz="914400" rtl="0" eaLnBrk="1" fontAlgn="base" latinLnBrk="1" hangingPunct="1">
-                        <a:lnSpc>
-                          <a:spcPct val="100000"/>
-                        </a:lnSpc>
-                        <a:spcBef>
-                          <a:spcPct val="0"/>
-                        </a:spcBef>
-                        <a:spcAft>
-                          <a:spcPct val="0"/>
-                        </a:spcAft>
-                        <a:buClrTx/>
-                        <a:buSzTx/>
-                        <a:buFont typeface="Arial" panose="020B0604020202020204" pitchFamily="34" charset="0"/>
-                        <a:buChar char="•"/>
-                        <a:tabLst/>
-                      </a:pPr>
-                      <a:r>
-                        <a:rPr kumimoji="0" lang="ko-KR" altLang="en-US" sz="1300" b="0" i="0" u="none" strike="noStrike" cap="none" normalizeH="0" baseline="0" dirty="0">
+                          <a:latin typeface="나눔명조" panose="02020603020101020101" pitchFamily="18" charset="-127"/>
+                          <a:ea typeface="나눔명조" panose="02020603020101020101" pitchFamily="18" charset="-127"/>
+                        </a:rPr>
+                        <a:t>, </a:t>
+                      </a:r>
+                      <a:r>
+                        <a:rPr kumimoji="0" lang="ko-KR" altLang="en-US" sz="1200" b="0" i="0" u="none" strike="noStrike" cap="none" normalizeH="0" baseline="0" dirty="0">
                           <a:ln>
                             <a:noFill/>
                           </a:ln>
@@ -6301,11 +7595,150 @@
                             </a:schemeClr>
                           </a:solidFill>
                           <a:effectLst/>
-                          <a:latin typeface="나눔고딕" panose="020D0604000000000000" pitchFamily="50" charset="-127"/>
-                          <a:ea typeface="나눔고딕" panose="020D0604000000000000" pitchFamily="50" charset="-127"/>
-                        </a:rPr>
-                        <a:t>점프</a:t>
-                      </a:r>
+                          <a:latin typeface="나눔명조" panose="02020603020101020101" pitchFamily="18" charset="-127"/>
+                          <a:ea typeface="나눔명조" panose="02020603020101020101" pitchFamily="18" charset="-127"/>
+                        </a:rPr>
+                        <a:t>게임 성공</a:t>
+                      </a:r>
+                    </a:p>
+                    <a:p>
+                      <a:pPr marL="285750" marR="0" lvl="0" indent="-285750" algn="l" defTabSz="914400" rtl="0" eaLnBrk="1" fontAlgn="base" latinLnBrk="1" hangingPunct="1">
+                        <a:lnSpc>
+                          <a:spcPct val="100000"/>
+                        </a:lnSpc>
+                        <a:spcBef>
+                          <a:spcPct val="0"/>
+                        </a:spcBef>
+                        <a:spcAft>
+                          <a:spcPct val="0"/>
+                        </a:spcAft>
+                        <a:buClrTx/>
+                        <a:buSzTx/>
+                        <a:buFont typeface="Arial" panose="020B0604020202020204" pitchFamily="34" charset="0"/>
+                        <a:buChar char="•"/>
+                        <a:tabLst/>
+                      </a:pPr>
+                      <a:endParaRPr kumimoji="0" lang="ko-KR" altLang="en-US" sz="1200" b="0" i="0" u="none" strike="noStrike" cap="none" normalizeH="0" baseline="0" dirty="0">
+                        <a:ln>
+                          <a:noFill/>
+                        </a:ln>
+                        <a:solidFill>
+                          <a:schemeClr val="bg1">
+                            <a:lumMod val="75000"/>
+                            <a:lumOff val="25000"/>
+                          </a:schemeClr>
+                        </a:solidFill>
+                        <a:effectLst/>
+                        <a:latin typeface="나눔명조" panose="02020603020101020101" pitchFamily="18" charset="-127"/>
+                        <a:ea typeface="나눔명조" panose="02020603020101020101" pitchFamily="18" charset="-127"/>
+                      </a:endParaRPr>
+                    </a:p>
+                  </a:txBody>
+                  <a:tcPr anchor="ctr" horzOverflow="overflow">
+                    <a:solidFill>
+                      <a:schemeClr val="bg2">
+                        <a:lumMod val="10000"/>
+                        <a:lumOff val="90000"/>
+                      </a:schemeClr>
+                    </a:solidFill>
+                  </a:tcPr>
+                </a:tc>
+                <a:tc>
+                  <a:txBody>
+                    <a:bodyPr/>
+                    <a:lstStyle/>
+                    <a:p>
+                      <a:pPr marL="0" marR="0" lvl="0" indent="0" algn="ctr" defTabSz="914400" rtl="0" eaLnBrk="1" fontAlgn="base" latinLnBrk="1" hangingPunct="1">
+                        <a:lnSpc>
+                          <a:spcPct val="100000"/>
+                        </a:lnSpc>
+                        <a:spcBef>
+                          <a:spcPct val="0"/>
+                        </a:spcBef>
+                        <a:spcAft>
+                          <a:spcPct val="0"/>
+                        </a:spcAft>
+                        <a:buClrTx/>
+                        <a:buSzTx/>
+                        <a:buFont typeface="Arial" panose="020B0604020202020204" pitchFamily="34" charset="0"/>
+                        <a:buNone/>
+                        <a:tabLst/>
+                      </a:pPr>
+                      <a:r>
+                        <a:rPr kumimoji="0" lang="en-US" altLang="ko-KR" sz="1200" b="1" i="0" u="none" strike="noStrike" cap="none" normalizeH="0" baseline="0" dirty="0">
+                          <a:ln>
+                            <a:noFill/>
+                          </a:ln>
+                          <a:solidFill>
+                            <a:schemeClr val="bg1">
+                              <a:lumMod val="75000"/>
+                              <a:lumOff val="25000"/>
+                            </a:schemeClr>
+                          </a:solidFill>
+                          <a:effectLst/>
+                          <a:latin typeface="나눔명조" panose="02020603020101020101" pitchFamily="18" charset="-127"/>
+                          <a:ea typeface="나눔명조" panose="02020603020101020101" pitchFamily="18" charset="-127"/>
+                        </a:rPr>
+                        <a:t>-</a:t>
+                      </a:r>
+                      <a:endParaRPr kumimoji="0" lang="ko-KR" altLang="en-US" sz="1200" b="1" i="0" u="none" strike="noStrike" cap="none" normalizeH="0" baseline="0" dirty="0">
+                        <a:ln>
+                          <a:noFill/>
+                        </a:ln>
+                        <a:solidFill>
+                          <a:schemeClr val="bg1">
+                            <a:lumMod val="75000"/>
+                            <a:lumOff val="25000"/>
+                          </a:schemeClr>
+                        </a:solidFill>
+                        <a:effectLst/>
+                        <a:latin typeface="나눔명조" panose="02020603020101020101" pitchFamily="18" charset="-127"/>
+                        <a:ea typeface="나눔명조" panose="02020603020101020101" pitchFamily="18" charset="-127"/>
+                      </a:endParaRPr>
+                    </a:p>
+                  </a:txBody>
+                  <a:tcPr anchor="ctr" horzOverflow="overflow">
+                    <a:solidFill>
+                      <a:schemeClr val="bg2">
+                        <a:lumMod val="10000"/>
+                        <a:lumOff val="90000"/>
+                      </a:schemeClr>
+                    </a:solidFill>
+                  </a:tcPr>
+                </a:tc>
+                <a:tc>
+                  <a:txBody>
+                    <a:bodyPr/>
+                    <a:lstStyle/>
+                    <a:p>
+                      <a:pPr marL="0" marR="0" lvl="0" indent="0" algn="ctr" defTabSz="914400" rtl="0" eaLnBrk="1" fontAlgn="base" latinLnBrk="1" hangingPunct="1">
+                        <a:lnSpc>
+                          <a:spcPct val="100000"/>
+                        </a:lnSpc>
+                        <a:spcBef>
+                          <a:spcPct val="0"/>
+                        </a:spcBef>
+                        <a:spcAft>
+                          <a:spcPct val="0"/>
+                        </a:spcAft>
+                        <a:buClrTx/>
+                        <a:buSzTx/>
+                        <a:buFont typeface="Arial" panose="020B0604020202020204" pitchFamily="34" charset="0"/>
+                        <a:buNone/>
+                        <a:tabLst/>
+                        <a:defRPr/>
+                      </a:pPr>
+                      <a:r>
+                        <a:rPr lang="en-US" altLang="ko-KR" sz="1600" b="1" dirty="0">
+                          <a:latin typeface="나눔명조" panose="02020603020101020101" pitchFamily="18" charset="-127"/>
+                          <a:ea typeface="나눔명조" panose="02020603020101020101" pitchFamily="18" charset="-127"/>
+                        </a:rPr>
+                        <a:t>100%</a:t>
+                      </a:r>
+                      <a:endParaRPr lang="ko-KR" altLang="en-US" sz="1600" b="1" dirty="0">
+                        <a:latin typeface="나눔명조" panose="02020603020101020101" pitchFamily="18" charset="-127"/>
+                        <a:ea typeface="나눔명조" panose="02020603020101020101" pitchFamily="18" charset="-127"/>
+                      </a:endParaRPr>
                     </a:p>
                   </a:txBody>
                   <a:tcPr anchor="ctr" horzOverflow="overflow">
@@ -8552,7 +9985,7 @@
                   </a:ext>
                 </a:extLst>
               </a:tr>
-              <a:tr h="253992">
+              <a:tr h="259314">
                 <a:tc>
                   <a:txBody>
                     <a:bodyPr/>
@@ -8663,7 +10096,7 @@
                   </a:ext>
                 </a:extLst>
               </a:tr>
-              <a:tr h="253992">
+              <a:tr h="259314">
                 <a:tc>
                   <a:txBody>
                     <a:bodyPr/>
